--- a/Documentacion/Trabajo AII Presentación Francisco Alé Palacios.pptx
+++ b/Documentacion/Trabajo AII Presentación Francisco Alé Palacios.pptx
@@ -1,49 +1,49 @@
 
 <file path=ppt/presentation.xml><?xml version="1.0" encoding="utf-8"?>
-<p:presentation xmlns:a="http://schemas.openxmlformats.org/drawingml/2006/main" xmlns:r="http://schemas.openxmlformats.org/officeDocument/2006/relationships" xmlns:mc="http://schemas.openxmlformats.org/markup-compatibility/2006" xmlns:mv="urn:schemas-microsoft-com:mac:vml" xmlns:p="http://schemas.openxmlformats.org/presentationml/2006/main" xmlns:c="http://schemas.openxmlformats.org/drawingml/2006/chart" xmlns:dgm="http://schemas.openxmlformats.org/drawingml/2006/diagram" xmlns:o="urn:schemas-microsoft-com:office:office" xmlns:v="urn:schemas-microsoft-com:vml" xmlns:pvml="urn:schemas-microsoft-com:office:powerpoint" xmlns:com="http://schemas.openxmlformats.org/drawingml/2006/compatibility" xmlns:p14="http://schemas.microsoft.com/office/powerpoint/2010/main" xmlns:p15="http://schemas.microsoft.com/office/powerpoint/2012/main" xmlns:ahyp="http://schemas.microsoft.com/office/drawing/2018/hyperlinkcolor" autoCompressPictures="0" embedTrueTypeFonts="1" strictFirstAndLastChars="0" saveSubsetFonts="1">
+<p:presentation xmlns:a="http://schemas.openxmlformats.org/drawingml/2006/main" xmlns:r="http://schemas.openxmlformats.org/officeDocument/2006/relationships" xmlns:p="http://schemas.openxmlformats.org/presentationml/2006/main" strictFirstAndLastChars="0" embedTrueTypeFonts="1" saveSubsetFonts="1" autoCompressPictures="0">
   <p:sldMasterIdLst>
-    <p:sldMasterId id="2147483659" r:id="rId4"/>
+    <p:sldMasterId id="2147483659" r:id="rId1"/>
   </p:sldMasterIdLst>
   <p:notesMasterIdLst>
-    <p:notesMasterId r:id="rId5"/>
+    <p:notesMasterId r:id="rId10"/>
   </p:notesMasterIdLst>
   <p:sldIdLst>
-    <p:sldId id="256" r:id="rId6"/>
-    <p:sldId id="257" r:id="rId7"/>
-    <p:sldId id="258" r:id="rId8"/>
-    <p:sldId id="259" r:id="rId9"/>
-    <p:sldId id="260" r:id="rId10"/>
-    <p:sldId id="261" r:id="rId11"/>
-    <p:sldId id="262" r:id="rId12"/>
-    <p:sldId id="263" r:id="rId13"/>
+    <p:sldId id="256" r:id="rId2"/>
+    <p:sldId id="257" r:id="rId3"/>
+    <p:sldId id="258" r:id="rId4"/>
+    <p:sldId id="259" r:id="rId5"/>
+    <p:sldId id="260" r:id="rId6"/>
+    <p:sldId id="261" r:id="rId7"/>
+    <p:sldId id="262" r:id="rId8"/>
+    <p:sldId id="263" r:id="rId9"/>
   </p:sldIdLst>
-  <p:sldSz cy="5143500" cx="9144000"/>
+  <p:sldSz cx="9144000" cy="5143500" type="screen16x9"/>
   <p:notesSz cx="6858000" cy="9144000"/>
   <p:embeddedFontLst>
     <p:embeddedFont>
-      <p:font typeface="Raleway"/>
-      <p:regular r:id="rId14"/>
-      <p:bold r:id="rId15"/>
-      <p:italic r:id="rId16"/>
-      <p:boldItalic r:id="rId17"/>
+      <p:font typeface="Lato" panose="020B0604020202020204" charset="0"/>
+      <p:regular r:id="rId11"/>
+      <p:bold r:id="rId12"/>
+      <p:italic r:id="rId13"/>
+      <p:boldItalic r:id="rId14"/>
     </p:embeddedFont>
     <p:embeddedFont>
-      <p:font typeface="Roboto"/>
-      <p:regular r:id="rId18"/>
-      <p:bold r:id="rId19"/>
-      <p:italic r:id="rId20"/>
-      <p:boldItalic r:id="rId21"/>
+      <p:font typeface="Raleway" panose="020B0604020202020204" charset="0"/>
+      <p:regular r:id="rId15"/>
+      <p:bold r:id="rId16"/>
+      <p:italic r:id="rId17"/>
+      <p:boldItalic r:id="rId18"/>
     </p:embeddedFont>
     <p:embeddedFont>
-      <p:font typeface="Lato"/>
-      <p:regular r:id="rId22"/>
-      <p:bold r:id="rId23"/>
-      <p:italic r:id="rId24"/>
-      <p:boldItalic r:id="rId25"/>
+      <p:font typeface="Roboto" panose="020B0604020202020204" charset="0"/>
+      <p:regular r:id="rId19"/>
+      <p:bold r:id="rId20"/>
+      <p:italic r:id="rId21"/>
+      <p:boldItalic r:id="rId22"/>
     </p:embeddedFont>
   </p:embeddedFontLst>
   <p:defaultTextStyle>
-    <a:defPPr lvl="0" marR="0" rtl="0" algn="l">
+    <a:defPPr marR="0" lvl="0" algn="l" rtl="0">
       <a:lnSpc>
         <a:spcPct val="100000"/>
       </a:lnSpc>
@@ -54,7 +54,7 @@
         <a:spcPts val="0"/>
       </a:spcAft>
     </a:defPPr>
-    <a:lvl1pPr lvl="0" marR="0" rtl="0" algn="l">
+    <a:lvl1pPr marR="0" lvl="0" algn="l" rtl="0">
       <a:lnSpc>
         <a:spcPct val="100000"/>
       </a:lnSpc>
@@ -68,7 +68,7 @@
         <a:srgbClr val="000000"/>
       </a:buClr>
       <a:buFont typeface="Arial"/>
-      <a:defRPr b="0" i="0" sz="1400" u="none" cap="none" strike="noStrike">
+      <a:defRPr sz="1400" b="0" i="0" u="none" strike="noStrike" cap="none">
         <a:solidFill>
           <a:srgbClr val="000000"/>
         </a:solidFill>
@@ -78,7 +78,7 @@
         <a:sym typeface="Arial"/>
       </a:defRPr>
     </a:lvl1pPr>
-    <a:lvl2pPr lvl="1" marR="0" rtl="0" algn="l">
+    <a:lvl2pPr marR="0" lvl="1" algn="l" rtl="0">
       <a:lnSpc>
         <a:spcPct val="100000"/>
       </a:lnSpc>
@@ -92,7 +92,7 @@
         <a:srgbClr val="000000"/>
       </a:buClr>
       <a:buFont typeface="Arial"/>
-      <a:defRPr b="0" i="0" sz="1400" u="none" cap="none" strike="noStrike">
+      <a:defRPr sz="1400" b="0" i="0" u="none" strike="noStrike" cap="none">
         <a:solidFill>
           <a:srgbClr val="000000"/>
         </a:solidFill>
@@ -102,7 +102,7 @@
         <a:sym typeface="Arial"/>
       </a:defRPr>
     </a:lvl2pPr>
-    <a:lvl3pPr lvl="2" marR="0" rtl="0" algn="l">
+    <a:lvl3pPr marR="0" lvl="2" algn="l" rtl="0">
       <a:lnSpc>
         <a:spcPct val="100000"/>
       </a:lnSpc>
@@ -116,7 +116,7 @@
         <a:srgbClr val="000000"/>
       </a:buClr>
       <a:buFont typeface="Arial"/>
-      <a:defRPr b="0" i="0" sz="1400" u="none" cap="none" strike="noStrike">
+      <a:defRPr sz="1400" b="0" i="0" u="none" strike="noStrike" cap="none">
         <a:solidFill>
           <a:srgbClr val="000000"/>
         </a:solidFill>
@@ -126,7 +126,7 @@
         <a:sym typeface="Arial"/>
       </a:defRPr>
     </a:lvl3pPr>
-    <a:lvl4pPr lvl="3" marR="0" rtl="0" algn="l">
+    <a:lvl4pPr marR="0" lvl="3" algn="l" rtl="0">
       <a:lnSpc>
         <a:spcPct val="100000"/>
       </a:lnSpc>
@@ -140,7 +140,7 @@
         <a:srgbClr val="000000"/>
       </a:buClr>
       <a:buFont typeface="Arial"/>
-      <a:defRPr b="0" i="0" sz="1400" u="none" cap="none" strike="noStrike">
+      <a:defRPr sz="1400" b="0" i="0" u="none" strike="noStrike" cap="none">
         <a:solidFill>
           <a:srgbClr val="000000"/>
         </a:solidFill>
@@ -150,7 +150,7 @@
         <a:sym typeface="Arial"/>
       </a:defRPr>
     </a:lvl4pPr>
-    <a:lvl5pPr lvl="4" marR="0" rtl="0" algn="l">
+    <a:lvl5pPr marR="0" lvl="4" algn="l" rtl="0">
       <a:lnSpc>
         <a:spcPct val="100000"/>
       </a:lnSpc>
@@ -164,7 +164,7 @@
         <a:srgbClr val="000000"/>
       </a:buClr>
       <a:buFont typeface="Arial"/>
-      <a:defRPr b="0" i="0" sz="1400" u="none" cap="none" strike="noStrike">
+      <a:defRPr sz="1400" b="0" i="0" u="none" strike="noStrike" cap="none">
         <a:solidFill>
           <a:srgbClr val="000000"/>
         </a:solidFill>
@@ -174,7 +174,7 @@
         <a:sym typeface="Arial"/>
       </a:defRPr>
     </a:lvl5pPr>
-    <a:lvl6pPr lvl="5" marR="0" rtl="0" algn="l">
+    <a:lvl6pPr marR="0" lvl="5" algn="l" rtl="0">
       <a:lnSpc>
         <a:spcPct val="100000"/>
       </a:lnSpc>
@@ -188,7 +188,7 @@
         <a:srgbClr val="000000"/>
       </a:buClr>
       <a:buFont typeface="Arial"/>
-      <a:defRPr b="0" i="0" sz="1400" u="none" cap="none" strike="noStrike">
+      <a:defRPr sz="1400" b="0" i="0" u="none" strike="noStrike" cap="none">
         <a:solidFill>
           <a:srgbClr val="000000"/>
         </a:solidFill>
@@ -198,7 +198,7 @@
         <a:sym typeface="Arial"/>
       </a:defRPr>
     </a:lvl6pPr>
-    <a:lvl7pPr lvl="6" marR="0" rtl="0" algn="l">
+    <a:lvl7pPr marR="0" lvl="6" algn="l" rtl="0">
       <a:lnSpc>
         <a:spcPct val="100000"/>
       </a:lnSpc>
@@ -212,7 +212,7 @@
         <a:srgbClr val="000000"/>
       </a:buClr>
       <a:buFont typeface="Arial"/>
-      <a:defRPr b="0" i="0" sz="1400" u="none" cap="none" strike="noStrike">
+      <a:defRPr sz="1400" b="0" i="0" u="none" strike="noStrike" cap="none">
         <a:solidFill>
           <a:srgbClr val="000000"/>
         </a:solidFill>
@@ -222,7 +222,7 @@
         <a:sym typeface="Arial"/>
       </a:defRPr>
     </a:lvl7pPr>
-    <a:lvl8pPr lvl="7" marR="0" rtl="0" algn="l">
+    <a:lvl8pPr marR="0" lvl="7" algn="l" rtl="0">
       <a:lnSpc>
         <a:spcPct val="100000"/>
       </a:lnSpc>
@@ -236,7 +236,7 @@
         <a:srgbClr val="000000"/>
       </a:buClr>
       <a:buFont typeface="Arial"/>
-      <a:defRPr b="0" i="0" sz="1400" u="none" cap="none" strike="noStrike">
+      <a:defRPr sz="1400" b="0" i="0" u="none" strike="noStrike" cap="none">
         <a:solidFill>
           <a:srgbClr val="000000"/>
         </a:solidFill>
@@ -246,7 +246,7 @@
         <a:sym typeface="Arial"/>
       </a:defRPr>
     </a:lvl8pPr>
-    <a:lvl9pPr lvl="8" marR="0" rtl="0" algn="l">
+    <a:lvl9pPr marR="0" lvl="8" algn="l" rtl="0">
       <a:lnSpc>
         <a:spcPct val="100000"/>
       </a:lnSpc>
@@ -260,7 +260,7 @@
         <a:srgbClr val="000000"/>
       </a:buClr>
       <a:buFont typeface="Arial"/>
-      <a:defRPr b="0" i="0" sz="1400" u="none" cap="none" strike="noStrike">
+      <a:defRPr sz="1400" b="0" i="0" u="none" strike="noStrike" cap="none">
         <a:solidFill>
           <a:srgbClr val="000000"/>
         </a:solidFill>
@@ -273,7 +273,7 @@
   </p:defaultTextStyle>
   <p:extLst>
     <p:ext uri="{EFAFB233-063F-42B5-8137-9DF3F51BA10A}">
-      <p15:sldGuideLst>
+      <p15:sldGuideLst xmlns:p15="http://schemas.microsoft.com/office/powerpoint/2012/main">
         <p15:guide id="1" orient="horz" pos="1620">
           <p15:clr>
             <a:srgbClr val="A4A3A4"/>
@@ -291,11 +291,16 @@
 </file>
 
 <file path=ppt/notesMasters/notesMaster1.xml><?xml version="1.0" encoding="utf-8"?>
-<p:notesMaster xmlns:a="http://schemas.openxmlformats.org/drawingml/2006/main" xmlns:r="http://schemas.openxmlformats.org/officeDocument/2006/relationships" xmlns:mc="http://schemas.openxmlformats.org/markup-compatibility/2006" xmlns:mv="urn:schemas-microsoft-com:mac:vml" xmlns:p="http://schemas.openxmlformats.org/presentationml/2006/main" xmlns:c="http://schemas.openxmlformats.org/drawingml/2006/chart" xmlns:dgm="http://schemas.openxmlformats.org/drawingml/2006/diagram" xmlns:o="urn:schemas-microsoft-com:office:office" xmlns:v="urn:schemas-microsoft-com:vml" xmlns:pvml="urn:schemas-microsoft-com:office:powerpoint" xmlns:com="http://schemas.openxmlformats.org/drawingml/2006/compatibility" xmlns:p14="http://schemas.microsoft.com/office/powerpoint/2010/main" xmlns:p15="http://schemas.microsoft.com/office/powerpoint/2012/main" xmlns:ahyp="http://schemas.microsoft.com/office/drawing/2018/hyperlinkcolor">
+<p:notesMaster xmlns:a="http://schemas.openxmlformats.org/drawingml/2006/main" xmlns:r="http://schemas.openxmlformats.org/officeDocument/2006/relationships" xmlns:p="http://schemas.openxmlformats.org/presentationml/2006/main">
   <p:cSld>
+    <p:bg>
+      <p:bgRef idx="1001">
+        <a:schemeClr val="bg1"/>
+      </p:bgRef>
+    </p:bg>
     <p:spTree>
       <p:nvGrpSpPr>
-        <p:cNvPr id="2" name="Shape 2"/>
+        <p:cNvPr id="1" name="Shape 2"/>
         <p:cNvGrpSpPr/>
         <p:nvPr/>
       </p:nvGrpSpPr>
@@ -310,9 +315,11 @@
       <p:sp>
         <p:nvSpPr>
           <p:cNvPr id="3" name="Google Shape;3;n"/>
-          <p:cNvSpPr/>
+          <p:cNvSpPr>
+            <a:spLocks noGrp="1" noRot="1" noChangeAspect="1"/>
+          </p:cNvSpPr>
           <p:nvPr>
-            <p:ph idx="2" type="sldImg"/>
+            <p:ph type="sldImg" idx="2"/>
           </p:nvPr>
         </p:nvSpPr>
         <p:spPr>
@@ -321,9 +328,13 @@
             <a:ext cx="6096075" cy="3429000"/>
           </a:xfrm>
           <a:custGeom>
-            <a:rect b="b" l="l" r="r" t="t"/>
+            <a:avLst/>
+            <a:gdLst/>
+            <a:ahLst/>
+            <a:cxnLst/>
+            <a:rect l="l" t="t" r="r" b="b"/>
             <a:pathLst>
-              <a:path extrusionOk="0" h="120000" w="120000">
+              <a:path w="120000" h="120000" extrusionOk="0">
                 <a:moveTo>
                   <a:pt x="0" y="0"/>
                 </a:moveTo>
@@ -341,23 +352,25 @@
             </a:pathLst>
           </a:custGeom>
           <a:noFill/>
-          <a:ln cap="flat" cmpd="sng" w="9525">
+          <a:ln w="9525" cap="flat" cmpd="sng">
             <a:solidFill>
               <a:srgbClr val="000000"/>
             </a:solidFill>
             <a:prstDash val="solid"/>
             <a:round/>
-            <a:headEnd len="sm" w="sm" type="none"/>
-            <a:tailEnd len="sm" w="sm" type="none"/>
+            <a:headEnd type="none" w="sm" len="sm"/>
+            <a:tailEnd type="none" w="sm" len="sm"/>
           </a:ln>
         </p:spPr>
       </p:sp>
       <p:sp>
         <p:nvSpPr>
           <p:cNvPr id="4" name="Google Shape;4;n"/>
-          <p:cNvSpPr txBox="1"/>
+          <p:cNvSpPr txBox="1">
+            <a:spLocks noGrp="1"/>
+          </p:cNvSpPr>
           <p:nvPr>
-            <p:ph idx="1" type="body"/>
+            <p:ph type="body" idx="1"/>
           </p:nvPr>
         </p:nvSpPr>
         <p:spPr>
@@ -374,11 +387,11 @@
           </a:ln>
         </p:spPr>
         <p:txBody>
-          <a:bodyPr anchorCtr="0" anchor="t" bIns="91425" lIns="91425" spcFirstLastPara="1" rIns="91425" wrap="square" tIns="91425">
+          <a:bodyPr spcFirstLastPara="1" wrap="square" lIns="91425" tIns="91425" rIns="91425" bIns="91425" anchor="t" anchorCtr="0">
             <a:noAutofit/>
           </a:bodyPr>
           <a:lstStyle>
-            <a:lvl1pPr indent="-298450" lvl="0" marL="457200">
+            <a:lvl1pPr marL="457200" lvl="0" indent="-298450">
               <a:spcBef>
                 <a:spcPts val="0"/>
               </a:spcBef>
@@ -389,7 +402,7 @@
               <a:buChar char="●"/>
               <a:defRPr sz="1100"/>
             </a:lvl1pPr>
-            <a:lvl2pPr indent="-298450" lvl="1" marL="914400">
+            <a:lvl2pPr marL="914400" lvl="1" indent="-298450">
               <a:spcBef>
                 <a:spcPts val="0"/>
               </a:spcBef>
@@ -400,7 +413,7 @@
               <a:buChar char="○"/>
               <a:defRPr sz="1100"/>
             </a:lvl2pPr>
-            <a:lvl3pPr indent="-298450" lvl="2" marL="1371600">
+            <a:lvl3pPr marL="1371600" lvl="2" indent="-298450">
               <a:spcBef>
                 <a:spcPts val="0"/>
               </a:spcBef>
@@ -411,7 +424,7 @@
               <a:buChar char="■"/>
               <a:defRPr sz="1100"/>
             </a:lvl3pPr>
-            <a:lvl4pPr indent="-298450" lvl="3" marL="1828800">
+            <a:lvl4pPr marL="1828800" lvl="3" indent="-298450">
               <a:spcBef>
                 <a:spcPts val="0"/>
               </a:spcBef>
@@ -422,7 +435,7 @@
               <a:buChar char="●"/>
               <a:defRPr sz="1100"/>
             </a:lvl4pPr>
-            <a:lvl5pPr indent="-298450" lvl="4" marL="2286000">
+            <a:lvl5pPr marL="2286000" lvl="4" indent="-298450">
               <a:spcBef>
                 <a:spcPts val="0"/>
               </a:spcBef>
@@ -433,7 +446,7 @@
               <a:buChar char="○"/>
               <a:defRPr sz="1100"/>
             </a:lvl5pPr>
-            <a:lvl6pPr indent="-298450" lvl="5" marL="2743200">
+            <a:lvl6pPr marL="2743200" lvl="5" indent="-298450">
               <a:spcBef>
                 <a:spcPts val="0"/>
               </a:spcBef>
@@ -444,7 +457,7 @@
               <a:buChar char="■"/>
               <a:defRPr sz="1100"/>
             </a:lvl6pPr>
-            <a:lvl7pPr indent="-298450" lvl="6" marL="3200400">
+            <a:lvl7pPr marL="3200400" lvl="6" indent="-298450">
               <a:spcBef>
                 <a:spcPts val="0"/>
               </a:spcBef>
@@ -455,7 +468,7 @@
               <a:buChar char="●"/>
               <a:defRPr sz="1100"/>
             </a:lvl7pPr>
-            <a:lvl8pPr indent="-298450" lvl="7" marL="3657600">
+            <a:lvl8pPr marL="3657600" lvl="7" indent="-298450">
               <a:spcBef>
                 <a:spcPts val="0"/>
               </a:spcBef>
@@ -466,7 +479,7 @@
               <a:buChar char="○"/>
               <a:defRPr sz="1100"/>
             </a:lvl8pPr>
-            <a:lvl9pPr indent="-298450" lvl="8" marL="4114800">
+            <a:lvl9pPr marL="4114800" lvl="8" indent="-298450">
               <a:spcBef>
                 <a:spcPts val="0"/>
               </a:spcBef>
@@ -478,14 +491,16 @@
               <a:defRPr sz="1100"/>
             </a:lvl9pPr>
           </a:lstStyle>
-          <a:p/>
+          <a:p>
+            <a:endParaRPr/>
+          </a:p>
         </p:txBody>
       </p:sp>
     </p:spTree>
   </p:cSld>
-  <p:clrMap accent1="accent1" accent2="accent2" accent3="accent3" accent4="accent4" accent5="accent5" accent6="accent6" bg1="lt1" bg2="dk2" tx1="dk1" tx2="lt2" folHlink="folHlink" hlink="hlink"/>
+  <p:clrMap bg1="lt1" tx1="dk1" bg2="dk2" tx2="lt2" accent1="accent1" accent2="accent2" accent3="accent3" accent4="accent4" accent5="accent5" accent6="accent6" hlink="hlink" folHlink="folHlink"/>
   <p:notesStyle>
-    <a:defPPr lvl="0" marR="0" rtl="0" algn="l">
+    <a:defPPr marR="0" lvl="0" algn="l" rtl="0">
       <a:lnSpc>
         <a:spcPct val="100000"/>
       </a:lnSpc>
@@ -496,7 +511,7 @@
         <a:spcPts val="0"/>
       </a:spcAft>
     </a:defPPr>
-    <a:lvl1pPr lvl="0" marR="0" rtl="0" algn="l">
+    <a:lvl1pPr marR="0" lvl="0" algn="l" rtl="0">
       <a:lnSpc>
         <a:spcPct val="100000"/>
       </a:lnSpc>
@@ -510,7 +525,7 @@
         <a:srgbClr val="000000"/>
       </a:buClr>
       <a:buFont typeface="Arial"/>
-      <a:defRPr b="0" i="0" sz="1400" u="none" cap="none" strike="noStrike">
+      <a:defRPr sz="1400" b="0" i="0" u="none" strike="noStrike" cap="none">
         <a:solidFill>
           <a:srgbClr val="000000"/>
         </a:solidFill>
@@ -520,7 +535,7 @@
         <a:sym typeface="Arial"/>
       </a:defRPr>
     </a:lvl1pPr>
-    <a:lvl2pPr lvl="1" marR="0" rtl="0" algn="l">
+    <a:lvl2pPr marR="0" lvl="1" algn="l" rtl="0">
       <a:lnSpc>
         <a:spcPct val="100000"/>
       </a:lnSpc>
@@ -534,7 +549,7 @@
         <a:srgbClr val="000000"/>
       </a:buClr>
       <a:buFont typeface="Arial"/>
-      <a:defRPr b="0" i="0" sz="1400" u="none" cap="none" strike="noStrike">
+      <a:defRPr sz="1400" b="0" i="0" u="none" strike="noStrike" cap="none">
         <a:solidFill>
           <a:srgbClr val="000000"/>
         </a:solidFill>
@@ -544,7 +559,7 @@
         <a:sym typeface="Arial"/>
       </a:defRPr>
     </a:lvl2pPr>
-    <a:lvl3pPr lvl="2" marR="0" rtl="0" algn="l">
+    <a:lvl3pPr marR="0" lvl="2" algn="l" rtl="0">
       <a:lnSpc>
         <a:spcPct val="100000"/>
       </a:lnSpc>
@@ -558,7 +573,7 @@
         <a:srgbClr val="000000"/>
       </a:buClr>
       <a:buFont typeface="Arial"/>
-      <a:defRPr b="0" i="0" sz="1400" u="none" cap="none" strike="noStrike">
+      <a:defRPr sz="1400" b="0" i="0" u="none" strike="noStrike" cap="none">
         <a:solidFill>
           <a:srgbClr val="000000"/>
         </a:solidFill>
@@ -568,7 +583,7 @@
         <a:sym typeface="Arial"/>
       </a:defRPr>
     </a:lvl3pPr>
-    <a:lvl4pPr lvl="3" marR="0" rtl="0" algn="l">
+    <a:lvl4pPr marR="0" lvl="3" algn="l" rtl="0">
       <a:lnSpc>
         <a:spcPct val="100000"/>
       </a:lnSpc>
@@ -582,7 +597,7 @@
         <a:srgbClr val="000000"/>
       </a:buClr>
       <a:buFont typeface="Arial"/>
-      <a:defRPr b="0" i="0" sz="1400" u="none" cap="none" strike="noStrike">
+      <a:defRPr sz="1400" b="0" i="0" u="none" strike="noStrike" cap="none">
         <a:solidFill>
           <a:srgbClr val="000000"/>
         </a:solidFill>
@@ -592,7 +607,7 @@
         <a:sym typeface="Arial"/>
       </a:defRPr>
     </a:lvl4pPr>
-    <a:lvl5pPr lvl="4" marR="0" rtl="0" algn="l">
+    <a:lvl5pPr marR="0" lvl="4" algn="l" rtl="0">
       <a:lnSpc>
         <a:spcPct val="100000"/>
       </a:lnSpc>
@@ -606,7 +621,7 @@
         <a:srgbClr val="000000"/>
       </a:buClr>
       <a:buFont typeface="Arial"/>
-      <a:defRPr b="0" i="0" sz="1400" u="none" cap="none" strike="noStrike">
+      <a:defRPr sz="1400" b="0" i="0" u="none" strike="noStrike" cap="none">
         <a:solidFill>
           <a:srgbClr val="000000"/>
         </a:solidFill>
@@ -616,7 +631,7 @@
         <a:sym typeface="Arial"/>
       </a:defRPr>
     </a:lvl5pPr>
-    <a:lvl6pPr lvl="5" marR="0" rtl="0" algn="l">
+    <a:lvl6pPr marR="0" lvl="5" algn="l" rtl="0">
       <a:lnSpc>
         <a:spcPct val="100000"/>
       </a:lnSpc>
@@ -630,7 +645,7 @@
         <a:srgbClr val="000000"/>
       </a:buClr>
       <a:buFont typeface="Arial"/>
-      <a:defRPr b="0" i="0" sz="1400" u="none" cap="none" strike="noStrike">
+      <a:defRPr sz="1400" b="0" i="0" u="none" strike="noStrike" cap="none">
         <a:solidFill>
           <a:srgbClr val="000000"/>
         </a:solidFill>
@@ -640,7 +655,7 @@
         <a:sym typeface="Arial"/>
       </a:defRPr>
     </a:lvl6pPr>
-    <a:lvl7pPr lvl="6" marR="0" rtl="0" algn="l">
+    <a:lvl7pPr marR="0" lvl="6" algn="l" rtl="0">
       <a:lnSpc>
         <a:spcPct val="100000"/>
       </a:lnSpc>
@@ -654,7 +669,7 @@
         <a:srgbClr val="000000"/>
       </a:buClr>
       <a:buFont typeface="Arial"/>
-      <a:defRPr b="0" i="0" sz="1400" u="none" cap="none" strike="noStrike">
+      <a:defRPr sz="1400" b="0" i="0" u="none" strike="noStrike" cap="none">
         <a:solidFill>
           <a:srgbClr val="000000"/>
         </a:solidFill>
@@ -664,7 +679,7 @@
         <a:sym typeface="Arial"/>
       </a:defRPr>
     </a:lvl7pPr>
-    <a:lvl8pPr lvl="7" marR="0" rtl="0" algn="l">
+    <a:lvl8pPr marR="0" lvl="7" algn="l" rtl="0">
       <a:lnSpc>
         <a:spcPct val="100000"/>
       </a:lnSpc>
@@ -678,7 +693,7 @@
         <a:srgbClr val="000000"/>
       </a:buClr>
       <a:buFont typeface="Arial"/>
-      <a:defRPr b="0" i="0" sz="1400" u="none" cap="none" strike="noStrike">
+      <a:defRPr sz="1400" b="0" i="0" u="none" strike="noStrike" cap="none">
         <a:solidFill>
           <a:srgbClr val="000000"/>
         </a:solidFill>
@@ -688,7 +703,7 @@
         <a:sym typeface="Arial"/>
       </a:defRPr>
     </a:lvl8pPr>
-    <a:lvl9pPr lvl="8" marR="0" rtl="0" algn="l">
+    <a:lvl9pPr marR="0" lvl="8" algn="l" rtl="0">
       <a:lnSpc>
         <a:spcPct val="100000"/>
       </a:lnSpc>
@@ -702,7 +717,7 @@
         <a:srgbClr val="000000"/>
       </a:buClr>
       <a:buFont typeface="Arial"/>
-      <a:defRPr b="0" i="0" sz="1400" u="none" cap="none" strike="noStrike">
+      <a:defRPr sz="1400" b="0" i="0" u="none" strike="noStrike" cap="none">
         <a:solidFill>
           <a:srgbClr val="000000"/>
         </a:solidFill>
@@ -717,11 +732,11 @@
 </file>
 
 <file path=ppt/notesSlides/notesSlide1.xml><?xml version="1.0" encoding="utf-8"?>
-<p:notes xmlns:a="http://schemas.openxmlformats.org/drawingml/2006/main" xmlns:r="http://schemas.openxmlformats.org/officeDocument/2006/relationships" xmlns:mc="http://schemas.openxmlformats.org/markup-compatibility/2006" xmlns:mv="urn:schemas-microsoft-com:mac:vml" xmlns:p="http://schemas.openxmlformats.org/presentationml/2006/main" xmlns:c="http://schemas.openxmlformats.org/drawingml/2006/chart" xmlns:dgm="http://schemas.openxmlformats.org/drawingml/2006/diagram" xmlns:o="urn:schemas-microsoft-com:office:office" xmlns:v="urn:schemas-microsoft-com:vml" xmlns:pvml="urn:schemas-microsoft-com:office:powerpoint" xmlns:com="http://schemas.openxmlformats.org/drawingml/2006/compatibility" xmlns:p14="http://schemas.microsoft.com/office/powerpoint/2010/main" xmlns:p15="http://schemas.microsoft.com/office/powerpoint/2012/main" xmlns:ahyp="http://schemas.microsoft.com/office/drawing/2018/hyperlinkcolor" showMasterPhAnim="0" showMasterSp="0">
+<p:notes xmlns:a="http://schemas.openxmlformats.org/drawingml/2006/main" xmlns:r="http://schemas.openxmlformats.org/officeDocument/2006/relationships" xmlns:p="http://schemas.openxmlformats.org/presentationml/2006/main" showMasterSp="0" showMasterPhAnim="0">
   <p:cSld>
     <p:spTree>
       <p:nvGrpSpPr>
-        <p:cNvPr id="82" name="Shape 82"/>
+        <p:cNvPr id="1" name="Shape 82"/>
         <p:cNvGrpSpPr/>
         <p:nvPr/>
       </p:nvGrpSpPr>
@@ -736,9 +751,11 @@
       <p:sp>
         <p:nvSpPr>
           <p:cNvPr id="83" name="Google Shape;83;p:notes"/>
-          <p:cNvSpPr/>
+          <p:cNvSpPr>
+            <a:spLocks noGrp="1" noRot="1" noChangeAspect="1"/>
+          </p:cNvSpPr>
           <p:nvPr>
-            <p:ph idx="2" type="sldImg"/>
+            <p:ph type="sldImg" idx="2"/>
           </p:nvPr>
         </p:nvSpPr>
         <p:spPr>
@@ -747,9 +764,13 @@
             <a:ext cx="6096075" cy="3429000"/>
           </a:xfrm>
           <a:custGeom>
-            <a:rect b="b" l="l" r="r" t="t"/>
+            <a:avLst/>
+            <a:gdLst/>
+            <a:ahLst/>
+            <a:cxnLst/>
+            <a:rect l="l" t="t" r="r" b="b"/>
             <a:pathLst>
-              <a:path extrusionOk="0" h="120000" w="120000">
+              <a:path w="120000" h="120000" extrusionOk="0">
                 <a:moveTo>
                   <a:pt x="0" y="0"/>
                 </a:moveTo>
@@ -771,9 +792,11 @@
       <p:sp>
         <p:nvSpPr>
           <p:cNvPr id="84" name="Google Shape;84;p:notes"/>
-          <p:cNvSpPr txBox="1"/>
+          <p:cNvSpPr txBox="1">
+            <a:spLocks noGrp="1"/>
+          </p:cNvSpPr>
           <p:nvPr>
-            <p:ph idx="1" type="body"/>
+            <p:ph type="body" idx="1"/>
           </p:nvPr>
         </p:nvSpPr>
         <p:spPr>
@@ -786,12 +809,12 @@
           </a:prstGeom>
         </p:spPr>
         <p:txBody>
-          <a:bodyPr anchorCtr="0" anchor="t" bIns="91425" lIns="91425" spcFirstLastPara="1" rIns="91425" wrap="square" tIns="91425">
+          <a:bodyPr spcFirstLastPara="1" wrap="square" lIns="91425" tIns="91425" rIns="91425" bIns="91425" anchor="t" anchorCtr="0">
             <a:noAutofit/>
           </a:bodyPr>
           <a:lstStyle/>
           <a:p>
-            <a:pPr indent="0" lvl="0" marL="0" rtl="0" algn="l">
+            <a:pPr marL="0" lvl="0" indent="0" algn="l" rtl="0">
               <a:spcBef>
                 <a:spcPts val="0"/>
               </a:spcBef>
@@ -800,9 +823,6 @@
               </a:spcAft>
               <a:buNone/>
             </a:pPr>
-            <a:r>
-              <a:t/>
-            </a:r>
             <a:endParaRPr/>
           </a:p>
         </p:txBody>
@@ -816,11 +836,11 @@
 </file>
 
 <file path=ppt/notesSlides/notesSlide2.xml><?xml version="1.0" encoding="utf-8"?>
-<p:notes xmlns:a="http://schemas.openxmlformats.org/drawingml/2006/main" xmlns:r="http://schemas.openxmlformats.org/officeDocument/2006/relationships" xmlns:mc="http://schemas.openxmlformats.org/markup-compatibility/2006" xmlns:mv="urn:schemas-microsoft-com:mac:vml" xmlns:p="http://schemas.openxmlformats.org/presentationml/2006/main" xmlns:c="http://schemas.openxmlformats.org/drawingml/2006/chart" xmlns:dgm="http://schemas.openxmlformats.org/drawingml/2006/diagram" xmlns:o="urn:schemas-microsoft-com:office:office" xmlns:v="urn:schemas-microsoft-com:vml" xmlns:pvml="urn:schemas-microsoft-com:office:powerpoint" xmlns:com="http://schemas.openxmlformats.org/drawingml/2006/compatibility" xmlns:p14="http://schemas.microsoft.com/office/powerpoint/2010/main" xmlns:p15="http://schemas.microsoft.com/office/powerpoint/2012/main" xmlns:ahyp="http://schemas.microsoft.com/office/drawing/2018/hyperlinkcolor" showMasterPhAnim="0" showMasterSp="0">
+<p:notes xmlns:a="http://schemas.openxmlformats.org/drawingml/2006/main" xmlns:r="http://schemas.openxmlformats.org/officeDocument/2006/relationships" xmlns:p="http://schemas.openxmlformats.org/presentationml/2006/main" showMasterSp="0" showMasterPhAnim="0">
   <p:cSld>
     <p:spTree>
       <p:nvGrpSpPr>
-        <p:cNvPr id="90" name="Shape 90"/>
+        <p:cNvPr id="1" name="Shape 90"/>
         <p:cNvGrpSpPr/>
         <p:nvPr/>
       </p:nvGrpSpPr>
@@ -835,20 +855,26 @@
       <p:sp>
         <p:nvSpPr>
           <p:cNvPr id="91" name="Google Shape;91;gb8f6980196_0_404:notes"/>
-          <p:cNvSpPr/>
+          <p:cNvSpPr>
+            <a:spLocks noGrp="1" noRot="1" noChangeAspect="1"/>
+          </p:cNvSpPr>
           <p:nvPr>
-            <p:ph idx="2" type="sldImg"/>
+            <p:ph type="sldImg" idx="2"/>
           </p:nvPr>
         </p:nvSpPr>
         <p:spPr>
           <a:xfrm>
-            <a:off x="381300" y="685800"/>
+            <a:off x="381000" y="685800"/>
             <a:ext cx="6096000" cy="3429000"/>
           </a:xfrm>
           <a:custGeom>
-            <a:rect b="b" l="l" r="r" t="t"/>
+            <a:avLst/>
+            <a:gdLst/>
+            <a:ahLst/>
+            <a:cxnLst/>
+            <a:rect l="l" t="t" r="r" b="b"/>
             <a:pathLst>
-              <a:path extrusionOk="0" h="120000" w="120000">
+              <a:path w="120000" h="120000" extrusionOk="0">
                 <a:moveTo>
                   <a:pt x="0" y="0"/>
                 </a:moveTo>
@@ -870,9 +896,11 @@
       <p:sp>
         <p:nvSpPr>
           <p:cNvPr id="92" name="Google Shape;92;gb8f6980196_0_404:notes"/>
-          <p:cNvSpPr txBox="1"/>
+          <p:cNvSpPr txBox="1">
+            <a:spLocks noGrp="1"/>
+          </p:cNvSpPr>
           <p:nvPr>
-            <p:ph idx="1" type="body"/>
+            <p:ph type="body" idx="1"/>
           </p:nvPr>
         </p:nvSpPr>
         <p:spPr>
@@ -885,12 +913,12 @@
           </a:prstGeom>
         </p:spPr>
         <p:txBody>
-          <a:bodyPr anchorCtr="0" anchor="t" bIns="91425" lIns="91425" spcFirstLastPara="1" rIns="91425" wrap="square" tIns="91425">
+          <a:bodyPr spcFirstLastPara="1" wrap="square" lIns="91425" tIns="91425" rIns="91425" bIns="91425" anchor="t" anchorCtr="0">
             <a:noAutofit/>
           </a:bodyPr>
           <a:lstStyle/>
           <a:p>
-            <a:pPr indent="0" lvl="0" marL="0" rtl="0" algn="l">
+            <a:pPr marL="0" lvl="0" indent="0" algn="l" rtl="0">
               <a:spcBef>
                 <a:spcPts val="0"/>
               </a:spcBef>
@@ -899,9 +927,6 @@
               </a:spcAft>
               <a:buNone/>
             </a:pPr>
-            <a:r>
-              <a:t/>
-            </a:r>
             <a:endParaRPr/>
           </a:p>
         </p:txBody>
@@ -915,11 +940,11 @@
 </file>
 
 <file path=ppt/notesSlides/notesSlide3.xml><?xml version="1.0" encoding="utf-8"?>
-<p:notes xmlns:a="http://schemas.openxmlformats.org/drawingml/2006/main" xmlns:r="http://schemas.openxmlformats.org/officeDocument/2006/relationships" xmlns:mc="http://schemas.openxmlformats.org/markup-compatibility/2006" xmlns:mv="urn:schemas-microsoft-com:mac:vml" xmlns:p="http://schemas.openxmlformats.org/presentationml/2006/main" xmlns:c="http://schemas.openxmlformats.org/drawingml/2006/chart" xmlns:dgm="http://schemas.openxmlformats.org/drawingml/2006/diagram" xmlns:o="urn:schemas-microsoft-com:office:office" xmlns:v="urn:schemas-microsoft-com:vml" xmlns:pvml="urn:schemas-microsoft-com:office:powerpoint" xmlns:com="http://schemas.openxmlformats.org/drawingml/2006/compatibility" xmlns:p14="http://schemas.microsoft.com/office/powerpoint/2010/main" xmlns:p15="http://schemas.microsoft.com/office/powerpoint/2012/main" xmlns:ahyp="http://schemas.microsoft.com/office/drawing/2018/hyperlinkcolor" showMasterPhAnim="0" showMasterSp="0">
+<p:notes xmlns:a="http://schemas.openxmlformats.org/drawingml/2006/main" xmlns:r="http://schemas.openxmlformats.org/officeDocument/2006/relationships" xmlns:p="http://schemas.openxmlformats.org/presentationml/2006/main" showMasterSp="0" showMasterPhAnim="0">
   <p:cSld>
     <p:spTree>
       <p:nvGrpSpPr>
-        <p:cNvPr id="98" name="Shape 98"/>
+        <p:cNvPr id="1" name="Shape 98"/>
         <p:cNvGrpSpPr/>
         <p:nvPr/>
       </p:nvGrpSpPr>
@@ -934,20 +959,26 @@
       <p:sp>
         <p:nvSpPr>
           <p:cNvPr id="99" name="Google Shape;99;gb8f6980196_0_433:notes"/>
-          <p:cNvSpPr/>
+          <p:cNvSpPr>
+            <a:spLocks noGrp="1" noRot="1" noChangeAspect="1"/>
+          </p:cNvSpPr>
           <p:nvPr>
-            <p:ph idx="2" type="sldImg"/>
+            <p:ph type="sldImg" idx="2"/>
           </p:nvPr>
         </p:nvSpPr>
         <p:spPr>
           <a:xfrm>
-            <a:off x="381300" y="685800"/>
+            <a:off x="381000" y="685800"/>
             <a:ext cx="6096000" cy="3429000"/>
           </a:xfrm>
           <a:custGeom>
-            <a:rect b="b" l="l" r="r" t="t"/>
+            <a:avLst/>
+            <a:gdLst/>
+            <a:ahLst/>
+            <a:cxnLst/>
+            <a:rect l="l" t="t" r="r" b="b"/>
             <a:pathLst>
-              <a:path extrusionOk="0" h="120000" w="120000">
+              <a:path w="120000" h="120000" extrusionOk="0">
                 <a:moveTo>
                   <a:pt x="0" y="0"/>
                 </a:moveTo>
@@ -969,9 +1000,11 @@
       <p:sp>
         <p:nvSpPr>
           <p:cNvPr id="100" name="Google Shape;100;gb8f6980196_0_433:notes"/>
-          <p:cNvSpPr txBox="1"/>
+          <p:cNvSpPr txBox="1">
+            <a:spLocks noGrp="1"/>
+          </p:cNvSpPr>
           <p:nvPr>
-            <p:ph idx="1" type="body"/>
+            <p:ph type="body" idx="1"/>
           </p:nvPr>
         </p:nvSpPr>
         <p:spPr>
@@ -984,12 +1017,12 @@
           </a:prstGeom>
         </p:spPr>
         <p:txBody>
-          <a:bodyPr anchorCtr="0" anchor="t" bIns="91425" lIns="91425" spcFirstLastPara="1" rIns="91425" wrap="square" tIns="91425">
+          <a:bodyPr spcFirstLastPara="1" wrap="square" lIns="91425" tIns="91425" rIns="91425" bIns="91425" anchor="t" anchorCtr="0">
             <a:noAutofit/>
           </a:bodyPr>
           <a:lstStyle/>
           <a:p>
-            <a:pPr indent="0" lvl="0" marL="0" rtl="0" algn="l">
+            <a:pPr marL="0" lvl="0" indent="0" algn="l" rtl="0">
               <a:spcBef>
                 <a:spcPts val="0"/>
               </a:spcBef>
@@ -998,9 +1031,6 @@
               </a:spcAft>
               <a:buNone/>
             </a:pPr>
-            <a:r>
-              <a:t/>
-            </a:r>
             <a:endParaRPr/>
           </a:p>
         </p:txBody>
@@ -1014,11 +1044,11 @@
 </file>
 
 <file path=ppt/notesSlides/notesSlide4.xml><?xml version="1.0" encoding="utf-8"?>
-<p:notes xmlns:a="http://schemas.openxmlformats.org/drawingml/2006/main" xmlns:r="http://schemas.openxmlformats.org/officeDocument/2006/relationships" xmlns:mc="http://schemas.openxmlformats.org/markup-compatibility/2006" xmlns:mv="urn:schemas-microsoft-com:mac:vml" xmlns:p="http://schemas.openxmlformats.org/presentationml/2006/main" xmlns:c="http://schemas.openxmlformats.org/drawingml/2006/chart" xmlns:dgm="http://schemas.openxmlformats.org/drawingml/2006/diagram" xmlns:o="urn:schemas-microsoft-com:office:office" xmlns:v="urn:schemas-microsoft-com:vml" xmlns:pvml="urn:schemas-microsoft-com:office:powerpoint" xmlns:com="http://schemas.openxmlformats.org/drawingml/2006/compatibility" xmlns:p14="http://schemas.microsoft.com/office/powerpoint/2010/main" xmlns:p15="http://schemas.microsoft.com/office/powerpoint/2012/main" xmlns:ahyp="http://schemas.microsoft.com/office/drawing/2018/hyperlinkcolor" showMasterPhAnim="0" showMasterSp="0">
+<p:notes xmlns:a="http://schemas.openxmlformats.org/drawingml/2006/main" xmlns:r="http://schemas.openxmlformats.org/officeDocument/2006/relationships" xmlns:p="http://schemas.openxmlformats.org/presentationml/2006/main" showMasterSp="0" showMasterPhAnim="0">
   <p:cSld>
     <p:spTree>
       <p:nvGrpSpPr>
-        <p:cNvPr id="106" name="Shape 106"/>
+        <p:cNvPr id="1" name="Shape 106"/>
         <p:cNvGrpSpPr/>
         <p:nvPr/>
       </p:nvGrpSpPr>
@@ -1033,20 +1063,26 @@
       <p:sp>
         <p:nvSpPr>
           <p:cNvPr id="107" name="Google Shape;107;gb8f6980196_0_413:notes"/>
-          <p:cNvSpPr/>
+          <p:cNvSpPr>
+            <a:spLocks noGrp="1" noRot="1" noChangeAspect="1"/>
+          </p:cNvSpPr>
           <p:nvPr>
-            <p:ph idx="2" type="sldImg"/>
+            <p:ph type="sldImg" idx="2"/>
           </p:nvPr>
         </p:nvSpPr>
         <p:spPr>
           <a:xfrm>
-            <a:off x="381300" y="685800"/>
+            <a:off x="381000" y="685800"/>
             <a:ext cx="6096000" cy="3429000"/>
           </a:xfrm>
           <a:custGeom>
-            <a:rect b="b" l="l" r="r" t="t"/>
+            <a:avLst/>
+            <a:gdLst/>
+            <a:ahLst/>
+            <a:cxnLst/>
+            <a:rect l="l" t="t" r="r" b="b"/>
             <a:pathLst>
-              <a:path extrusionOk="0" h="120000" w="120000">
+              <a:path w="120000" h="120000" extrusionOk="0">
                 <a:moveTo>
                   <a:pt x="0" y="0"/>
                 </a:moveTo>
@@ -1068,9 +1104,11 @@
       <p:sp>
         <p:nvSpPr>
           <p:cNvPr id="108" name="Google Shape;108;gb8f6980196_0_413:notes"/>
-          <p:cNvSpPr txBox="1"/>
+          <p:cNvSpPr txBox="1">
+            <a:spLocks noGrp="1"/>
+          </p:cNvSpPr>
           <p:nvPr>
-            <p:ph idx="1" type="body"/>
+            <p:ph type="body" idx="1"/>
           </p:nvPr>
         </p:nvSpPr>
         <p:spPr>
@@ -1083,12 +1121,12 @@
           </a:prstGeom>
         </p:spPr>
         <p:txBody>
-          <a:bodyPr anchorCtr="0" anchor="t" bIns="91425" lIns="91425" spcFirstLastPara="1" rIns="91425" wrap="square" tIns="91425">
+          <a:bodyPr spcFirstLastPara="1" wrap="square" lIns="91425" tIns="91425" rIns="91425" bIns="91425" anchor="t" anchorCtr="0">
             <a:noAutofit/>
           </a:bodyPr>
           <a:lstStyle/>
           <a:p>
-            <a:pPr indent="0" lvl="0" marL="0" rtl="0" algn="l">
+            <a:pPr marL="0" lvl="0" indent="0" algn="l" rtl="0">
               <a:spcBef>
                 <a:spcPts val="0"/>
               </a:spcBef>
@@ -1097,9 +1135,6 @@
               </a:spcAft>
               <a:buNone/>
             </a:pPr>
-            <a:r>
-              <a:t/>
-            </a:r>
             <a:endParaRPr/>
           </a:p>
         </p:txBody>
@@ -1113,11 +1148,11 @@
 </file>
 
 <file path=ppt/notesSlides/notesSlide5.xml><?xml version="1.0" encoding="utf-8"?>
-<p:notes xmlns:a="http://schemas.openxmlformats.org/drawingml/2006/main" xmlns:r="http://schemas.openxmlformats.org/officeDocument/2006/relationships" xmlns:mc="http://schemas.openxmlformats.org/markup-compatibility/2006" xmlns:mv="urn:schemas-microsoft-com:mac:vml" xmlns:p="http://schemas.openxmlformats.org/presentationml/2006/main" xmlns:c="http://schemas.openxmlformats.org/drawingml/2006/chart" xmlns:dgm="http://schemas.openxmlformats.org/drawingml/2006/diagram" xmlns:o="urn:schemas-microsoft-com:office:office" xmlns:v="urn:schemas-microsoft-com:vml" xmlns:pvml="urn:schemas-microsoft-com:office:powerpoint" xmlns:com="http://schemas.openxmlformats.org/drawingml/2006/compatibility" xmlns:p14="http://schemas.microsoft.com/office/powerpoint/2010/main" xmlns:p15="http://schemas.microsoft.com/office/powerpoint/2012/main" xmlns:ahyp="http://schemas.microsoft.com/office/drawing/2018/hyperlinkcolor" showMasterPhAnim="0" showMasterSp="0">
+<p:notes xmlns:a="http://schemas.openxmlformats.org/drawingml/2006/main" xmlns:r="http://schemas.openxmlformats.org/officeDocument/2006/relationships" xmlns:p="http://schemas.openxmlformats.org/presentationml/2006/main" showMasterSp="0" showMasterPhAnim="0">
   <p:cSld>
     <p:spTree>
       <p:nvGrpSpPr>
-        <p:cNvPr id="147" name="Shape 147"/>
+        <p:cNvPr id="1" name="Shape 147"/>
         <p:cNvGrpSpPr/>
         <p:nvPr/>
       </p:nvGrpSpPr>
@@ -1132,20 +1167,26 @@
       <p:sp>
         <p:nvSpPr>
           <p:cNvPr id="148" name="Google Shape;148;gb8f6980196_0_425:notes"/>
-          <p:cNvSpPr/>
+          <p:cNvSpPr>
+            <a:spLocks noGrp="1" noRot="1" noChangeAspect="1"/>
+          </p:cNvSpPr>
           <p:nvPr>
-            <p:ph idx="2" type="sldImg"/>
+            <p:ph type="sldImg" idx="2"/>
           </p:nvPr>
         </p:nvSpPr>
         <p:spPr>
           <a:xfrm>
-            <a:off x="381300" y="685800"/>
+            <a:off x="381000" y="685800"/>
             <a:ext cx="6096000" cy="3429000"/>
           </a:xfrm>
           <a:custGeom>
-            <a:rect b="b" l="l" r="r" t="t"/>
+            <a:avLst/>
+            <a:gdLst/>
+            <a:ahLst/>
+            <a:cxnLst/>
+            <a:rect l="l" t="t" r="r" b="b"/>
             <a:pathLst>
-              <a:path extrusionOk="0" h="120000" w="120000">
+              <a:path w="120000" h="120000" extrusionOk="0">
                 <a:moveTo>
                   <a:pt x="0" y="0"/>
                 </a:moveTo>
@@ -1167,9 +1208,11 @@
       <p:sp>
         <p:nvSpPr>
           <p:cNvPr id="149" name="Google Shape;149;gb8f6980196_0_425:notes"/>
-          <p:cNvSpPr txBox="1"/>
+          <p:cNvSpPr txBox="1">
+            <a:spLocks noGrp="1"/>
+          </p:cNvSpPr>
           <p:nvPr>
-            <p:ph idx="1" type="body"/>
+            <p:ph type="body" idx="1"/>
           </p:nvPr>
         </p:nvSpPr>
         <p:spPr>
@@ -1182,12 +1225,12 @@
           </a:prstGeom>
         </p:spPr>
         <p:txBody>
-          <a:bodyPr anchorCtr="0" anchor="t" bIns="91425" lIns="91425" spcFirstLastPara="1" rIns="91425" wrap="square" tIns="91425">
+          <a:bodyPr spcFirstLastPara="1" wrap="square" lIns="91425" tIns="91425" rIns="91425" bIns="91425" anchor="t" anchorCtr="0">
             <a:noAutofit/>
           </a:bodyPr>
           <a:lstStyle/>
           <a:p>
-            <a:pPr indent="0" lvl="0" marL="0" rtl="0" algn="l">
+            <a:pPr marL="0" lvl="0" indent="0" algn="l" rtl="0">
               <a:spcBef>
                 <a:spcPts val="0"/>
               </a:spcBef>
@@ -1196,9 +1239,6 @@
               </a:spcAft>
               <a:buNone/>
             </a:pPr>
-            <a:r>
-              <a:t/>
-            </a:r>
             <a:endParaRPr/>
           </a:p>
         </p:txBody>
@@ -1212,11 +1252,11 @@
 </file>
 
 <file path=ppt/notesSlides/notesSlide6.xml><?xml version="1.0" encoding="utf-8"?>
-<p:notes xmlns:a="http://schemas.openxmlformats.org/drawingml/2006/main" xmlns:r="http://schemas.openxmlformats.org/officeDocument/2006/relationships" xmlns:mc="http://schemas.openxmlformats.org/markup-compatibility/2006" xmlns:mv="urn:schemas-microsoft-com:mac:vml" xmlns:p="http://schemas.openxmlformats.org/presentationml/2006/main" xmlns:c="http://schemas.openxmlformats.org/drawingml/2006/chart" xmlns:dgm="http://schemas.openxmlformats.org/drawingml/2006/diagram" xmlns:o="urn:schemas-microsoft-com:office:office" xmlns:v="urn:schemas-microsoft-com:vml" xmlns:pvml="urn:schemas-microsoft-com:office:powerpoint" xmlns:com="http://schemas.openxmlformats.org/drawingml/2006/compatibility" xmlns:p14="http://schemas.microsoft.com/office/powerpoint/2010/main" xmlns:p15="http://schemas.microsoft.com/office/powerpoint/2012/main" xmlns:ahyp="http://schemas.microsoft.com/office/drawing/2018/hyperlinkcolor" showMasterPhAnim="0" showMasterSp="0">
+<p:notes xmlns:a="http://schemas.openxmlformats.org/drawingml/2006/main" xmlns:r="http://schemas.openxmlformats.org/officeDocument/2006/relationships" xmlns:p="http://schemas.openxmlformats.org/presentationml/2006/main" showMasterSp="0" showMasterPhAnim="0">
   <p:cSld>
     <p:spTree>
       <p:nvGrpSpPr>
-        <p:cNvPr id="165" name="Shape 165"/>
+        <p:cNvPr id="1" name="Shape 165"/>
         <p:cNvGrpSpPr/>
         <p:nvPr/>
       </p:nvGrpSpPr>
@@ -1231,9 +1271,11 @@
       <p:sp>
         <p:nvSpPr>
           <p:cNvPr id="166" name="Google Shape;166;gb8f6980196_0_429:notes"/>
-          <p:cNvSpPr/>
+          <p:cNvSpPr>
+            <a:spLocks noGrp="1" noRot="1" noChangeAspect="1"/>
+          </p:cNvSpPr>
           <p:nvPr>
-            <p:ph idx="2" type="sldImg"/>
+            <p:ph type="sldImg" idx="2"/>
           </p:nvPr>
         </p:nvSpPr>
         <p:spPr>
@@ -1242,9 +1284,13 @@
             <a:ext cx="6096000" cy="3429000"/>
           </a:xfrm>
           <a:custGeom>
-            <a:rect b="b" l="l" r="r" t="t"/>
+            <a:avLst/>
+            <a:gdLst/>
+            <a:ahLst/>
+            <a:cxnLst/>
+            <a:rect l="l" t="t" r="r" b="b"/>
             <a:pathLst>
-              <a:path extrusionOk="0" h="120000" w="120000">
+              <a:path w="120000" h="120000" extrusionOk="0">
                 <a:moveTo>
                   <a:pt x="0" y="0"/>
                 </a:moveTo>
@@ -1266,9 +1312,11 @@
       <p:sp>
         <p:nvSpPr>
           <p:cNvPr id="167" name="Google Shape;167;gb8f6980196_0_429:notes"/>
-          <p:cNvSpPr txBox="1"/>
+          <p:cNvSpPr txBox="1">
+            <a:spLocks noGrp="1"/>
+          </p:cNvSpPr>
           <p:nvPr>
-            <p:ph idx="1" type="body"/>
+            <p:ph type="body" idx="1"/>
           </p:nvPr>
         </p:nvSpPr>
         <p:spPr>
@@ -1281,12 +1329,12 @@
           </a:prstGeom>
         </p:spPr>
         <p:txBody>
-          <a:bodyPr anchorCtr="0" anchor="t" bIns="91425" lIns="91425" spcFirstLastPara="1" rIns="91425" wrap="square" tIns="91425">
+          <a:bodyPr spcFirstLastPara="1" wrap="square" lIns="91425" tIns="91425" rIns="91425" bIns="91425" anchor="t" anchorCtr="0">
             <a:noAutofit/>
           </a:bodyPr>
           <a:lstStyle/>
           <a:p>
-            <a:pPr indent="0" lvl="0" marL="0" rtl="0" algn="l">
+            <a:pPr marL="0" lvl="0" indent="0" algn="l" rtl="0">
               <a:spcBef>
                 <a:spcPts val="0"/>
               </a:spcBef>
@@ -1295,9 +1343,6 @@
               </a:spcAft>
               <a:buNone/>
             </a:pPr>
-            <a:r>
-              <a:t/>
-            </a:r>
             <a:endParaRPr/>
           </a:p>
         </p:txBody>
@@ -1311,11 +1356,11 @@
 </file>
 
 <file path=ppt/notesSlides/notesSlide7.xml><?xml version="1.0" encoding="utf-8"?>
-<p:notes xmlns:a="http://schemas.openxmlformats.org/drawingml/2006/main" xmlns:r="http://schemas.openxmlformats.org/officeDocument/2006/relationships" xmlns:mc="http://schemas.openxmlformats.org/markup-compatibility/2006" xmlns:mv="urn:schemas-microsoft-com:mac:vml" xmlns:p="http://schemas.openxmlformats.org/presentationml/2006/main" xmlns:c="http://schemas.openxmlformats.org/drawingml/2006/chart" xmlns:dgm="http://schemas.openxmlformats.org/drawingml/2006/diagram" xmlns:o="urn:schemas-microsoft-com:office:office" xmlns:v="urn:schemas-microsoft-com:vml" xmlns:pvml="urn:schemas-microsoft-com:office:powerpoint" xmlns:com="http://schemas.openxmlformats.org/drawingml/2006/compatibility" xmlns:p14="http://schemas.microsoft.com/office/powerpoint/2010/main" xmlns:p15="http://schemas.microsoft.com/office/powerpoint/2012/main" xmlns:ahyp="http://schemas.microsoft.com/office/drawing/2018/hyperlinkcolor" showMasterPhAnim="0" showMasterSp="0">
+<p:notes xmlns:a="http://schemas.openxmlformats.org/drawingml/2006/main" xmlns:r="http://schemas.openxmlformats.org/officeDocument/2006/relationships" xmlns:p="http://schemas.openxmlformats.org/presentationml/2006/main" showMasterSp="0" showMasterPhAnim="0">
   <p:cSld>
     <p:spTree>
       <p:nvGrpSpPr>
-        <p:cNvPr id="178" name="Shape 178"/>
+        <p:cNvPr id="1" name="Shape 178"/>
         <p:cNvGrpSpPr/>
         <p:nvPr/>
       </p:nvGrpSpPr>
@@ -1330,9 +1375,11 @@
       <p:sp>
         <p:nvSpPr>
           <p:cNvPr id="179" name="Google Shape;179;gb8f6980196_0_437:notes"/>
-          <p:cNvSpPr/>
+          <p:cNvSpPr>
+            <a:spLocks noGrp="1" noRot="1" noChangeAspect="1"/>
+          </p:cNvSpPr>
           <p:nvPr>
-            <p:ph idx="2" type="sldImg"/>
+            <p:ph type="sldImg" idx="2"/>
           </p:nvPr>
         </p:nvSpPr>
         <p:spPr>
@@ -1341,9 +1388,13 @@
             <a:ext cx="6096000" cy="3429000"/>
           </a:xfrm>
           <a:custGeom>
-            <a:rect b="b" l="l" r="r" t="t"/>
+            <a:avLst/>
+            <a:gdLst/>
+            <a:ahLst/>
+            <a:cxnLst/>
+            <a:rect l="l" t="t" r="r" b="b"/>
             <a:pathLst>
-              <a:path extrusionOk="0" h="120000" w="120000">
+              <a:path w="120000" h="120000" extrusionOk="0">
                 <a:moveTo>
                   <a:pt x="0" y="0"/>
                 </a:moveTo>
@@ -1365,9 +1416,11 @@
       <p:sp>
         <p:nvSpPr>
           <p:cNvPr id="180" name="Google Shape;180;gb8f6980196_0_437:notes"/>
-          <p:cNvSpPr txBox="1"/>
+          <p:cNvSpPr txBox="1">
+            <a:spLocks noGrp="1"/>
+          </p:cNvSpPr>
           <p:nvPr>
-            <p:ph idx="1" type="body"/>
+            <p:ph type="body" idx="1"/>
           </p:nvPr>
         </p:nvSpPr>
         <p:spPr>
@@ -1380,12 +1433,12 @@
           </a:prstGeom>
         </p:spPr>
         <p:txBody>
-          <a:bodyPr anchorCtr="0" anchor="t" bIns="91425" lIns="91425" spcFirstLastPara="1" rIns="91425" wrap="square" tIns="91425">
+          <a:bodyPr spcFirstLastPara="1" wrap="square" lIns="91425" tIns="91425" rIns="91425" bIns="91425" anchor="t" anchorCtr="0">
             <a:noAutofit/>
           </a:bodyPr>
           <a:lstStyle/>
           <a:p>
-            <a:pPr indent="0" lvl="0" marL="0" rtl="0" algn="l">
+            <a:pPr marL="0" lvl="0" indent="0" algn="l" rtl="0">
               <a:spcBef>
                 <a:spcPts val="0"/>
               </a:spcBef>
@@ -1394,9 +1447,6 @@
               </a:spcAft>
               <a:buNone/>
             </a:pPr>
-            <a:r>
-              <a:t/>
-            </a:r>
             <a:endParaRPr/>
           </a:p>
         </p:txBody>
@@ -1410,11 +1460,11 @@
 </file>
 
 <file path=ppt/notesSlides/notesSlide8.xml><?xml version="1.0" encoding="utf-8"?>
-<p:notes xmlns:a="http://schemas.openxmlformats.org/drawingml/2006/main" xmlns:r="http://schemas.openxmlformats.org/officeDocument/2006/relationships" xmlns:mc="http://schemas.openxmlformats.org/markup-compatibility/2006" xmlns:mv="urn:schemas-microsoft-com:mac:vml" xmlns:p="http://schemas.openxmlformats.org/presentationml/2006/main" xmlns:c="http://schemas.openxmlformats.org/drawingml/2006/chart" xmlns:dgm="http://schemas.openxmlformats.org/drawingml/2006/diagram" xmlns:o="urn:schemas-microsoft-com:office:office" xmlns:v="urn:schemas-microsoft-com:vml" xmlns:pvml="urn:schemas-microsoft-com:office:powerpoint" xmlns:com="http://schemas.openxmlformats.org/drawingml/2006/compatibility" xmlns:p14="http://schemas.microsoft.com/office/powerpoint/2010/main" xmlns:p15="http://schemas.microsoft.com/office/powerpoint/2012/main" xmlns:ahyp="http://schemas.microsoft.com/office/drawing/2018/hyperlinkcolor" showMasterPhAnim="0" showMasterSp="0">
+<p:notes xmlns:a="http://schemas.openxmlformats.org/drawingml/2006/main" xmlns:r="http://schemas.openxmlformats.org/officeDocument/2006/relationships" xmlns:p="http://schemas.openxmlformats.org/presentationml/2006/main" showMasterSp="0" showMasterPhAnim="0">
   <p:cSld>
     <p:spTree>
       <p:nvGrpSpPr>
-        <p:cNvPr id="185" name="Shape 185"/>
+        <p:cNvPr id="1" name="Shape 185"/>
         <p:cNvGrpSpPr/>
         <p:nvPr/>
       </p:nvGrpSpPr>
@@ -1429,9 +1479,11 @@
       <p:sp>
         <p:nvSpPr>
           <p:cNvPr id="186" name="Google Shape;186;gb8f6980196_0_476:notes"/>
-          <p:cNvSpPr/>
+          <p:cNvSpPr>
+            <a:spLocks noGrp="1" noRot="1" noChangeAspect="1"/>
+          </p:cNvSpPr>
           <p:nvPr>
-            <p:ph idx="2" type="sldImg"/>
+            <p:ph type="sldImg" idx="2"/>
           </p:nvPr>
         </p:nvSpPr>
         <p:spPr>
@@ -1440,9 +1492,13 @@
             <a:ext cx="6096000" cy="3429000"/>
           </a:xfrm>
           <a:custGeom>
-            <a:rect b="b" l="l" r="r" t="t"/>
+            <a:avLst/>
+            <a:gdLst/>
+            <a:ahLst/>
+            <a:cxnLst/>
+            <a:rect l="l" t="t" r="r" b="b"/>
             <a:pathLst>
-              <a:path extrusionOk="0" h="120000" w="120000">
+              <a:path w="120000" h="120000" extrusionOk="0">
                 <a:moveTo>
                   <a:pt x="0" y="0"/>
                 </a:moveTo>
@@ -1464,9 +1520,11 @@
       <p:sp>
         <p:nvSpPr>
           <p:cNvPr id="187" name="Google Shape;187;gb8f6980196_0_476:notes"/>
-          <p:cNvSpPr txBox="1"/>
+          <p:cNvSpPr txBox="1">
+            <a:spLocks noGrp="1"/>
+          </p:cNvSpPr>
           <p:nvPr>
-            <p:ph idx="1" type="body"/>
+            <p:ph type="body" idx="1"/>
           </p:nvPr>
         </p:nvSpPr>
         <p:spPr>
@@ -1479,12 +1537,12 @@
           </a:prstGeom>
         </p:spPr>
         <p:txBody>
-          <a:bodyPr anchorCtr="0" anchor="t" bIns="91425" lIns="91425" spcFirstLastPara="1" rIns="91425" wrap="square" tIns="91425">
+          <a:bodyPr spcFirstLastPara="1" wrap="square" lIns="91425" tIns="91425" rIns="91425" bIns="91425" anchor="t" anchorCtr="0">
             <a:noAutofit/>
           </a:bodyPr>
           <a:lstStyle/>
           <a:p>
-            <a:pPr indent="0" lvl="0" marL="0" rtl="0" algn="l">
+            <a:pPr marL="0" lvl="0" indent="0" algn="l" rtl="0">
               <a:spcBef>
                 <a:spcPts val="0"/>
               </a:spcBef>
@@ -1493,9 +1551,6 @@
               </a:spcAft>
               <a:buNone/>
             </a:pPr>
-            <a:r>
-              <a:t/>
-            </a:r>
             <a:endParaRPr/>
           </a:p>
         </p:txBody>
@@ -1509,18 +1564,19 @@
 </file>
 
 <file path=ppt/slideLayouts/slideLayout1.xml><?xml version="1.0" encoding="utf-8"?>
-<p:sldLayout xmlns:a="http://schemas.openxmlformats.org/drawingml/2006/main" xmlns:r="http://schemas.openxmlformats.org/officeDocument/2006/relationships" xmlns:mc="http://schemas.openxmlformats.org/markup-compatibility/2006" xmlns:mv="urn:schemas-microsoft-com:mac:vml" xmlns:p="http://schemas.openxmlformats.org/presentationml/2006/main" xmlns:c="http://schemas.openxmlformats.org/drawingml/2006/chart" xmlns:dgm="http://schemas.openxmlformats.org/drawingml/2006/diagram" xmlns:o="urn:schemas-microsoft-com:office:office" xmlns:v="urn:schemas-microsoft-com:vml" xmlns:pvml="urn:schemas-microsoft-com:office:powerpoint" xmlns:com="http://schemas.openxmlformats.org/drawingml/2006/compatibility" xmlns:p14="http://schemas.microsoft.com/office/powerpoint/2010/main" xmlns:p15="http://schemas.microsoft.com/office/powerpoint/2012/main" xmlns:ahyp="http://schemas.microsoft.com/office/drawing/2018/hyperlinkcolor" matchingName="Title slide" type="title">
+<p:sldLayout xmlns:a="http://schemas.openxmlformats.org/drawingml/2006/main" xmlns:r="http://schemas.openxmlformats.org/officeDocument/2006/relationships" xmlns:p="http://schemas.openxmlformats.org/presentationml/2006/main" matchingName="Title slide" type="title">
   <p:cSld name="TITLE">
     <p:bg>
       <p:bgPr>
         <a:solidFill>
           <a:schemeClr val="lt2"/>
         </a:solidFill>
+        <a:effectLst/>
       </p:bgPr>
     </p:bg>
     <p:spTree>
       <p:nvGrpSpPr>
-        <p:cNvPr id="9" name="Shape 9"/>
+        <p:cNvPr id="1" name="Shape 9"/>
         <p:cNvGrpSpPr/>
         <p:nvPr/>
       </p:nvGrpSpPr>
@@ -1554,12 +1610,12 @@
           </a:ln>
         </p:spPr>
         <p:txBody>
-          <a:bodyPr anchorCtr="0" anchor="ctr" bIns="91425" lIns="91425" spcFirstLastPara="1" rIns="91425" wrap="square" tIns="91425">
+          <a:bodyPr spcFirstLastPara="1" wrap="square" lIns="91425" tIns="91425" rIns="91425" bIns="91425" anchor="ctr" anchorCtr="0">
             <a:noAutofit/>
           </a:bodyPr>
           <a:lstStyle/>
           <a:p>
-            <a:pPr indent="0" lvl="0" marL="0" rtl="0" algn="l">
+            <a:pPr marL="0" lvl="0" indent="0" algn="l" rtl="0">
               <a:spcBef>
                 <a:spcPts val="0"/>
               </a:spcBef>
@@ -1568,9 +1624,6 @@
               </a:spcAft>
               <a:buNone/>
             </a:pPr>
-            <a:r>
-              <a:t/>
-            </a:r>
             <a:endParaRPr/>
           </a:p>
         </p:txBody>
@@ -1611,12 +1664,12 @@
             </a:ln>
           </p:spPr>
           <p:txBody>
-            <a:bodyPr anchorCtr="0" anchor="ctr" bIns="91425" lIns="91425" spcFirstLastPara="1" rIns="91425" wrap="square" tIns="91425">
+            <a:bodyPr spcFirstLastPara="1" wrap="square" lIns="91425" tIns="91425" rIns="91425" bIns="91425" anchor="ctr" anchorCtr="0">
               <a:noAutofit/>
             </a:bodyPr>
             <a:lstStyle/>
             <a:p>
-              <a:pPr indent="0" lvl="0" marL="0" rtl="0" algn="l">
+              <a:pPr marL="0" lvl="0" indent="0" algn="l" rtl="0">
                 <a:spcBef>
                   <a:spcPts val="0"/>
                 </a:spcBef>
@@ -1625,9 +1678,6 @@
                 </a:spcAft>
                 <a:buNone/>
               </a:pPr>
-              <a:r>
-                <a:t/>
-              </a:r>
               <a:endParaRPr/>
             </a:p>
           </p:txBody>
@@ -1654,12 +1704,12 @@
             </a:ln>
           </p:spPr>
           <p:txBody>
-            <a:bodyPr anchorCtr="0" anchor="ctr" bIns="91425" lIns="91425" spcFirstLastPara="1" rIns="91425" wrap="square" tIns="91425">
+            <a:bodyPr spcFirstLastPara="1" wrap="square" lIns="91425" tIns="91425" rIns="91425" bIns="91425" anchor="ctr" anchorCtr="0">
               <a:noAutofit/>
             </a:bodyPr>
             <a:lstStyle/>
             <a:p>
-              <a:pPr indent="0" lvl="0" marL="0" rtl="0" algn="l">
+              <a:pPr marL="0" lvl="0" indent="0" algn="l" rtl="0">
                 <a:spcBef>
                   <a:spcPts val="0"/>
                 </a:spcBef>
@@ -1668,9 +1718,6 @@
                 </a:spcAft>
                 <a:buNone/>
               </a:pPr>
-              <a:r>
-                <a:t/>
-              </a:r>
               <a:endParaRPr/>
             </a:p>
           </p:txBody>
@@ -1679,7 +1726,9 @@
       <p:sp>
         <p:nvSpPr>
           <p:cNvPr id="14" name="Google Shape;14;p2"/>
-          <p:cNvSpPr txBox="1"/>
+          <p:cNvSpPr txBox="1">
+            <a:spLocks noGrp="1"/>
+          </p:cNvSpPr>
           <p:nvPr>
             <p:ph type="ctrTitle"/>
           </p:nvPr>
@@ -1694,7 +1743,7 @@
           </a:prstGeom>
         </p:spPr>
         <p:txBody>
-          <a:bodyPr anchorCtr="0" anchor="t" bIns="91425" lIns="91425" spcFirstLastPara="1" rIns="91425" wrap="square" tIns="91425">
+          <a:bodyPr spcFirstLastPara="1" wrap="square" lIns="91425" tIns="91425" rIns="91425" bIns="91425" anchor="t" anchorCtr="0">
             <a:normAutofit/>
           </a:bodyPr>
           <a:lstStyle>
@@ -1798,15 +1847,19 @@
               <a:defRPr sz="4200"/>
             </a:lvl9pPr>
           </a:lstStyle>
-          <a:p/>
+          <a:p>
+            <a:endParaRPr/>
+          </a:p>
         </p:txBody>
       </p:sp>
       <p:sp>
         <p:nvSpPr>
           <p:cNvPr id="15" name="Google Shape;15;p2"/>
-          <p:cNvSpPr txBox="1"/>
+          <p:cNvSpPr txBox="1">
+            <a:spLocks noGrp="1"/>
+          </p:cNvSpPr>
           <p:nvPr>
-            <p:ph idx="1" type="subTitle"/>
+            <p:ph type="subTitle" idx="1"/>
           </p:nvPr>
         </p:nvSpPr>
         <p:spPr>
@@ -1819,7 +1872,7 @@
           </a:prstGeom>
         </p:spPr>
         <p:txBody>
-          <a:bodyPr anchorCtr="0" anchor="t" bIns="91425" lIns="91425" spcFirstLastPara="1" rIns="91425" wrap="square" tIns="91425">
+          <a:bodyPr spcFirstLastPara="1" wrap="square" lIns="91425" tIns="91425" rIns="91425" bIns="91425" anchor="t" anchorCtr="0">
             <a:normAutofit/>
           </a:bodyPr>
           <a:lstStyle>
@@ -1950,15 +2003,19 @@
               <a:defRPr sz="1600"/>
             </a:lvl9pPr>
           </a:lstStyle>
-          <a:p/>
+          <a:p>
+            <a:endParaRPr/>
+          </a:p>
         </p:txBody>
       </p:sp>
       <p:sp>
         <p:nvSpPr>
           <p:cNvPr id="16" name="Google Shape;16;p2"/>
-          <p:cNvSpPr txBox="1"/>
+          <p:cNvSpPr txBox="1">
+            <a:spLocks noGrp="1"/>
+          </p:cNvSpPr>
           <p:nvPr>
-            <p:ph idx="12" type="sldNum"/>
+            <p:ph type="sldNum" idx="12"/>
           </p:nvPr>
         </p:nvSpPr>
         <p:spPr>
@@ -1971,7 +2028,7 @@
           </a:prstGeom>
         </p:spPr>
         <p:txBody>
-          <a:bodyPr anchorCtr="0" anchor="ctr" bIns="91425" lIns="91425" spcFirstLastPara="1" rIns="91425" wrap="square" tIns="91425">
+          <a:bodyPr spcFirstLastPara="1" wrap="square" lIns="91425" tIns="91425" rIns="91425" bIns="91425" anchor="ctr" anchorCtr="0">
             <a:normAutofit/>
           </a:bodyPr>
           <a:lstStyle>
@@ -2013,7 +2070,7 @@
             </a:lvl9pPr>
           </a:lstStyle>
           <a:p>
-            <a:pPr indent="0" lvl="0" marL="0" rtl="0" algn="r">
+            <a:pPr marL="0" lvl="0" indent="0" algn="r" rtl="0">
               <a:spcBef>
                 <a:spcPts val="0"/>
               </a:spcBef>
@@ -2024,7 +2081,7 @@
             </a:pPr>
             <a:fld id="{00000000-1234-1234-1234-123412341234}" type="slidenum">
               <a:rPr lang="es"/>
-              <a:t>‹#›</a:t>
+              <a:t>‹Nº›</a:t>
             </a:fld>
             <a:endParaRPr/>
           </a:p>
@@ -2039,18 +2096,19 @@
 </file>
 
 <file path=ppt/slideLayouts/slideLayout10.xml><?xml version="1.0" encoding="utf-8"?>
-<p:sldLayout xmlns:a="http://schemas.openxmlformats.org/drawingml/2006/main" xmlns:r="http://schemas.openxmlformats.org/officeDocument/2006/relationships" xmlns:mc="http://schemas.openxmlformats.org/markup-compatibility/2006" xmlns:mv="urn:schemas-microsoft-com:mac:vml" xmlns:p="http://schemas.openxmlformats.org/presentationml/2006/main" xmlns:c="http://schemas.openxmlformats.org/drawingml/2006/chart" xmlns:dgm="http://schemas.openxmlformats.org/drawingml/2006/diagram" xmlns:o="urn:schemas-microsoft-com:office:office" xmlns:v="urn:schemas-microsoft-com:vml" xmlns:pvml="urn:schemas-microsoft-com:office:powerpoint" xmlns:com="http://schemas.openxmlformats.org/drawingml/2006/compatibility" xmlns:p14="http://schemas.microsoft.com/office/powerpoint/2010/main" xmlns:p15="http://schemas.microsoft.com/office/powerpoint/2012/main" xmlns:ahyp="http://schemas.microsoft.com/office/drawing/2018/hyperlinkcolor" matchingName="Big number">
+<p:sldLayout xmlns:a="http://schemas.openxmlformats.org/drawingml/2006/main" xmlns:r="http://schemas.openxmlformats.org/officeDocument/2006/relationships" xmlns:p="http://schemas.openxmlformats.org/presentationml/2006/main" matchingName="Big number">
   <p:cSld name="BIG_NUMBER">
     <p:bg>
       <p:bgPr>
         <a:solidFill>
           <a:schemeClr val="dk1"/>
         </a:solidFill>
+        <a:effectLst/>
       </p:bgPr>
     </p:bg>
     <p:spTree>
       <p:nvGrpSpPr>
-        <p:cNvPr id="73" name="Shape 73"/>
+        <p:cNvPr id="1" name="Shape 73"/>
         <p:cNvGrpSpPr/>
         <p:nvPr/>
       </p:nvGrpSpPr>
@@ -2098,12 +2156,12 @@
             </a:ln>
           </p:spPr>
           <p:txBody>
-            <a:bodyPr anchorCtr="0" anchor="ctr" bIns="91425" lIns="91425" spcFirstLastPara="1" rIns="91425" wrap="square" tIns="91425">
+            <a:bodyPr spcFirstLastPara="1" wrap="square" lIns="91425" tIns="91425" rIns="91425" bIns="91425" anchor="ctr" anchorCtr="0">
               <a:noAutofit/>
             </a:bodyPr>
             <a:lstStyle/>
             <a:p>
-              <a:pPr indent="0" lvl="0" marL="0" rtl="0" algn="l">
+              <a:pPr marL="0" lvl="0" indent="0" algn="l" rtl="0">
                 <a:spcBef>
                   <a:spcPts val="0"/>
                 </a:spcBef>
@@ -2112,9 +2170,6 @@
                 </a:spcAft>
                 <a:buNone/>
               </a:pPr>
-              <a:r>
-                <a:t/>
-              </a:r>
               <a:endParaRPr/>
             </a:p>
           </p:txBody>
@@ -2141,12 +2196,12 @@
             </a:ln>
           </p:spPr>
           <p:txBody>
-            <a:bodyPr anchorCtr="0" anchor="ctr" bIns="91425" lIns="91425" spcFirstLastPara="1" rIns="91425" wrap="square" tIns="91425">
+            <a:bodyPr spcFirstLastPara="1" wrap="square" lIns="91425" tIns="91425" rIns="91425" bIns="91425" anchor="ctr" anchorCtr="0">
               <a:noAutofit/>
             </a:bodyPr>
             <a:lstStyle/>
             <a:p>
-              <a:pPr indent="0" lvl="0" marL="0" rtl="0" algn="l">
+              <a:pPr marL="0" lvl="0" indent="0" algn="l" rtl="0">
                 <a:spcBef>
                   <a:spcPts val="0"/>
                 </a:spcBef>
@@ -2155,9 +2210,6 @@
                 </a:spcAft>
                 <a:buNone/>
               </a:pPr>
-              <a:r>
-                <a:t/>
-              </a:r>
               <a:endParaRPr/>
             </a:p>
           </p:txBody>
@@ -2166,9 +2218,11 @@
       <p:sp>
         <p:nvSpPr>
           <p:cNvPr id="77" name="Google Shape;77;p11"/>
-          <p:cNvSpPr txBox="1"/>
+          <p:cNvSpPr txBox="1">
+            <a:spLocks noGrp="1"/>
+          </p:cNvSpPr>
           <p:nvPr>
-            <p:ph hasCustomPrompt="1" type="title"/>
+            <p:ph type="title" hasCustomPrompt="1"/>
           </p:nvPr>
         </p:nvSpPr>
         <p:spPr>
@@ -2181,7 +2235,7 @@
           </a:prstGeom>
         </p:spPr>
         <p:txBody>
-          <a:bodyPr anchorCtr="0" anchor="t" bIns="91425" lIns="91425" spcFirstLastPara="1" rIns="91425" wrap="square" tIns="91425">
+          <a:bodyPr spcFirstLastPara="1" wrap="square" lIns="91425" tIns="91425" rIns="91425" bIns="91425" anchor="t" anchorCtr="0">
             <a:normAutofit/>
           </a:bodyPr>
           <a:lstStyle>
@@ -2358,9 +2412,11 @@
       <p:sp>
         <p:nvSpPr>
           <p:cNvPr id="78" name="Google Shape;78;p11"/>
-          <p:cNvSpPr txBox="1"/>
+          <p:cNvSpPr txBox="1">
+            <a:spLocks noGrp="1"/>
+          </p:cNvSpPr>
           <p:nvPr>
-            <p:ph idx="1" type="body"/>
+            <p:ph type="body" idx="1"/>
           </p:nvPr>
         </p:nvSpPr>
         <p:spPr>
@@ -2373,11 +2429,11 @@
           </a:prstGeom>
         </p:spPr>
         <p:txBody>
-          <a:bodyPr anchorCtr="0" anchor="t" bIns="91425" lIns="91425" spcFirstLastPara="1" rIns="91425" wrap="square" tIns="91425">
+          <a:bodyPr spcFirstLastPara="1" wrap="square" lIns="91425" tIns="91425" rIns="91425" bIns="91425" anchor="t" anchorCtr="0">
             <a:normAutofit/>
           </a:bodyPr>
           <a:lstStyle>
-            <a:lvl1pPr indent="-311150" lvl="0" marL="457200">
+            <a:lvl1pPr marL="457200" lvl="0" indent="-311150">
               <a:spcBef>
                 <a:spcPts val="0"/>
               </a:spcBef>
@@ -2395,7 +2451,7 @@
                 </a:solidFill>
               </a:defRPr>
             </a:lvl1pPr>
-            <a:lvl2pPr indent="-298450" lvl="1" marL="914400">
+            <a:lvl2pPr marL="914400" lvl="1" indent="-298450">
               <a:spcBef>
                 <a:spcPts val="0"/>
               </a:spcBef>
@@ -2413,7 +2469,7 @@
                 </a:solidFill>
               </a:defRPr>
             </a:lvl2pPr>
-            <a:lvl3pPr indent="-298450" lvl="2" marL="1371600">
+            <a:lvl3pPr marL="1371600" lvl="2" indent="-298450">
               <a:spcBef>
                 <a:spcPts val="0"/>
               </a:spcBef>
@@ -2431,7 +2487,7 @@
                 </a:solidFill>
               </a:defRPr>
             </a:lvl3pPr>
-            <a:lvl4pPr indent="-298450" lvl="3" marL="1828800">
+            <a:lvl4pPr marL="1828800" lvl="3" indent="-298450">
               <a:spcBef>
                 <a:spcPts val="0"/>
               </a:spcBef>
@@ -2449,7 +2505,7 @@
                 </a:solidFill>
               </a:defRPr>
             </a:lvl4pPr>
-            <a:lvl5pPr indent="-298450" lvl="4" marL="2286000">
+            <a:lvl5pPr marL="2286000" lvl="4" indent="-298450">
               <a:spcBef>
                 <a:spcPts val="0"/>
               </a:spcBef>
@@ -2467,7 +2523,7 @@
                 </a:solidFill>
               </a:defRPr>
             </a:lvl5pPr>
-            <a:lvl6pPr indent="-298450" lvl="5" marL="2743200">
+            <a:lvl6pPr marL="2743200" lvl="5" indent="-298450">
               <a:spcBef>
                 <a:spcPts val="0"/>
               </a:spcBef>
@@ -2485,7 +2541,7 @@
                 </a:solidFill>
               </a:defRPr>
             </a:lvl6pPr>
-            <a:lvl7pPr indent="-298450" lvl="6" marL="3200400">
+            <a:lvl7pPr marL="3200400" lvl="6" indent="-298450">
               <a:spcBef>
                 <a:spcPts val="0"/>
               </a:spcBef>
@@ -2503,7 +2559,7 @@
                 </a:solidFill>
               </a:defRPr>
             </a:lvl7pPr>
-            <a:lvl8pPr indent="-298450" lvl="7" marL="3657600">
+            <a:lvl8pPr marL="3657600" lvl="7" indent="-298450">
               <a:spcBef>
                 <a:spcPts val="0"/>
               </a:spcBef>
@@ -2521,7 +2577,7 @@
                 </a:solidFill>
               </a:defRPr>
             </a:lvl8pPr>
-            <a:lvl9pPr indent="-298450" lvl="8" marL="4114800">
+            <a:lvl9pPr marL="4114800" lvl="8" indent="-298450">
               <a:spcBef>
                 <a:spcPts val="0"/>
               </a:spcBef>
@@ -2540,15 +2596,19 @@
               </a:defRPr>
             </a:lvl9pPr>
           </a:lstStyle>
-          <a:p/>
+          <a:p>
+            <a:endParaRPr/>
+          </a:p>
         </p:txBody>
       </p:sp>
       <p:sp>
         <p:nvSpPr>
           <p:cNvPr id="79" name="Google Shape;79;p11"/>
-          <p:cNvSpPr txBox="1"/>
+          <p:cNvSpPr txBox="1">
+            <a:spLocks noGrp="1"/>
+          </p:cNvSpPr>
           <p:nvPr>
-            <p:ph idx="12" type="sldNum"/>
+            <p:ph type="sldNum" idx="12"/>
           </p:nvPr>
         </p:nvSpPr>
         <p:spPr>
@@ -2561,7 +2621,7 @@
           </a:prstGeom>
         </p:spPr>
         <p:txBody>
-          <a:bodyPr anchorCtr="0" anchor="ctr" bIns="91425" lIns="91425" spcFirstLastPara="1" rIns="91425" wrap="square" tIns="91425">
+          <a:bodyPr spcFirstLastPara="1" wrap="square" lIns="91425" tIns="91425" rIns="91425" bIns="91425" anchor="ctr" anchorCtr="0">
             <a:normAutofit/>
           </a:bodyPr>
           <a:lstStyle>
@@ -2639,7 +2699,7 @@
             </a:lvl9pPr>
           </a:lstStyle>
           <a:p>
-            <a:pPr indent="0" lvl="0" marL="0" rtl="0" algn="r">
+            <a:pPr marL="0" lvl="0" indent="0" algn="r" rtl="0">
               <a:spcBef>
                 <a:spcPts val="0"/>
               </a:spcBef>
@@ -2650,7 +2710,7 @@
             </a:pPr>
             <a:fld id="{00000000-1234-1234-1234-123412341234}" type="slidenum">
               <a:rPr lang="es"/>
-              <a:t>‹#›</a:t>
+              <a:t>‹Nº›</a:t>
             </a:fld>
             <a:endParaRPr/>
           </a:p>
@@ -2665,11 +2725,11 @@
 </file>
 
 <file path=ppt/slideLayouts/slideLayout11.xml><?xml version="1.0" encoding="utf-8"?>
-<p:sldLayout xmlns:a="http://schemas.openxmlformats.org/drawingml/2006/main" xmlns:r="http://schemas.openxmlformats.org/officeDocument/2006/relationships" xmlns:mc="http://schemas.openxmlformats.org/markup-compatibility/2006" xmlns:mv="urn:schemas-microsoft-com:mac:vml" xmlns:p="http://schemas.openxmlformats.org/presentationml/2006/main" xmlns:c="http://schemas.openxmlformats.org/drawingml/2006/chart" xmlns:dgm="http://schemas.openxmlformats.org/drawingml/2006/diagram" xmlns:o="urn:schemas-microsoft-com:office:office" xmlns:v="urn:schemas-microsoft-com:vml" xmlns:pvml="urn:schemas-microsoft-com:office:powerpoint" xmlns:com="http://schemas.openxmlformats.org/drawingml/2006/compatibility" xmlns:p14="http://schemas.microsoft.com/office/powerpoint/2010/main" xmlns:p15="http://schemas.microsoft.com/office/powerpoint/2012/main" xmlns:ahyp="http://schemas.microsoft.com/office/drawing/2018/hyperlinkcolor" matchingName="Blank" type="blank">
+<p:sldLayout xmlns:a="http://schemas.openxmlformats.org/drawingml/2006/main" xmlns:r="http://schemas.openxmlformats.org/officeDocument/2006/relationships" xmlns:p="http://schemas.openxmlformats.org/presentationml/2006/main" matchingName="Blank" type="blank">
   <p:cSld name="BLANK">
     <p:spTree>
       <p:nvGrpSpPr>
-        <p:cNvPr id="80" name="Shape 80"/>
+        <p:cNvPr id="1" name="Shape 80"/>
         <p:cNvGrpSpPr/>
         <p:nvPr/>
       </p:nvGrpSpPr>
@@ -2684,9 +2744,11 @@
       <p:sp>
         <p:nvSpPr>
           <p:cNvPr id="81" name="Google Shape;81;p12"/>
-          <p:cNvSpPr txBox="1"/>
+          <p:cNvSpPr txBox="1">
+            <a:spLocks noGrp="1"/>
+          </p:cNvSpPr>
           <p:nvPr>
-            <p:ph idx="12" type="sldNum"/>
+            <p:ph type="sldNum" idx="12"/>
           </p:nvPr>
         </p:nvSpPr>
         <p:spPr>
@@ -2699,7 +2761,7 @@
           </a:prstGeom>
         </p:spPr>
         <p:txBody>
-          <a:bodyPr anchorCtr="0" anchor="ctr" bIns="91425" lIns="91425" spcFirstLastPara="1" rIns="91425" wrap="square" tIns="91425">
+          <a:bodyPr spcFirstLastPara="1" wrap="square" lIns="91425" tIns="91425" rIns="91425" bIns="91425" anchor="ctr" anchorCtr="0">
             <a:normAutofit/>
           </a:bodyPr>
           <a:lstStyle>
@@ -2741,7 +2803,7 @@
             </a:lvl9pPr>
           </a:lstStyle>
           <a:p>
-            <a:pPr indent="0" lvl="0" marL="0" rtl="0" algn="r">
+            <a:pPr marL="0" lvl="0" indent="0" algn="r" rtl="0">
               <a:spcBef>
                 <a:spcPts val="0"/>
               </a:spcBef>
@@ -2752,7 +2814,7 @@
             </a:pPr>
             <a:fld id="{00000000-1234-1234-1234-123412341234}" type="slidenum">
               <a:rPr lang="es"/>
-              <a:t>‹#›</a:t>
+              <a:t>‹Nº›</a:t>
             </a:fld>
             <a:endParaRPr/>
           </a:p>
@@ -2767,18 +2829,19 @@
 </file>
 
 <file path=ppt/slideLayouts/slideLayout2.xml><?xml version="1.0" encoding="utf-8"?>
-<p:sldLayout xmlns:a="http://schemas.openxmlformats.org/drawingml/2006/main" xmlns:r="http://schemas.openxmlformats.org/officeDocument/2006/relationships" xmlns:mc="http://schemas.openxmlformats.org/markup-compatibility/2006" xmlns:mv="urn:schemas-microsoft-com:mac:vml" xmlns:p="http://schemas.openxmlformats.org/presentationml/2006/main" xmlns:c="http://schemas.openxmlformats.org/drawingml/2006/chart" xmlns:dgm="http://schemas.openxmlformats.org/drawingml/2006/diagram" xmlns:o="urn:schemas-microsoft-com:office:office" xmlns:v="urn:schemas-microsoft-com:vml" xmlns:pvml="urn:schemas-microsoft-com:office:powerpoint" xmlns:com="http://schemas.openxmlformats.org/drawingml/2006/compatibility" xmlns:p14="http://schemas.microsoft.com/office/powerpoint/2010/main" xmlns:p15="http://schemas.microsoft.com/office/powerpoint/2012/main" xmlns:ahyp="http://schemas.microsoft.com/office/drawing/2018/hyperlinkcolor" matchingName="Section header" type="secHead">
+<p:sldLayout xmlns:a="http://schemas.openxmlformats.org/drawingml/2006/main" xmlns:r="http://schemas.openxmlformats.org/officeDocument/2006/relationships" xmlns:p="http://schemas.openxmlformats.org/presentationml/2006/main" matchingName="Section header" type="secHead">
   <p:cSld name="SECTION_HEADER">
     <p:bg>
       <p:bgPr>
         <a:solidFill>
           <a:schemeClr val="dk1"/>
         </a:solidFill>
+        <a:effectLst/>
       </p:bgPr>
     </p:bg>
     <p:spTree>
       <p:nvGrpSpPr>
-        <p:cNvPr id="17" name="Shape 17"/>
+        <p:cNvPr id="1" name="Shape 17"/>
         <p:cNvGrpSpPr/>
         <p:nvPr/>
       </p:nvGrpSpPr>
@@ -2826,12 +2889,12 @@
             </a:ln>
           </p:spPr>
           <p:txBody>
-            <a:bodyPr anchorCtr="0" anchor="ctr" bIns="91425" lIns="91425" spcFirstLastPara="1" rIns="91425" wrap="square" tIns="91425">
+            <a:bodyPr spcFirstLastPara="1" wrap="square" lIns="91425" tIns="91425" rIns="91425" bIns="91425" anchor="ctr" anchorCtr="0">
               <a:noAutofit/>
             </a:bodyPr>
             <a:lstStyle/>
             <a:p>
-              <a:pPr indent="0" lvl="0" marL="0" rtl="0" algn="l">
+              <a:pPr marL="0" lvl="0" indent="0" algn="l" rtl="0">
                 <a:spcBef>
                   <a:spcPts val="0"/>
                 </a:spcBef>
@@ -2840,9 +2903,6 @@
                 </a:spcAft>
                 <a:buNone/>
               </a:pPr>
-              <a:r>
-                <a:t/>
-              </a:r>
               <a:endParaRPr/>
             </a:p>
           </p:txBody>
@@ -2869,12 +2929,12 @@
             </a:ln>
           </p:spPr>
           <p:txBody>
-            <a:bodyPr anchorCtr="0" anchor="ctr" bIns="91425" lIns="91425" spcFirstLastPara="1" rIns="91425" wrap="square" tIns="91425">
+            <a:bodyPr spcFirstLastPara="1" wrap="square" lIns="91425" tIns="91425" rIns="91425" bIns="91425" anchor="ctr" anchorCtr="0">
               <a:noAutofit/>
             </a:bodyPr>
             <a:lstStyle/>
             <a:p>
-              <a:pPr indent="0" lvl="0" marL="0" rtl="0" algn="l">
+              <a:pPr marL="0" lvl="0" indent="0" algn="l" rtl="0">
                 <a:spcBef>
                   <a:spcPts val="0"/>
                 </a:spcBef>
@@ -2883,9 +2943,6 @@
                 </a:spcAft>
                 <a:buNone/>
               </a:pPr>
-              <a:r>
-                <a:t/>
-              </a:r>
               <a:endParaRPr/>
             </a:p>
           </p:txBody>
@@ -2894,7 +2951,9 @@
       <p:sp>
         <p:nvSpPr>
           <p:cNvPr id="21" name="Google Shape;21;p3"/>
-          <p:cNvSpPr txBox="1"/>
+          <p:cNvSpPr txBox="1">
+            <a:spLocks noGrp="1"/>
+          </p:cNvSpPr>
           <p:nvPr>
             <p:ph type="title"/>
           </p:nvPr>
@@ -2909,7 +2968,7 @@
           </a:prstGeom>
         </p:spPr>
         <p:txBody>
-          <a:bodyPr anchorCtr="0" anchor="t" bIns="91425" lIns="91425" spcFirstLastPara="1" rIns="91425" wrap="square" tIns="91425">
+          <a:bodyPr spcFirstLastPara="1" wrap="square" lIns="91425" tIns="91425" rIns="91425" bIns="91425" anchor="t" anchorCtr="0">
             <a:normAutofit/>
           </a:bodyPr>
           <a:lstStyle>
@@ -3076,15 +3135,19 @@
               </a:defRPr>
             </a:lvl9pPr>
           </a:lstStyle>
-          <a:p/>
+          <a:p>
+            <a:endParaRPr/>
+          </a:p>
         </p:txBody>
       </p:sp>
       <p:sp>
         <p:nvSpPr>
           <p:cNvPr id="22" name="Google Shape;22;p3"/>
-          <p:cNvSpPr txBox="1"/>
+          <p:cNvSpPr txBox="1">
+            <a:spLocks noGrp="1"/>
+          </p:cNvSpPr>
           <p:nvPr>
-            <p:ph idx="12" type="sldNum"/>
+            <p:ph type="sldNum" idx="12"/>
           </p:nvPr>
         </p:nvSpPr>
         <p:spPr>
@@ -3097,7 +3160,7 @@
           </a:prstGeom>
         </p:spPr>
         <p:txBody>
-          <a:bodyPr anchorCtr="0" anchor="ctr" bIns="91425" lIns="91425" spcFirstLastPara="1" rIns="91425" wrap="square" tIns="91425">
+          <a:bodyPr spcFirstLastPara="1" wrap="square" lIns="91425" tIns="91425" rIns="91425" bIns="91425" anchor="ctr" anchorCtr="0">
             <a:normAutofit/>
           </a:bodyPr>
           <a:lstStyle>
@@ -3175,7 +3238,7 @@
             </a:lvl9pPr>
           </a:lstStyle>
           <a:p>
-            <a:pPr indent="0" lvl="0" marL="0" rtl="0" algn="r">
+            <a:pPr marL="0" lvl="0" indent="0" algn="r" rtl="0">
               <a:spcBef>
                 <a:spcPts val="0"/>
               </a:spcBef>
@@ -3186,7 +3249,7 @@
             </a:pPr>
             <a:fld id="{00000000-1234-1234-1234-123412341234}" type="slidenum">
               <a:rPr lang="es"/>
-              <a:t>‹#›</a:t>
+              <a:t>‹Nº›</a:t>
             </a:fld>
             <a:endParaRPr/>
           </a:p>
@@ -3201,11 +3264,11 @@
 </file>
 
 <file path=ppt/slideLayouts/slideLayout3.xml><?xml version="1.0" encoding="utf-8"?>
-<p:sldLayout xmlns:a="http://schemas.openxmlformats.org/drawingml/2006/main" xmlns:r="http://schemas.openxmlformats.org/officeDocument/2006/relationships" xmlns:mc="http://schemas.openxmlformats.org/markup-compatibility/2006" xmlns:mv="urn:schemas-microsoft-com:mac:vml" xmlns:p="http://schemas.openxmlformats.org/presentationml/2006/main" xmlns:c="http://schemas.openxmlformats.org/drawingml/2006/chart" xmlns:dgm="http://schemas.openxmlformats.org/drawingml/2006/diagram" xmlns:o="urn:schemas-microsoft-com:office:office" xmlns:v="urn:schemas-microsoft-com:vml" xmlns:pvml="urn:schemas-microsoft-com:office:powerpoint" xmlns:com="http://schemas.openxmlformats.org/drawingml/2006/compatibility" xmlns:p14="http://schemas.microsoft.com/office/powerpoint/2010/main" xmlns:p15="http://schemas.microsoft.com/office/powerpoint/2012/main" xmlns:ahyp="http://schemas.microsoft.com/office/drawing/2018/hyperlinkcolor" matchingName="Title and body" type="tx">
+<p:sldLayout xmlns:a="http://schemas.openxmlformats.org/drawingml/2006/main" xmlns:r="http://schemas.openxmlformats.org/officeDocument/2006/relationships" xmlns:p="http://schemas.openxmlformats.org/presentationml/2006/main" matchingName="Title and body" type="tx">
   <p:cSld name="TITLE_AND_BODY">
     <p:spTree>
       <p:nvGrpSpPr>
-        <p:cNvPr id="23" name="Shape 23"/>
+        <p:cNvPr id="1" name="Shape 23"/>
         <p:cNvGrpSpPr/>
         <p:nvPr/>
       </p:nvGrpSpPr>
@@ -3239,12 +3302,12 @@
           </a:ln>
         </p:spPr>
         <p:txBody>
-          <a:bodyPr anchorCtr="0" anchor="ctr" bIns="91425" lIns="91425" spcFirstLastPara="1" rIns="91425" wrap="square" tIns="91425">
+          <a:bodyPr spcFirstLastPara="1" wrap="square" lIns="91425" tIns="91425" rIns="91425" bIns="91425" anchor="ctr" anchorCtr="0">
             <a:noAutofit/>
           </a:bodyPr>
           <a:lstStyle/>
           <a:p>
-            <a:pPr indent="0" lvl="0" marL="0" rtl="0" algn="l">
+            <a:pPr marL="0" lvl="0" indent="0" algn="l" rtl="0">
               <a:spcBef>
                 <a:spcPts val="0"/>
               </a:spcBef>
@@ -3253,9 +3316,6 @@
               </a:spcAft>
               <a:buNone/>
             </a:pPr>
-            <a:r>
-              <a:t/>
-            </a:r>
             <a:endParaRPr/>
           </a:p>
         </p:txBody>
@@ -3296,12 +3356,12 @@
             </a:ln>
           </p:spPr>
           <p:txBody>
-            <a:bodyPr anchorCtr="0" anchor="ctr" bIns="91425" lIns="91425" spcFirstLastPara="1" rIns="91425" wrap="square" tIns="91425">
+            <a:bodyPr spcFirstLastPara="1" wrap="square" lIns="91425" tIns="91425" rIns="91425" bIns="91425" anchor="ctr" anchorCtr="0">
               <a:noAutofit/>
             </a:bodyPr>
             <a:lstStyle/>
             <a:p>
-              <a:pPr indent="0" lvl="0" marL="0" rtl="0" algn="l">
+              <a:pPr marL="0" lvl="0" indent="0" algn="l" rtl="0">
                 <a:spcBef>
                   <a:spcPts val="0"/>
                 </a:spcBef>
@@ -3310,9 +3370,6 @@
                 </a:spcAft>
                 <a:buNone/>
               </a:pPr>
-              <a:r>
-                <a:t/>
-              </a:r>
               <a:endParaRPr/>
             </a:p>
           </p:txBody>
@@ -3339,12 +3396,12 @@
             </a:ln>
           </p:spPr>
           <p:txBody>
-            <a:bodyPr anchorCtr="0" anchor="ctr" bIns="91425" lIns="91425" spcFirstLastPara="1" rIns="91425" wrap="square" tIns="91425">
+            <a:bodyPr spcFirstLastPara="1" wrap="square" lIns="91425" tIns="91425" rIns="91425" bIns="91425" anchor="ctr" anchorCtr="0">
               <a:noAutofit/>
             </a:bodyPr>
             <a:lstStyle/>
             <a:p>
-              <a:pPr indent="0" lvl="0" marL="0" rtl="0" algn="l">
+              <a:pPr marL="0" lvl="0" indent="0" algn="l" rtl="0">
                 <a:spcBef>
                   <a:spcPts val="0"/>
                 </a:spcBef>
@@ -3353,9 +3410,6 @@
                 </a:spcAft>
                 <a:buNone/>
               </a:pPr>
-              <a:r>
-                <a:t/>
-              </a:r>
               <a:endParaRPr/>
             </a:p>
           </p:txBody>
@@ -3364,7 +3418,9 @@
       <p:sp>
         <p:nvSpPr>
           <p:cNvPr id="28" name="Google Shape;28;p4"/>
-          <p:cNvSpPr txBox="1"/>
+          <p:cNvSpPr txBox="1">
+            <a:spLocks noGrp="1"/>
+          </p:cNvSpPr>
           <p:nvPr>
             <p:ph type="title"/>
           </p:nvPr>
@@ -3379,7 +3435,7 @@
           </a:prstGeom>
         </p:spPr>
         <p:txBody>
-          <a:bodyPr anchorCtr="0" anchor="t" bIns="91425" lIns="91425" spcFirstLastPara="1" rIns="91425" wrap="square" tIns="91425">
+          <a:bodyPr spcFirstLastPara="1" wrap="square" lIns="91425" tIns="91425" rIns="91425" bIns="91425" anchor="t" anchorCtr="0">
             <a:normAutofit/>
           </a:bodyPr>
           <a:lstStyle>
@@ -3483,15 +3539,19 @@
               <a:defRPr sz="2600"/>
             </a:lvl9pPr>
           </a:lstStyle>
-          <a:p/>
+          <a:p>
+            <a:endParaRPr/>
+          </a:p>
         </p:txBody>
       </p:sp>
       <p:sp>
         <p:nvSpPr>
           <p:cNvPr id="29" name="Google Shape;29;p4"/>
-          <p:cNvSpPr txBox="1"/>
+          <p:cNvSpPr txBox="1">
+            <a:spLocks noGrp="1"/>
+          </p:cNvSpPr>
           <p:nvPr>
-            <p:ph idx="1" type="body"/>
+            <p:ph type="body" idx="1"/>
           </p:nvPr>
         </p:nvSpPr>
         <p:spPr>
@@ -3504,11 +3564,11 @@
           </a:prstGeom>
         </p:spPr>
         <p:txBody>
-          <a:bodyPr anchorCtr="0" anchor="t" bIns="91425" lIns="91425" spcFirstLastPara="1" rIns="91425" wrap="square" tIns="91425">
+          <a:bodyPr spcFirstLastPara="1" wrap="square" lIns="91425" tIns="91425" rIns="91425" bIns="91425" anchor="t" anchorCtr="0">
             <a:normAutofit/>
           </a:bodyPr>
           <a:lstStyle>
-            <a:lvl1pPr indent="-311150" lvl="0" marL="457200">
+            <a:lvl1pPr marL="457200" lvl="0" indent="-311150">
               <a:spcBef>
                 <a:spcPts val="0"/>
               </a:spcBef>
@@ -3519,7 +3579,7 @@
               <a:buChar char="●"/>
               <a:defRPr/>
             </a:lvl1pPr>
-            <a:lvl2pPr indent="-298450" lvl="1" marL="914400">
+            <a:lvl2pPr marL="914400" lvl="1" indent="-298450">
               <a:spcBef>
                 <a:spcPts val="0"/>
               </a:spcBef>
@@ -3530,7 +3590,7 @@
               <a:buChar char="○"/>
               <a:defRPr/>
             </a:lvl2pPr>
-            <a:lvl3pPr indent="-298450" lvl="2" marL="1371600">
+            <a:lvl3pPr marL="1371600" lvl="2" indent="-298450">
               <a:spcBef>
                 <a:spcPts val="0"/>
               </a:spcBef>
@@ -3541,7 +3601,7 @@
               <a:buChar char="■"/>
               <a:defRPr/>
             </a:lvl3pPr>
-            <a:lvl4pPr indent="-298450" lvl="3" marL="1828800">
+            <a:lvl4pPr marL="1828800" lvl="3" indent="-298450">
               <a:spcBef>
                 <a:spcPts val="0"/>
               </a:spcBef>
@@ -3552,7 +3612,7 @@
               <a:buChar char="●"/>
               <a:defRPr/>
             </a:lvl4pPr>
-            <a:lvl5pPr indent="-298450" lvl="4" marL="2286000">
+            <a:lvl5pPr marL="2286000" lvl="4" indent="-298450">
               <a:spcBef>
                 <a:spcPts val="0"/>
               </a:spcBef>
@@ -3563,7 +3623,7 @@
               <a:buChar char="○"/>
               <a:defRPr/>
             </a:lvl5pPr>
-            <a:lvl6pPr indent="-298450" lvl="5" marL="2743200">
+            <a:lvl6pPr marL="2743200" lvl="5" indent="-298450">
               <a:spcBef>
                 <a:spcPts val="0"/>
               </a:spcBef>
@@ -3574,7 +3634,7 @@
               <a:buChar char="■"/>
               <a:defRPr/>
             </a:lvl6pPr>
-            <a:lvl7pPr indent="-298450" lvl="6" marL="3200400">
+            <a:lvl7pPr marL="3200400" lvl="6" indent="-298450">
               <a:spcBef>
                 <a:spcPts val="0"/>
               </a:spcBef>
@@ -3585,7 +3645,7 @@
               <a:buChar char="●"/>
               <a:defRPr/>
             </a:lvl7pPr>
-            <a:lvl8pPr indent="-298450" lvl="7" marL="3657600">
+            <a:lvl8pPr marL="3657600" lvl="7" indent="-298450">
               <a:spcBef>
                 <a:spcPts val="0"/>
               </a:spcBef>
@@ -3596,7 +3656,7 @@
               <a:buChar char="○"/>
               <a:defRPr/>
             </a:lvl8pPr>
-            <a:lvl9pPr indent="-298450" lvl="8" marL="4114800">
+            <a:lvl9pPr marL="4114800" lvl="8" indent="-298450">
               <a:spcBef>
                 <a:spcPts val="0"/>
               </a:spcBef>
@@ -3608,15 +3668,19 @@
               <a:defRPr/>
             </a:lvl9pPr>
           </a:lstStyle>
-          <a:p/>
+          <a:p>
+            <a:endParaRPr/>
+          </a:p>
         </p:txBody>
       </p:sp>
       <p:sp>
         <p:nvSpPr>
           <p:cNvPr id="30" name="Google Shape;30;p4"/>
-          <p:cNvSpPr txBox="1"/>
+          <p:cNvSpPr txBox="1">
+            <a:spLocks noGrp="1"/>
+          </p:cNvSpPr>
           <p:nvPr>
-            <p:ph idx="12" type="sldNum"/>
+            <p:ph type="sldNum" idx="12"/>
           </p:nvPr>
         </p:nvSpPr>
         <p:spPr>
@@ -3629,7 +3693,7 @@
           </a:prstGeom>
         </p:spPr>
         <p:txBody>
-          <a:bodyPr anchorCtr="0" anchor="ctr" bIns="91425" lIns="91425" spcFirstLastPara="1" rIns="91425" wrap="square" tIns="91425">
+          <a:bodyPr spcFirstLastPara="1" wrap="square" lIns="91425" tIns="91425" rIns="91425" bIns="91425" anchor="ctr" anchorCtr="0">
             <a:normAutofit/>
           </a:bodyPr>
           <a:lstStyle>
@@ -3671,7 +3735,7 @@
             </a:lvl9pPr>
           </a:lstStyle>
           <a:p>
-            <a:pPr indent="0" lvl="0" marL="0" rtl="0" algn="r">
+            <a:pPr marL="0" lvl="0" indent="0" algn="r" rtl="0">
               <a:spcBef>
                 <a:spcPts val="0"/>
               </a:spcBef>
@@ -3682,7 +3746,7 @@
             </a:pPr>
             <a:fld id="{00000000-1234-1234-1234-123412341234}" type="slidenum">
               <a:rPr lang="es"/>
-              <a:t>‹#›</a:t>
+              <a:t>‹Nº›</a:t>
             </a:fld>
             <a:endParaRPr/>
           </a:p>
@@ -3697,11 +3761,11 @@
 </file>
 
 <file path=ppt/slideLayouts/slideLayout4.xml><?xml version="1.0" encoding="utf-8"?>
-<p:sldLayout xmlns:a="http://schemas.openxmlformats.org/drawingml/2006/main" xmlns:r="http://schemas.openxmlformats.org/officeDocument/2006/relationships" xmlns:mc="http://schemas.openxmlformats.org/markup-compatibility/2006" xmlns:mv="urn:schemas-microsoft-com:mac:vml" xmlns:p="http://schemas.openxmlformats.org/presentationml/2006/main" xmlns:c="http://schemas.openxmlformats.org/drawingml/2006/chart" xmlns:dgm="http://schemas.openxmlformats.org/drawingml/2006/diagram" xmlns:o="urn:schemas-microsoft-com:office:office" xmlns:v="urn:schemas-microsoft-com:vml" xmlns:pvml="urn:schemas-microsoft-com:office:powerpoint" xmlns:com="http://schemas.openxmlformats.org/drawingml/2006/compatibility" xmlns:p14="http://schemas.microsoft.com/office/powerpoint/2010/main" xmlns:p15="http://schemas.microsoft.com/office/powerpoint/2012/main" xmlns:ahyp="http://schemas.microsoft.com/office/drawing/2018/hyperlinkcolor" matchingName="Title and two columns" type="twoColTx">
+<p:sldLayout xmlns:a="http://schemas.openxmlformats.org/drawingml/2006/main" xmlns:r="http://schemas.openxmlformats.org/officeDocument/2006/relationships" xmlns:p="http://schemas.openxmlformats.org/presentationml/2006/main" matchingName="Title and two columns" type="twoColTx">
   <p:cSld name="TITLE_AND_TWO_COLUMNS">
     <p:spTree>
       <p:nvGrpSpPr>
-        <p:cNvPr id="31" name="Shape 31"/>
+        <p:cNvPr id="1" name="Shape 31"/>
         <p:cNvGrpSpPr/>
         <p:nvPr/>
       </p:nvGrpSpPr>
@@ -3735,12 +3799,12 @@
           </a:ln>
         </p:spPr>
         <p:txBody>
-          <a:bodyPr anchorCtr="0" anchor="ctr" bIns="91425" lIns="91425" spcFirstLastPara="1" rIns="91425" wrap="square" tIns="91425">
+          <a:bodyPr spcFirstLastPara="1" wrap="square" lIns="91425" tIns="91425" rIns="91425" bIns="91425" anchor="ctr" anchorCtr="0">
             <a:noAutofit/>
           </a:bodyPr>
           <a:lstStyle/>
           <a:p>
-            <a:pPr indent="0" lvl="0" marL="0" rtl="0" algn="l">
+            <a:pPr marL="0" lvl="0" indent="0" algn="l" rtl="0">
               <a:spcBef>
                 <a:spcPts val="0"/>
               </a:spcBef>
@@ -3749,9 +3813,6 @@
               </a:spcAft>
               <a:buNone/>
             </a:pPr>
-            <a:r>
-              <a:t/>
-            </a:r>
             <a:endParaRPr/>
           </a:p>
         </p:txBody>
@@ -3792,12 +3853,12 @@
             </a:ln>
           </p:spPr>
           <p:txBody>
-            <a:bodyPr anchorCtr="0" anchor="ctr" bIns="91425" lIns="91425" spcFirstLastPara="1" rIns="91425" wrap="square" tIns="91425">
+            <a:bodyPr spcFirstLastPara="1" wrap="square" lIns="91425" tIns="91425" rIns="91425" bIns="91425" anchor="ctr" anchorCtr="0">
               <a:noAutofit/>
             </a:bodyPr>
             <a:lstStyle/>
             <a:p>
-              <a:pPr indent="0" lvl="0" marL="0" rtl="0" algn="l">
+              <a:pPr marL="0" lvl="0" indent="0" algn="l" rtl="0">
                 <a:spcBef>
                   <a:spcPts val="0"/>
                 </a:spcBef>
@@ -3806,9 +3867,6 @@
                 </a:spcAft>
                 <a:buNone/>
               </a:pPr>
-              <a:r>
-                <a:t/>
-              </a:r>
               <a:endParaRPr/>
             </a:p>
           </p:txBody>
@@ -3835,12 +3893,12 @@
             </a:ln>
           </p:spPr>
           <p:txBody>
-            <a:bodyPr anchorCtr="0" anchor="ctr" bIns="91425" lIns="91425" spcFirstLastPara="1" rIns="91425" wrap="square" tIns="91425">
+            <a:bodyPr spcFirstLastPara="1" wrap="square" lIns="91425" tIns="91425" rIns="91425" bIns="91425" anchor="ctr" anchorCtr="0">
               <a:noAutofit/>
             </a:bodyPr>
             <a:lstStyle/>
             <a:p>
-              <a:pPr indent="0" lvl="0" marL="0" rtl="0" algn="l">
+              <a:pPr marL="0" lvl="0" indent="0" algn="l" rtl="0">
                 <a:spcBef>
                   <a:spcPts val="0"/>
                 </a:spcBef>
@@ -3849,9 +3907,6 @@
                 </a:spcAft>
                 <a:buNone/>
               </a:pPr>
-              <a:r>
-                <a:t/>
-              </a:r>
               <a:endParaRPr/>
             </a:p>
           </p:txBody>
@@ -3860,7 +3915,9 @@
       <p:sp>
         <p:nvSpPr>
           <p:cNvPr id="36" name="Google Shape;36;p5"/>
-          <p:cNvSpPr txBox="1"/>
+          <p:cNvSpPr txBox="1">
+            <a:spLocks noGrp="1"/>
+          </p:cNvSpPr>
           <p:nvPr>
             <p:ph type="title"/>
           </p:nvPr>
@@ -3875,7 +3932,7 @@
           </a:prstGeom>
         </p:spPr>
         <p:txBody>
-          <a:bodyPr anchorCtr="0" anchor="t" bIns="91425" lIns="91425" spcFirstLastPara="1" rIns="91425" wrap="square" tIns="91425">
+          <a:bodyPr spcFirstLastPara="1" wrap="square" lIns="91425" tIns="91425" rIns="91425" bIns="91425" anchor="t" anchorCtr="0">
             <a:normAutofit/>
           </a:bodyPr>
           <a:lstStyle>
@@ -3979,15 +4036,19 @@
               <a:defRPr sz="2600"/>
             </a:lvl9pPr>
           </a:lstStyle>
-          <a:p/>
+          <a:p>
+            <a:endParaRPr/>
+          </a:p>
         </p:txBody>
       </p:sp>
       <p:sp>
         <p:nvSpPr>
           <p:cNvPr id="37" name="Google Shape;37;p5"/>
-          <p:cNvSpPr txBox="1"/>
+          <p:cNvSpPr txBox="1">
+            <a:spLocks noGrp="1"/>
+          </p:cNvSpPr>
           <p:nvPr>
-            <p:ph idx="1" type="body"/>
+            <p:ph type="body" idx="1"/>
           </p:nvPr>
         </p:nvSpPr>
         <p:spPr>
@@ -4000,11 +4061,11 @@
           </a:prstGeom>
         </p:spPr>
         <p:txBody>
-          <a:bodyPr anchorCtr="0" anchor="t" bIns="91425" lIns="91425" spcFirstLastPara="1" rIns="91425" wrap="square" tIns="91425">
+          <a:bodyPr spcFirstLastPara="1" wrap="square" lIns="91425" tIns="91425" rIns="91425" bIns="91425" anchor="t" anchorCtr="0">
             <a:normAutofit/>
           </a:bodyPr>
           <a:lstStyle>
-            <a:lvl1pPr indent="-311150" lvl="0" marL="457200">
+            <a:lvl1pPr marL="457200" lvl="0" indent="-311150">
               <a:spcBef>
                 <a:spcPts val="0"/>
               </a:spcBef>
@@ -4015,7 +4076,7 @@
               <a:buChar char="●"/>
               <a:defRPr/>
             </a:lvl1pPr>
-            <a:lvl2pPr indent="-298450" lvl="1" marL="914400">
+            <a:lvl2pPr marL="914400" lvl="1" indent="-298450">
               <a:spcBef>
                 <a:spcPts val="0"/>
               </a:spcBef>
@@ -4026,7 +4087,7 @@
               <a:buChar char="○"/>
               <a:defRPr/>
             </a:lvl2pPr>
-            <a:lvl3pPr indent="-298450" lvl="2" marL="1371600">
+            <a:lvl3pPr marL="1371600" lvl="2" indent="-298450">
               <a:spcBef>
                 <a:spcPts val="0"/>
               </a:spcBef>
@@ -4037,7 +4098,7 @@
               <a:buChar char="■"/>
               <a:defRPr/>
             </a:lvl3pPr>
-            <a:lvl4pPr indent="-298450" lvl="3" marL="1828800">
+            <a:lvl4pPr marL="1828800" lvl="3" indent="-298450">
               <a:spcBef>
                 <a:spcPts val="0"/>
               </a:spcBef>
@@ -4048,7 +4109,7 @@
               <a:buChar char="●"/>
               <a:defRPr/>
             </a:lvl4pPr>
-            <a:lvl5pPr indent="-298450" lvl="4" marL="2286000">
+            <a:lvl5pPr marL="2286000" lvl="4" indent="-298450">
               <a:spcBef>
                 <a:spcPts val="0"/>
               </a:spcBef>
@@ -4059,7 +4120,7 @@
               <a:buChar char="○"/>
               <a:defRPr/>
             </a:lvl5pPr>
-            <a:lvl6pPr indent="-298450" lvl="5" marL="2743200">
+            <a:lvl6pPr marL="2743200" lvl="5" indent="-298450">
               <a:spcBef>
                 <a:spcPts val="0"/>
               </a:spcBef>
@@ -4070,7 +4131,7 @@
               <a:buChar char="■"/>
               <a:defRPr/>
             </a:lvl6pPr>
-            <a:lvl7pPr indent="-298450" lvl="6" marL="3200400">
+            <a:lvl7pPr marL="3200400" lvl="6" indent="-298450">
               <a:spcBef>
                 <a:spcPts val="0"/>
               </a:spcBef>
@@ -4081,7 +4142,7 @@
               <a:buChar char="●"/>
               <a:defRPr/>
             </a:lvl7pPr>
-            <a:lvl8pPr indent="-298450" lvl="7" marL="3657600">
+            <a:lvl8pPr marL="3657600" lvl="7" indent="-298450">
               <a:spcBef>
                 <a:spcPts val="0"/>
               </a:spcBef>
@@ -4092,7 +4153,7 @@
               <a:buChar char="○"/>
               <a:defRPr/>
             </a:lvl8pPr>
-            <a:lvl9pPr indent="-298450" lvl="8" marL="4114800">
+            <a:lvl9pPr marL="4114800" lvl="8" indent="-298450">
               <a:spcBef>
                 <a:spcPts val="0"/>
               </a:spcBef>
@@ -4104,15 +4165,19 @@
               <a:defRPr/>
             </a:lvl9pPr>
           </a:lstStyle>
-          <a:p/>
+          <a:p>
+            <a:endParaRPr/>
+          </a:p>
         </p:txBody>
       </p:sp>
       <p:sp>
         <p:nvSpPr>
           <p:cNvPr id="38" name="Google Shape;38;p5"/>
-          <p:cNvSpPr txBox="1"/>
+          <p:cNvSpPr txBox="1">
+            <a:spLocks noGrp="1"/>
+          </p:cNvSpPr>
           <p:nvPr>
-            <p:ph idx="2" type="body"/>
+            <p:ph type="body" idx="2"/>
           </p:nvPr>
         </p:nvSpPr>
         <p:spPr>
@@ -4125,11 +4190,11 @@
           </a:prstGeom>
         </p:spPr>
         <p:txBody>
-          <a:bodyPr anchorCtr="0" anchor="t" bIns="91425" lIns="91425" spcFirstLastPara="1" rIns="91425" wrap="square" tIns="91425">
+          <a:bodyPr spcFirstLastPara="1" wrap="square" lIns="91425" tIns="91425" rIns="91425" bIns="91425" anchor="t" anchorCtr="0">
             <a:normAutofit/>
           </a:bodyPr>
           <a:lstStyle>
-            <a:lvl1pPr indent="-311150" lvl="0" marL="457200">
+            <a:lvl1pPr marL="457200" lvl="0" indent="-311150">
               <a:spcBef>
                 <a:spcPts val="0"/>
               </a:spcBef>
@@ -4140,7 +4205,7 @@
               <a:buChar char="●"/>
               <a:defRPr/>
             </a:lvl1pPr>
-            <a:lvl2pPr indent="-298450" lvl="1" marL="914400">
+            <a:lvl2pPr marL="914400" lvl="1" indent="-298450">
               <a:spcBef>
                 <a:spcPts val="0"/>
               </a:spcBef>
@@ -4151,7 +4216,7 @@
               <a:buChar char="○"/>
               <a:defRPr/>
             </a:lvl2pPr>
-            <a:lvl3pPr indent="-298450" lvl="2" marL="1371600">
+            <a:lvl3pPr marL="1371600" lvl="2" indent="-298450">
               <a:spcBef>
                 <a:spcPts val="0"/>
               </a:spcBef>
@@ -4162,7 +4227,7 @@
               <a:buChar char="■"/>
               <a:defRPr/>
             </a:lvl3pPr>
-            <a:lvl4pPr indent="-298450" lvl="3" marL="1828800">
+            <a:lvl4pPr marL="1828800" lvl="3" indent="-298450">
               <a:spcBef>
                 <a:spcPts val="0"/>
               </a:spcBef>
@@ -4173,7 +4238,7 @@
               <a:buChar char="●"/>
               <a:defRPr/>
             </a:lvl4pPr>
-            <a:lvl5pPr indent="-298450" lvl="4" marL="2286000">
+            <a:lvl5pPr marL="2286000" lvl="4" indent="-298450">
               <a:spcBef>
                 <a:spcPts val="0"/>
               </a:spcBef>
@@ -4184,7 +4249,7 @@
               <a:buChar char="○"/>
               <a:defRPr/>
             </a:lvl5pPr>
-            <a:lvl6pPr indent="-298450" lvl="5" marL="2743200">
+            <a:lvl6pPr marL="2743200" lvl="5" indent="-298450">
               <a:spcBef>
                 <a:spcPts val="0"/>
               </a:spcBef>
@@ -4195,7 +4260,7 @@
               <a:buChar char="■"/>
               <a:defRPr/>
             </a:lvl6pPr>
-            <a:lvl7pPr indent="-298450" lvl="6" marL="3200400">
+            <a:lvl7pPr marL="3200400" lvl="6" indent="-298450">
               <a:spcBef>
                 <a:spcPts val="0"/>
               </a:spcBef>
@@ -4206,7 +4271,7 @@
               <a:buChar char="●"/>
               <a:defRPr/>
             </a:lvl7pPr>
-            <a:lvl8pPr indent="-298450" lvl="7" marL="3657600">
+            <a:lvl8pPr marL="3657600" lvl="7" indent="-298450">
               <a:spcBef>
                 <a:spcPts val="0"/>
               </a:spcBef>
@@ -4217,7 +4282,7 @@
               <a:buChar char="○"/>
               <a:defRPr/>
             </a:lvl8pPr>
-            <a:lvl9pPr indent="-298450" lvl="8" marL="4114800">
+            <a:lvl9pPr marL="4114800" lvl="8" indent="-298450">
               <a:spcBef>
                 <a:spcPts val="0"/>
               </a:spcBef>
@@ -4229,15 +4294,19 @@
               <a:defRPr/>
             </a:lvl9pPr>
           </a:lstStyle>
-          <a:p/>
+          <a:p>
+            <a:endParaRPr/>
+          </a:p>
         </p:txBody>
       </p:sp>
       <p:sp>
         <p:nvSpPr>
           <p:cNvPr id="39" name="Google Shape;39;p5"/>
-          <p:cNvSpPr txBox="1"/>
+          <p:cNvSpPr txBox="1">
+            <a:spLocks noGrp="1"/>
+          </p:cNvSpPr>
           <p:nvPr>
-            <p:ph idx="12" type="sldNum"/>
+            <p:ph type="sldNum" idx="12"/>
           </p:nvPr>
         </p:nvSpPr>
         <p:spPr>
@@ -4250,7 +4319,7 @@
           </a:prstGeom>
         </p:spPr>
         <p:txBody>
-          <a:bodyPr anchorCtr="0" anchor="ctr" bIns="91425" lIns="91425" spcFirstLastPara="1" rIns="91425" wrap="square" tIns="91425">
+          <a:bodyPr spcFirstLastPara="1" wrap="square" lIns="91425" tIns="91425" rIns="91425" bIns="91425" anchor="ctr" anchorCtr="0">
             <a:normAutofit/>
           </a:bodyPr>
           <a:lstStyle>
@@ -4292,7 +4361,7 @@
             </a:lvl9pPr>
           </a:lstStyle>
           <a:p>
-            <a:pPr indent="0" lvl="0" marL="0" rtl="0" algn="r">
+            <a:pPr marL="0" lvl="0" indent="0" algn="r" rtl="0">
               <a:spcBef>
                 <a:spcPts val="0"/>
               </a:spcBef>
@@ -4303,7 +4372,7 @@
             </a:pPr>
             <a:fld id="{00000000-1234-1234-1234-123412341234}" type="slidenum">
               <a:rPr lang="es"/>
-              <a:t>‹#›</a:t>
+              <a:t>‹Nº›</a:t>
             </a:fld>
             <a:endParaRPr/>
           </a:p>
@@ -4318,11 +4387,11 @@
 </file>
 
 <file path=ppt/slideLayouts/slideLayout5.xml><?xml version="1.0" encoding="utf-8"?>
-<p:sldLayout xmlns:a="http://schemas.openxmlformats.org/drawingml/2006/main" xmlns:r="http://schemas.openxmlformats.org/officeDocument/2006/relationships" xmlns:mc="http://schemas.openxmlformats.org/markup-compatibility/2006" xmlns:mv="urn:schemas-microsoft-com:mac:vml" xmlns:p="http://schemas.openxmlformats.org/presentationml/2006/main" xmlns:c="http://schemas.openxmlformats.org/drawingml/2006/chart" xmlns:dgm="http://schemas.openxmlformats.org/drawingml/2006/diagram" xmlns:o="urn:schemas-microsoft-com:office:office" xmlns:v="urn:schemas-microsoft-com:vml" xmlns:pvml="urn:schemas-microsoft-com:office:powerpoint" xmlns:com="http://schemas.openxmlformats.org/drawingml/2006/compatibility" xmlns:p14="http://schemas.microsoft.com/office/powerpoint/2010/main" xmlns:p15="http://schemas.microsoft.com/office/powerpoint/2012/main" xmlns:ahyp="http://schemas.microsoft.com/office/drawing/2018/hyperlinkcolor" matchingName="Title only" type="titleOnly">
+<p:sldLayout xmlns:a="http://schemas.openxmlformats.org/drawingml/2006/main" xmlns:r="http://schemas.openxmlformats.org/officeDocument/2006/relationships" xmlns:p="http://schemas.openxmlformats.org/presentationml/2006/main" matchingName="Title only" type="titleOnly">
   <p:cSld name="TITLE_ONLY">
     <p:spTree>
       <p:nvGrpSpPr>
-        <p:cNvPr id="40" name="Shape 40"/>
+        <p:cNvPr id="1" name="Shape 40"/>
         <p:cNvGrpSpPr/>
         <p:nvPr/>
       </p:nvGrpSpPr>
@@ -4356,12 +4425,12 @@
           </a:ln>
         </p:spPr>
         <p:txBody>
-          <a:bodyPr anchorCtr="0" anchor="ctr" bIns="91425" lIns="91425" spcFirstLastPara="1" rIns="91425" wrap="square" tIns="91425">
+          <a:bodyPr spcFirstLastPara="1" wrap="square" lIns="91425" tIns="91425" rIns="91425" bIns="91425" anchor="ctr" anchorCtr="0">
             <a:noAutofit/>
           </a:bodyPr>
           <a:lstStyle/>
           <a:p>
-            <a:pPr indent="0" lvl="0" marL="0" rtl="0" algn="l">
+            <a:pPr marL="0" lvl="0" indent="0" algn="l" rtl="0">
               <a:spcBef>
                 <a:spcPts val="0"/>
               </a:spcBef>
@@ -4370,9 +4439,6 @@
               </a:spcAft>
               <a:buNone/>
             </a:pPr>
-            <a:r>
-              <a:t/>
-            </a:r>
             <a:endParaRPr/>
           </a:p>
         </p:txBody>
@@ -4413,12 +4479,12 @@
             </a:ln>
           </p:spPr>
           <p:txBody>
-            <a:bodyPr anchorCtr="0" anchor="ctr" bIns="91425" lIns="91425" spcFirstLastPara="1" rIns="91425" wrap="square" tIns="91425">
+            <a:bodyPr spcFirstLastPara="1" wrap="square" lIns="91425" tIns="91425" rIns="91425" bIns="91425" anchor="ctr" anchorCtr="0">
               <a:noAutofit/>
             </a:bodyPr>
             <a:lstStyle/>
             <a:p>
-              <a:pPr indent="0" lvl="0" marL="0" rtl="0" algn="l">
+              <a:pPr marL="0" lvl="0" indent="0" algn="l" rtl="0">
                 <a:spcBef>
                   <a:spcPts val="0"/>
                 </a:spcBef>
@@ -4427,9 +4493,6 @@
                 </a:spcAft>
                 <a:buNone/>
               </a:pPr>
-              <a:r>
-                <a:t/>
-              </a:r>
               <a:endParaRPr/>
             </a:p>
           </p:txBody>
@@ -4456,12 +4519,12 @@
             </a:ln>
           </p:spPr>
           <p:txBody>
-            <a:bodyPr anchorCtr="0" anchor="ctr" bIns="91425" lIns="91425" spcFirstLastPara="1" rIns="91425" wrap="square" tIns="91425">
+            <a:bodyPr spcFirstLastPara="1" wrap="square" lIns="91425" tIns="91425" rIns="91425" bIns="91425" anchor="ctr" anchorCtr="0">
               <a:noAutofit/>
             </a:bodyPr>
             <a:lstStyle/>
             <a:p>
-              <a:pPr indent="0" lvl="0" marL="0" rtl="0" algn="l">
+              <a:pPr marL="0" lvl="0" indent="0" algn="l" rtl="0">
                 <a:spcBef>
                   <a:spcPts val="0"/>
                 </a:spcBef>
@@ -4470,9 +4533,6 @@
                 </a:spcAft>
                 <a:buNone/>
               </a:pPr>
-              <a:r>
-                <a:t/>
-              </a:r>
               <a:endParaRPr/>
             </a:p>
           </p:txBody>
@@ -4481,7 +4541,9 @@
       <p:sp>
         <p:nvSpPr>
           <p:cNvPr id="45" name="Google Shape;45;p6"/>
-          <p:cNvSpPr txBox="1"/>
+          <p:cNvSpPr txBox="1">
+            <a:spLocks noGrp="1"/>
+          </p:cNvSpPr>
           <p:nvPr>
             <p:ph type="title"/>
           </p:nvPr>
@@ -4496,7 +4558,7 @@
           </a:prstGeom>
         </p:spPr>
         <p:txBody>
-          <a:bodyPr anchorCtr="0" anchor="t" bIns="91425" lIns="91425" spcFirstLastPara="1" rIns="91425" wrap="square" tIns="91425">
+          <a:bodyPr spcFirstLastPara="1" wrap="square" lIns="91425" tIns="91425" rIns="91425" bIns="91425" anchor="t" anchorCtr="0">
             <a:normAutofit/>
           </a:bodyPr>
           <a:lstStyle>
@@ -4600,15 +4662,19 @@
               <a:defRPr sz="2600"/>
             </a:lvl9pPr>
           </a:lstStyle>
-          <a:p/>
+          <a:p>
+            <a:endParaRPr/>
+          </a:p>
         </p:txBody>
       </p:sp>
       <p:sp>
         <p:nvSpPr>
           <p:cNvPr id="46" name="Google Shape;46;p6"/>
-          <p:cNvSpPr txBox="1"/>
+          <p:cNvSpPr txBox="1">
+            <a:spLocks noGrp="1"/>
+          </p:cNvSpPr>
           <p:nvPr>
-            <p:ph idx="12" type="sldNum"/>
+            <p:ph type="sldNum" idx="12"/>
           </p:nvPr>
         </p:nvSpPr>
         <p:spPr>
@@ -4621,7 +4687,7 @@
           </a:prstGeom>
         </p:spPr>
         <p:txBody>
-          <a:bodyPr anchorCtr="0" anchor="ctr" bIns="91425" lIns="91425" spcFirstLastPara="1" rIns="91425" wrap="square" tIns="91425">
+          <a:bodyPr spcFirstLastPara="1" wrap="square" lIns="91425" tIns="91425" rIns="91425" bIns="91425" anchor="ctr" anchorCtr="0">
             <a:normAutofit/>
           </a:bodyPr>
           <a:lstStyle>
@@ -4663,7 +4729,7 @@
             </a:lvl9pPr>
           </a:lstStyle>
           <a:p>
-            <a:pPr indent="0" lvl="0" marL="0" rtl="0" algn="r">
+            <a:pPr marL="0" lvl="0" indent="0" algn="r" rtl="0">
               <a:spcBef>
                 <a:spcPts val="0"/>
               </a:spcBef>
@@ -4674,7 +4740,7 @@
             </a:pPr>
             <a:fld id="{00000000-1234-1234-1234-123412341234}" type="slidenum">
               <a:rPr lang="es"/>
-              <a:t>‹#›</a:t>
+              <a:t>‹Nº›</a:t>
             </a:fld>
             <a:endParaRPr/>
           </a:p>
@@ -4689,11 +4755,11 @@
 </file>
 
 <file path=ppt/slideLayouts/slideLayout6.xml><?xml version="1.0" encoding="utf-8"?>
-<p:sldLayout xmlns:a="http://schemas.openxmlformats.org/drawingml/2006/main" xmlns:r="http://schemas.openxmlformats.org/officeDocument/2006/relationships" xmlns:mc="http://schemas.openxmlformats.org/markup-compatibility/2006" xmlns:mv="urn:schemas-microsoft-com:mac:vml" xmlns:p="http://schemas.openxmlformats.org/presentationml/2006/main" xmlns:c="http://schemas.openxmlformats.org/drawingml/2006/chart" xmlns:dgm="http://schemas.openxmlformats.org/drawingml/2006/diagram" xmlns:o="urn:schemas-microsoft-com:office:office" xmlns:v="urn:schemas-microsoft-com:vml" xmlns:pvml="urn:schemas-microsoft-com:office:powerpoint" xmlns:com="http://schemas.openxmlformats.org/drawingml/2006/compatibility" xmlns:p14="http://schemas.microsoft.com/office/powerpoint/2010/main" xmlns:p15="http://schemas.microsoft.com/office/powerpoint/2012/main" xmlns:ahyp="http://schemas.microsoft.com/office/drawing/2018/hyperlinkcolor" matchingName="One column text">
+<p:sldLayout xmlns:a="http://schemas.openxmlformats.org/drawingml/2006/main" xmlns:r="http://schemas.openxmlformats.org/officeDocument/2006/relationships" xmlns:p="http://schemas.openxmlformats.org/presentationml/2006/main" matchingName="One column text">
   <p:cSld name="ONE_COLUMN_TEXT">
     <p:spTree>
       <p:nvGrpSpPr>
-        <p:cNvPr id="47" name="Shape 47"/>
+        <p:cNvPr id="1" name="Shape 47"/>
         <p:cNvGrpSpPr/>
         <p:nvPr/>
       </p:nvGrpSpPr>
@@ -4727,12 +4793,12 @@
           </a:ln>
         </p:spPr>
         <p:txBody>
-          <a:bodyPr anchorCtr="0" anchor="ctr" bIns="91425" lIns="91425" spcFirstLastPara="1" rIns="91425" wrap="square" tIns="91425">
+          <a:bodyPr spcFirstLastPara="1" wrap="square" lIns="91425" tIns="91425" rIns="91425" bIns="91425" anchor="ctr" anchorCtr="0">
             <a:noAutofit/>
           </a:bodyPr>
           <a:lstStyle/>
           <a:p>
-            <a:pPr indent="0" lvl="0" marL="0" rtl="0" algn="l">
+            <a:pPr marL="0" lvl="0" indent="0" algn="l" rtl="0">
               <a:spcBef>
                 <a:spcPts val="0"/>
               </a:spcBef>
@@ -4741,9 +4807,6 @@
               </a:spcAft>
               <a:buNone/>
             </a:pPr>
-            <a:r>
-              <a:t/>
-            </a:r>
             <a:endParaRPr/>
           </a:p>
         </p:txBody>
@@ -4784,12 +4847,12 @@
             </a:ln>
           </p:spPr>
           <p:txBody>
-            <a:bodyPr anchorCtr="0" anchor="ctr" bIns="91425" lIns="91425" spcFirstLastPara="1" rIns="91425" wrap="square" tIns="91425">
+            <a:bodyPr spcFirstLastPara="1" wrap="square" lIns="91425" tIns="91425" rIns="91425" bIns="91425" anchor="ctr" anchorCtr="0">
               <a:noAutofit/>
             </a:bodyPr>
             <a:lstStyle/>
             <a:p>
-              <a:pPr indent="0" lvl="0" marL="0" rtl="0" algn="l">
+              <a:pPr marL="0" lvl="0" indent="0" algn="l" rtl="0">
                 <a:spcBef>
                   <a:spcPts val="0"/>
                 </a:spcBef>
@@ -4798,9 +4861,6 @@
                 </a:spcAft>
                 <a:buNone/>
               </a:pPr>
-              <a:r>
-                <a:t/>
-              </a:r>
               <a:endParaRPr/>
             </a:p>
           </p:txBody>
@@ -4827,12 +4887,12 @@
             </a:ln>
           </p:spPr>
           <p:txBody>
-            <a:bodyPr anchorCtr="0" anchor="ctr" bIns="91425" lIns="91425" spcFirstLastPara="1" rIns="91425" wrap="square" tIns="91425">
+            <a:bodyPr spcFirstLastPara="1" wrap="square" lIns="91425" tIns="91425" rIns="91425" bIns="91425" anchor="ctr" anchorCtr="0">
               <a:noAutofit/>
             </a:bodyPr>
             <a:lstStyle/>
             <a:p>
-              <a:pPr indent="0" lvl="0" marL="0" rtl="0" algn="l">
+              <a:pPr marL="0" lvl="0" indent="0" algn="l" rtl="0">
                 <a:spcBef>
                   <a:spcPts val="0"/>
                 </a:spcBef>
@@ -4841,9 +4901,6 @@
                 </a:spcAft>
                 <a:buNone/>
               </a:pPr>
-              <a:r>
-                <a:t/>
-              </a:r>
               <a:endParaRPr/>
             </a:p>
           </p:txBody>
@@ -4852,7 +4909,9 @@
       <p:sp>
         <p:nvSpPr>
           <p:cNvPr id="52" name="Google Shape;52;p7"/>
-          <p:cNvSpPr txBox="1"/>
+          <p:cNvSpPr txBox="1">
+            <a:spLocks noGrp="1"/>
+          </p:cNvSpPr>
           <p:nvPr>
             <p:ph type="title"/>
           </p:nvPr>
@@ -4867,7 +4926,7 @@
           </a:prstGeom>
         </p:spPr>
         <p:txBody>
-          <a:bodyPr anchorCtr="0" anchor="t" bIns="91425" lIns="91425" spcFirstLastPara="1" rIns="91425" wrap="square" tIns="91425">
+          <a:bodyPr spcFirstLastPara="1" wrap="square" lIns="91425" tIns="91425" rIns="91425" bIns="91425" anchor="t" anchorCtr="0">
             <a:normAutofit/>
           </a:bodyPr>
           <a:lstStyle>
@@ -4971,15 +5030,19 @@
               <a:defRPr sz="2600"/>
             </a:lvl9pPr>
           </a:lstStyle>
-          <a:p/>
+          <a:p>
+            <a:endParaRPr/>
+          </a:p>
         </p:txBody>
       </p:sp>
       <p:sp>
         <p:nvSpPr>
           <p:cNvPr id="53" name="Google Shape;53;p7"/>
-          <p:cNvSpPr txBox="1"/>
+          <p:cNvSpPr txBox="1">
+            <a:spLocks noGrp="1"/>
+          </p:cNvSpPr>
           <p:nvPr>
-            <p:ph idx="1" type="body"/>
+            <p:ph type="body" idx="1"/>
           </p:nvPr>
         </p:nvSpPr>
         <p:spPr>
@@ -4992,11 +5055,11 @@
           </a:prstGeom>
         </p:spPr>
         <p:txBody>
-          <a:bodyPr anchorCtr="0" anchor="t" bIns="91425" lIns="91425" spcFirstLastPara="1" rIns="91425" wrap="square" tIns="91425">
+          <a:bodyPr spcFirstLastPara="1" wrap="square" lIns="91425" tIns="91425" rIns="91425" bIns="91425" anchor="t" anchorCtr="0">
             <a:normAutofit/>
           </a:bodyPr>
           <a:lstStyle>
-            <a:lvl1pPr indent="-311150" lvl="0" marL="457200">
+            <a:lvl1pPr marL="457200" lvl="0" indent="-311150">
               <a:spcBef>
                 <a:spcPts val="0"/>
               </a:spcBef>
@@ -5007,7 +5070,7 @@
               <a:buChar char="●"/>
               <a:defRPr/>
             </a:lvl1pPr>
-            <a:lvl2pPr indent="-298450" lvl="1" marL="914400">
+            <a:lvl2pPr marL="914400" lvl="1" indent="-298450">
               <a:spcBef>
                 <a:spcPts val="0"/>
               </a:spcBef>
@@ -5018,7 +5081,7 @@
               <a:buChar char="○"/>
               <a:defRPr/>
             </a:lvl2pPr>
-            <a:lvl3pPr indent="-298450" lvl="2" marL="1371600">
+            <a:lvl3pPr marL="1371600" lvl="2" indent="-298450">
               <a:spcBef>
                 <a:spcPts val="0"/>
               </a:spcBef>
@@ -5029,7 +5092,7 @@
               <a:buChar char="■"/>
               <a:defRPr/>
             </a:lvl3pPr>
-            <a:lvl4pPr indent="-298450" lvl="3" marL="1828800">
+            <a:lvl4pPr marL="1828800" lvl="3" indent="-298450">
               <a:spcBef>
                 <a:spcPts val="0"/>
               </a:spcBef>
@@ -5040,7 +5103,7 @@
               <a:buChar char="●"/>
               <a:defRPr/>
             </a:lvl4pPr>
-            <a:lvl5pPr indent="-298450" lvl="4" marL="2286000">
+            <a:lvl5pPr marL="2286000" lvl="4" indent="-298450">
               <a:spcBef>
                 <a:spcPts val="0"/>
               </a:spcBef>
@@ -5051,7 +5114,7 @@
               <a:buChar char="○"/>
               <a:defRPr/>
             </a:lvl5pPr>
-            <a:lvl6pPr indent="-298450" lvl="5" marL="2743200">
+            <a:lvl6pPr marL="2743200" lvl="5" indent="-298450">
               <a:spcBef>
                 <a:spcPts val="0"/>
               </a:spcBef>
@@ -5062,7 +5125,7 @@
               <a:buChar char="■"/>
               <a:defRPr/>
             </a:lvl6pPr>
-            <a:lvl7pPr indent="-298450" lvl="6" marL="3200400">
+            <a:lvl7pPr marL="3200400" lvl="6" indent="-298450">
               <a:spcBef>
                 <a:spcPts val="0"/>
               </a:spcBef>
@@ -5073,7 +5136,7 @@
               <a:buChar char="●"/>
               <a:defRPr/>
             </a:lvl7pPr>
-            <a:lvl8pPr indent="-298450" lvl="7" marL="3657600">
+            <a:lvl8pPr marL="3657600" lvl="7" indent="-298450">
               <a:spcBef>
                 <a:spcPts val="0"/>
               </a:spcBef>
@@ -5084,7 +5147,7 @@
               <a:buChar char="○"/>
               <a:defRPr/>
             </a:lvl8pPr>
-            <a:lvl9pPr indent="-298450" lvl="8" marL="4114800">
+            <a:lvl9pPr marL="4114800" lvl="8" indent="-298450">
               <a:spcBef>
                 <a:spcPts val="0"/>
               </a:spcBef>
@@ -5096,15 +5159,19 @@
               <a:defRPr/>
             </a:lvl9pPr>
           </a:lstStyle>
-          <a:p/>
+          <a:p>
+            <a:endParaRPr/>
+          </a:p>
         </p:txBody>
       </p:sp>
       <p:sp>
         <p:nvSpPr>
           <p:cNvPr id="54" name="Google Shape;54;p7"/>
-          <p:cNvSpPr txBox="1"/>
+          <p:cNvSpPr txBox="1">
+            <a:spLocks noGrp="1"/>
+          </p:cNvSpPr>
           <p:nvPr>
-            <p:ph idx="12" type="sldNum"/>
+            <p:ph type="sldNum" idx="12"/>
           </p:nvPr>
         </p:nvSpPr>
         <p:spPr>
@@ -5117,7 +5184,7 @@
           </a:prstGeom>
         </p:spPr>
         <p:txBody>
-          <a:bodyPr anchorCtr="0" anchor="ctr" bIns="91425" lIns="91425" spcFirstLastPara="1" rIns="91425" wrap="square" tIns="91425">
+          <a:bodyPr spcFirstLastPara="1" wrap="square" lIns="91425" tIns="91425" rIns="91425" bIns="91425" anchor="ctr" anchorCtr="0">
             <a:normAutofit/>
           </a:bodyPr>
           <a:lstStyle>
@@ -5159,7 +5226,7 @@
             </a:lvl9pPr>
           </a:lstStyle>
           <a:p>
-            <a:pPr indent="0" lvl="0" marL="0" rtl="0" algn="r">
+            <a:pPr marL="0" lvl="0" indent="0" algn="r" rtl="0">
               <a:spcBef>
                 <a:spcPts val="0"/>
               </a:spcBef>
@@ -5170,7 +5237,7 @@
             </a:pPr>
             <a:fld id="{00000000-1234-1234-1234-123412341234}" type="slidenum">
               <a:rPr lang="es"/>
-              <a:t>‹#›</a:t>
+              <a:t>‹Nº›</a:t>
             </a:fld>
             <a:endParaRPr/>
           </a:p>
@@ -5185,18 +5252,19 @@
 </file>
 
 <file path=ppt/slideLayouts/slideLayout7.xml><?xml version="1.0" encoding="utf-8"?>
-<p:sldLayout xmlns:a="http://schemas.openxmlformats.org/drawingml/2006/main" xmlns:r="http://schemas.openxmlformats.org/officeDocument/2006/relationships" xmlns:mc="http://schemas.openxmlformats.org/markup-compatibility/2006" xmlns:mv="urn:schemas-microsoft-com:mac:vml" xmlns:p="http://schemas.openxmlformats.org/presentationml/2006/main" xmlns:c="http://schemas.openxmlformats.org/drawingml/2006/chart" xmlns:dgm="http://schemas.openxmlformats.org/drawingml/2006/diagram" xmlns:o="urn:schemas-microsoft-com:office:office" xmlns:v="urn:schemas-microsoft-com:vml" xmlns:pvml="urn:schemas-microsoft-com:office:powerpoint" xmlns:com="http://schemas.openxmlformats.org/drawingml/2006/compatibility" xmlns:p14="http://schemas.microsoft.com/office/powerpoint/2010/main" xmlns:p15="http://schemas.microsoft.com/office/powerpoint/2012/main" xmlns:ahyp="http://schemas.microsoft.com/office/drawing/2018/hyperlinkcolor" matchingName="Main point">
+<p:sldLayout xmlns:a="http://schemas.openxmlformats.org/drawingml/2006/main" xmlns:r="http://schemas.openxmlformats.org/officeDocument/2006/relationships" xmlns:p="http://schemas.openxmlformats.org/presentationml/2006/main" matchingName="Main point">
   <p:cSld name="MAIN_POINT">
     <p:bg>
       <p:bgPr>
         <a:solidFill>
           <a:schemeClr val="accent3"/>
         </a:solidFill>
+        <a:effectLst/>
       </p:bgPr>
     </p:bg>
     <p:spTree>
       <p:nvGrpSpPr>
-        <p:cNvPr id="55" name="Shape 55"/>
+        <p:cNvPr id="1" name="Shape 55"/>
         <p:cNvGrpSpPr/>
         <p:nvPr/>
       </p:nvGrpSpPr>
@@ -5244,12 +5312,12 @@
             </a:ln>
           </p:spPr>
           <p:txBody>
-            <a:bodyPr anchorCtr="0" anchor="ctr" bIns="91425" lIns="91425" spcFirstLastPara="1" rIns="91425" wrap="square" tIns="91425">
+            <a:bodyPr spcFirstLastPara="1" wrap="square" lIns="91425" tIns="91425" rIns="91425" bIns="91425" anchor="ctr" anchorCtr="0">
               <a:noAutofit/>
             </a:bodyPr>
             <a:lstStyle/>
             <a:p>
-              <a:pPr indent="0" lvl="0" marL="0" rtl="0" algn="l">
+              <a:pPr marL="0" lvl="0" indent="0" algn="l" rtl="0">
                 <a:spcBef>
                   <a:spcPts val="0"/>
                 </a:spcBef>
@@ -5258,9 +5326,6 @@
                 </a:spcAft>
                 <a:buNone/>
               </a:pPr>
-              <a:r>
-                <a:t/>
-              </a:r>
               <a:endParaRPr/>
             </a:p>
           </p:txBody>
@@ -5287,12 +5352,12 @@
             </a:ln>
           </p:spPr>
           <p:txBody>
-            <a:bodyPr anchorCtr="0" anchor="ctr" bIns="91425" lIns="91425" spcFirstLastPara="1" rIns="91425" wrap="square" tIns="91425">
+            <a:bodyPr spcFirstLastPara="1" wrap="square" lIns="91425" tIns="91425" rIns="91425" bIns="91425" anchor="ctr" anchorCtr="0">
               <a:noAutofit/>
             </a:bodyPr>
             <a:lstStyle/>
             <a:p>
-              <a:pPr indent="0" lvl="0" marL="0" rtl="0" algn="l">
+              <a:pPr marL="0" lvl="0" indent="0" algn="l" rtl="0">
                 <a:spcBef>
                   <a:spcPts val="0"/>
                 </a:spcBef>
@@ -5301,9 +5366,6 @@
                 </a:spcAft>
                 <a:buNone/>
               </a:pPr>
-              <a:r>
-                <a:t/>
-              </a:r>
               <a:endParaRPr/>
             </a:p>
           </p:txBody>
@@ -5312,7 +5374,9 @@
       <p:sp>
         <p:nvSpPr>
           <p:cNvPr id="59" name="Google Shape;59;p8"/>
-          <p:cNvSpPr txBox="1"/>
+          <p:cNvSpPr txBox="1">
+            <a:spLocks noGrp="1"/>
+          </p:cNvSpPr>
           <p:nvPr>
             <p:ph type="title"/>
           </p:nvPr>
@@ -5327,7 +5391,7 @@
           </a:prstGeom>
         </p:spPr>
         <p:txBody>
-          <a:bodyPr anchorCtr="0" anchor="ctr" bIns="91425" lIns="91425" spcFirstLastPara="1" rIns="91425" wrap="square" tIns="91425">
+          <a:bodyPr spcFirstLastPara="1" wrap="square" lIns="91425" tIns="91425" rIns="91425" bIns="91425" anchor="ctr" anchorCtr="0">
             <a:normAutofit/>
           </a:bodyPr>
           <a:lstStyle>
@@ -5494,15 +5558,19 @@
               </a:defRPr>
             </a:lvl9pPr>
           </a:lstStyle>
-          <a:p/>
+          <a:p>
+            <a:endParaRPr/>
+          </a:p>
         </p:txBody>
       </p:sp>
       <p:sp>
         <p:nvSpPr>
           <p:cNvPr id="60" name="Google Shape;60;p8"/>
-          <p:cNvSpPr txBox="1"/>
+          <p:cNvSpPr txBox="1">
+            <a:spLocks noGrp="1"/>
+          </p:cNvSpPr>
           <p:nvPr>
-            <p:ph idx="12" type="sldNum"/>
+            <p:ph type="sldNum" idx="12"/>
           </p:nvPr>
         </p:nvSpPr>
         <p:spPr>
@@ -5515,7 +5583,7 @@
           </a:prstGeom>
         </p:spPr>
         <p:txBody>
-          <a:bodyPr anchorCtr="0" anchor="ctr" bIns="91425" lIns="91425" spcFirstLastPara="1" rIns="91425" wrap="square" tIns="91425">
+          <a:bodyPr spcFirstLastPara="1" wrap="square" lIns="91425" tIns="91425" rIns="91425" bIns="91425" anchor="ctr" anchorCtr="0">
             <a:normAutofit/>
           </a:bodyPr>
           <a:lstStyle>
@@ -5593,7 +5661,7 @@
             </a:lvl9pPr>
           </a:lstStyle>
           <a:p>
-            <a:pPr indent="0" lvl="0" marL="0" rtl="0" algn="r">
+            <a:pPr marL="0" lvl="0" indent="0" algn="r" rtl="0">
               <a:spcBef>
                 <a:spcPts val="0"/>
               </a:spcBef>
@@ -5604,7 +5672,7 @@
             </a:pPr>
             <a:fld id="{00000000-1234-1234-1234-123412341234}" type="slidenum">
               <a:rPr lang="es"/>
-              <a:t>‹#›</a:t>
+              <a:t>‹Nº›</a:t>
             </a:fld>
             <a:endParaRPr/>
           </a:p>
@@ -5619,11 +5687,11 @@
 </file>
 
 <file path=ppt/slideLayouts/slideLayout8.xml><?xml version="1.0" encoding="utf-8"?>
-<p:sldLayout xmlns:a="http://schemas.openxmlformats.org/drawingml/2006/main" xmlns:r="http://schemas.openxmlformats.org/officeDocument/2006/relationships" xmlns:mc="http://schemas.openxmlformats.org/markup-compatibility/2006" xmlns:mv="urn:schemas-microsoft-com:mac:vml" xmlns:p="http://schemas.openxmlformats.org/presentationml/2006/main" xmlns:c="http://schemas.openxmlformats.org/drawingml/2006/chart" xmlns:dgm="http://schemas.openxmlformats.org/drawingml/2006/diagram" xmlns:o="urn:schemas-microsoft-com:office:office" xmlns:v="urn:schemas-microsoft-com:vml" xmlns:pvml="urn:schemas-microsoft-com:office:powerpoint" xmlns:com="http://schemas.openxmlformats.org/drawingml/2006/compatibility" xmlns:p14="http://schemas.microsoft.com/office/powerpoint/2010/main" xmlns:p15="http://schemas.microsoft.com/office/powerpoint/2012/main" xmlns:ahyp="http://schemas.microsoft.com/office/drawing/2018/hyperlinkcolor" matchingName="Section title and description">
+<p:sldLayout xmlns:a="http://schemas.openxmlformats.org/drawingml/2006/main" xmlns:r="http://schemas.openxmlformats.org/officeDocument/2006/relationships" xmlns:p="http://schemas.openxmlformats.org/presentationml/2006/main" matchingName="Section title and description">
   <p:cSld name="SECTION_TITLE_AND_DESCRIPTION">
     <p:spTree>
       <p:nvGrpSpPr>
-        <p:cNvPr id="61" name="Shape 61"/>
+        <p:cNvPr id="1" name="Shape 61"/>
         <p:cNvGrpSpPr/>
         <p:nvPr/>
       </p:nvGrpSpPr>
@@ -5657,12 +5725,12 @@
           </a:ln>
         </p:spPr>
         <p:txBody>
-          <a:bodyPr anchorCtr="0" anchor="ctr" bIns="91425" lIns="91425" spcFirstLastPara="1" rIns="91425" wrap="square" tIns="91425">
+          <a:bodyPr spcFirstLastPara="1" wrap="square" lIns="91425" tIns="91425" rIns="91425" bIns="91425" anchor="ctr" anchorCtr="0">
             <a:noAutofit/>
           </a:bodyPr>
           <a:lstStyle/>
           <a:p>
-            <a:pPr indent="0" lvl="0" marL="0" rtl="0" algn="l">
+            <a:pPr marL="0" lvl="0" indent="0" algn="l" rtl="0">
               <a:spcBef>
                 <a:spcPts val="0"/>
               </a:spcBef>
@@ -5671,9 +5739,6 @@
               </a:spcAft>
               <a:buNone/>
             </a:pPr>
-            <a:r>
-              <a:t/>
-            </a:r>
             <a:endParaRPr/>
           </a:p>
         </p:txBody>
@@ -5714,12 +5779,12 @@
             </a:ln>
           </p:spPr>
           <p:txBody>
-            <a:bodyPr anchorCtr="0" anchor="ctr" bIns="91425" lIns="91425" spcFirstLastPara="1" rIns="91425" wrap="square" tIns="91425">
+            <a:bodyPr spcFirstLastPara="1" wrap="square" lIns="91425" tIns="91425" rIns="91425" bIns="91425" anchor="ctr" anchorCtr="0">
               <a:noAutofit/>
             </a:bodyPr>
             <a:lstStyle/>
             <a:p>
-              <a:pPr indent="0" lvl="0" marL="0" rtl="0" algn="l">
+              <a:pPr marL="0" lvl="0" indent="0" algn="l" rtl="0">
                 <a:spcBef>
                   <a:spcPts val="0"/>
                 </a:spcBef>
@@ -5728,9 +5793,6 @@
                 </a:spcAft>
                 <a:buNone/>
               </a:pPr>
-              <a:r>
-                <a:t/>
-              </a:r>
               <a:endParaRPr/>
             </a:p>
           </p:txBody>
@@ -5757,12 +5819,12 @@
             </a:ln>
           </p:spPr>
           <p:txBody>
-            <a:bodyPr anchorCtr="0" anchor="ctr" bIns="91425" lIns="91425" spcFirstLastPara="1" rIns="91425" wrap="square" tIns="91425">
+            <a:bodyPr spcFirstLastPara="1" wrap="square" lIns="91425" tIns="91425" rIns="91425" bIns="91425" anchor="ctr" anchorCtr="0">
               <a:noAutofit/>
             </a:bodyPr>
             <a:lstStyle/>
             <a:p>
-              <a:pPr indent="0" lvl="0" marL="0" rtl="0" algn="l">
+              <a:pPr marL="0" lvl="0" indent="0" algn="l" rtl="0">
                 <a:spcBef>
                   <a:spcPts val="0"/>
                 </a:spcBef>
@@ -5771,9 +5833,6 @@
                 </a:spcAft>
                 <a:buNone/>
               </a:pPr>
-              <a:r>
-                <a:t/>
-              </a:r>
               <a:endParaRPr/>
             </a:p>
           </p:txBody>
@@ -5782,7 +5841,9 @@
       <p:sp>
         <p:nvSpPr>
           <p:cNvPr id="66" name="Google Shape;66;p9"/>
-          <p:cNvSpPr txBox="1"/>
+          <p:cNvSpPr txBox="1">
+            <a:spLocks noGrp="1"/>
+          </p:cNvSpPr>
           <p:nvPr>
             <p:ph type="title"/>
           </p:nvPr>
@@ -5797,7 +5858,7 @@
           </a:prstGeom>
         </p:spPr>
         <p:txBody>
-          <a:bodyPr anchorCtr="0" anchor="t" bIns="91425" lIns="91425" spcFirstLastPara="1" rIns="91425" wrap="square" tIns="91425">
+          <a:bodyPr spcFirstLastPara="1" wrap="square" lIns="91425" tIns="91425" rIns="91425" bIns="91425" anchor="t" anchorCtr="0">
             <a:normAutofit/>
           </a:bodyPr>
           <a:lstStyle>
@@ -5901,15 +5962,19 @@
               <a:defRPr sz="2600"/>
             </a:lvl9pPr>
           </a:lstStyle>
-          <a:p/>
+          <a:p>
+            <a:endParaRPr/>
+          </a:p>
         </p:txBody>
       </p:sp>
       <p:sp>
         <p:nvSpPr>
           <p:cNvPr id="67" name="Google Shape;67;p9"/>
-          <p:cNvSpPr txBox="1"/>
+          <p:cNvSpPr txBox="1">
+            <a:spLocks noGrp="1"/>
+          </p:cNvSpPr>
           <p:nvPr>
-            <p:ph idx="1" type="subTitle"/>
+            <p:ph type="subTitle" idx="1"/>
           </p:nvPr>
         </p:nvSpPr>
         <p:spPr>
@@ -5922,7 +5987,7 @@
           </a:prstGeom>
         </p:spPr>
         <p:txBody>
-          <a:bodyPr anchorCtr="0" anchor="t" bIns="91425" lIns="91425" spcFirstLastPara="1" rIns="91425" wrap="square" tIns="91425">
+          <a:bodyPr spcFirstLastPara="1" wrap="square" lIns="91425" tIns="91425" rIns="91425" bIns="91425" anchor="t" anchorCtr="0">
             <a:normAutofit/>
           </a:bodyPr>
           <a:lstStyle>
@@ -6053,15 +6118,19 @@
               <a:defRPr sz="1600"/>
             </a:lvl9pPr>
           </a:lstStyle>
-          <a:p/>
+          <a:p>
+            <a:endParaRPr/>
+          </a:p>
         </p:txBody>
       </p:sp>
       <p:sp>
         <p:nvSpPr>
           <p:cNvPr id="68" name="Google Shape;68;p9"/>
-          <p:cNvSpPr txBox="1"/>
+          <p:cNvSpPr txBox="1">
+            <a:spLocks noGrp="1"/>
+          </p:cNvSpPr>
           <p:nvPr>
-            <p:ph idx="2" type="body"/>
+            <p:ph type="body" idx="2"/>
           </p:nvPr>
         </p:nvSpPr>
         <p:spPr>
@@ -6074,11 +6143,11 @@
           </a:prstGeom>
         </p:spPr>
         <p:txBody>
-          <a:bodyPr anchorCtr="0" anchor="t" bIns="91425" lIns="91425" spcFirstLastPara="1" rIns="91425" wrap="square" tIns="91425">
+          <a:bodyPr spcFirstLastPara="1" wrap="square" lIns="91425" tIns="91425" rIns="91425" bIns="91425" anchor="t" anchorCtr="0">
             <a:normAutofit/>
           </a:bodyPr>
           <a:lstStyle>
-            <a:lvl1pPr indent="-311150" lvl="0" marL="457200">
+            <a:lvl1pPr marL="457200" lvl="0" indent="-311150">
               <a:spcBef>
                 <a:spcPts val="0"/>
               </a:spcBef>
@@ -6089,7 +6158,7 @@
               <a:buChar char="●"/>
               <a:defRPr/>
             </a:lvl1pPr>
-            <a:lvl2pPr indent="-298450" lvl="1" marL="914400">
+            <a:lvl2pPr marL="914400" lvl="1" indent="-298450">
               <a:spcBef>
                 <a:spcPts val="0"/>
               </a:spcBef>
@@ -6100,7 +6169,7 @@
               <a:buChar char="○"/>
               <a:defRPr/>
             </a:lvl2pPr>
-            <a:lvl3pPr indent="-298450" lvl="2" marL="1371600">
+            <a:lvl3pPr marL="1371600" lvl="2" indent="-298450">
               <a:spcBef>
                 <a:spcPts val="0"/>
               </a:spcBef>
@@ -6111,7 +6180,7 @@
               <a:buChar char="■"/>
               <a:defRPr/>
             </a:lvl3pPr>
-            <a:lvl4pPr indent="-298450" lvl="3" marL="1828800">
+            <a:lvl4pPr marL="1828800" lvl="3" indent="-298450">
               <a:spcBef>
                 <a:spcPts val="0"/>
               </a:spcBef>
@@ -6122,7 +6191,7 @@
               <a:buChar char="●"/>
               <a:defRPr/>
             </a:lvl4pPr>
-            <a:lvl5pPr indent="-298450" lvl="4" marL="2286000">
+            <a:lvl5pPr marL="2286000" lvl="4" indent="-298450">
               <a:spcBef>
                 <a:spcPts val="0"/>
               </a:spcBef>
@@ -6133,7 +6202,7 @@
               <a:buChar char="○"/>
               <a:defRPr/>
             </a:lvl5pPr>
-            <a:lvl6pPr indent="-298450" lvl="5" marL="2743200">
+            <a:lvl6pPr marL="2743200" lvl="5" indent="-298450">
               <a:spcBef>
                 <a:spcPts val="0"/>
               </a:spcBef>
@@ -6144,7 +6213,7 @@
               <a:buChar char="■"/>
               <a:defRPr/>
             </a:lvl6pPr>
-            <a:lvl7pPr indent="-298450" lvl="6" marL="3200400">
+            <a:lvl7pPr marL="3200400" lvl="6" indent="-298450">
               <a:spcBef>
                 <a:spcPts val="0"/>
               </a:spcBef>
@@ -6155,7 +6224,7 @@
               <a:buChar char="●"/>
               <a:defRPr/>
             </a:lvl7pPr>
-            <a:lvl8pPr indent="-298450" lvl="7" marL="3657600">
+            <a:lvl8pPr marL="3657600" lvl="7" indent="-298450">
               <a:spcBef>
                 <a:spcPts val="0"/>
               </a:spcBef>
@@ -6166,7 +6235,7 @@
               <a:buChar char="○"/>
               <a:defRPr/>
             </a:lvl8pPr>
-            <a:lvl9pPr indent="-298450" lvl="8" marL="4114800">
+            <a:lvl9pPr marL="4114800" lvl="8" indent="-298450">
               <a:spcBef>
                 <a:spcPts val="0"/>
               </a:spcBef>
@@ -6178,15 +6247,19 @@
               <a:defRPr/>
             </a:lvl9pPr>
           </a:lstStyle>
-          <a:p/>
+          <a:p>
+            <a:endParaRPr/>
+          </a:p>
         </p:txBody>
       </p:sp>
       <p:sp>
         <p:nvSpPr>
           <p:cNvPr id="69" name="Google Shape;69;p9"/>
-          <p:cNvSpPr txBox="1"/>
+          <p:cNvSpPr txBox="1">
+            <a:spLocks noGrp="1"/>
+          </p:cNvSpPr>
           <p:nvPr>
-            <p:ph idx="12" type="sldNum"/>
+            <p:ph type="sldNum" idx="12"/>
           </p:nvPr>
         </p:nvSpPr>
         <p:spPr>
@@ -6199,7 +6272,7 @@
           </a:prstGeom>
         </p:spPr>
         <p:txBody>
-          <a:bodyPr anchorCtr="0" anchor="ctr" bIns="91425" lIns="91425" spcFirstLastPara="1" rIns="91425" wrap="square" tIns="91425">
+          <a:bodyPr spcFirstLastPara="1" wrap="square" lIns="91425" tIns="91425" rIns="91425" bIns="91425" anchor="ctr" anchorCtr="0">
             <a:normAutofit/>
           </a:bodyPr>
           <a:lstStyle>
@@ -6241,7 +6314,7 @@
             </a:lvl9pPr>
           </a:lstStyle>
           <a:p>
-            <a:pPr indent="0" lvl="0" marL="0" rtl="0" algn="r">
+            <a:pPr marL="0" lvl="0" indent="0" algn="r" rtl="0">
               <a:spcBef>
                 <a:spcPts val="0"/>
               </a:spcBef>
@@ -6252,7 +6325,7 @@
             </a:pPr>
             <a:fld id="{00000000-1234-1234-1234-123412341234}" type="slidenum">
               <a:rPr lang="es"/>
-              <a:t>‹#›</a:t>
+              <a:t>‹Nº›</a:t>
             </a:fld>
             <a:endParaRPr/>
           </a:p>
@@ -6267,11 +6340,11 @@
 </file>
 
 <file path=ppt/slideLayouts/slideLayout9.xml><?xml version="1.0" encoding="utf-8"?>
-<p:sldLayout xmlns:a="http://schemas.openxmlformats.org/drawingml/2006/main" xmlns:r="http://schemas.openxmlformats.org/officeDocument/2006/relationships" xmlns:mc="http://schemas.openxmlformats.org/markup-compatibility/2006" xmlns:mv="urn:schemas-microsoft-com:mac:vml" xmlns:p="http://schemas.openxmlformats.org/presentationml/2006/main" xmlns:c="http://schemas.openxmlformats.org/drawingml/2006/chart" xmlns:dgm="http://schemas.openxmlformats.org/drawingml/2006/diagram" xmlns:o="urn:schemas-microsoft-com:office:office" xmlns:v="urn:schemas-microsoft-com:vml" xmlns:pvml="urn:schemas-microsoft-com:office:powerpoint" xmlns:com="http://schemas.openxmlformats.org/drawingml/2006/compatibility" xmlns:p14="http://schemas.microsoft.com/office/powerpoint/2010/main" xmlns:p15="http://schemas.microsoft.com/office/powerpoint/2012/main" xmlns:ahyp="http://schemas.microsoft.com/office/drawing/2018/hyperlinkcolor" matchingName="Caption">
+<p:sldLayout xmlns:a="http://schemas.openxmlformats.org/drawingml/2006/main" xmlns:r="http://schemas.openxmlformats.org/officeDocument/2006/relationships" xmlns:p="http://schemas.openxmlformats.org/presentationml/2006/main" matchingName="Caption">
   <p:cSld name="CAPTION_ONLY">
     <p:spTree>
       <p:nvGrpSpPr>
-        <p:cNvPr id="70" name="Shape 70"/>
+        <p:cNvPr id="1" name="Shape 70"/>
         <p:cNvGrpSpPr/>
         <p:nvPr/>
       </p:nvGrpSpPr>
@@ -6286,9 +6359,11 @@
       <p:sp>
         <p:nvSpPr>
           <p:cNvPr id="71" name="Google Shape;71;p10"/>
-          <p:cNvSpPr txBox="1"/>
+          <p:cNvSpPr txBox="1">
+            <a:spLocks noGrp="1"/>
+          </p:cNvSpPr>
           <p:nvPr>
-            <p:ph idx="1" type="body"/>
+            <p:ph type="body" idx="1"/>
           </p:nvPr>
         </p:nvSpPr>
         <p:spPr>
@@ -6301,11 +6376,11 @@
           </a:prstGeom>
         </p:spPr>
         <p:txBody>
-          <a:bodyPr anchorCtr="0" anchor="ctr" bIns="91425" lIns="91425" spcFirstLastPara="1" rIns="91425" wrap="square" tIns="91425">
+          <a:bodyPr spcFirstLastPara="1" wrap="square" lIns="91425" tIns="91425" rIns="91425" bIns="91425" anchor="ctr" anchorCtr="0">
             <a:normAutofit/>
           </a:bodyPr>
           <a:lstStyle>
-            <a:lvl1pPr indent="-228600" lvl="0" marL="457200">
+            <a:lvl1pPr marL="457200" lvl="0" indent="-228600">
               <a:lnSpc>
                 <a:spcPct val="100000"/>
               </a:lnSpc>
@@ -6320,15 +6395,19 @@
               <a:defRPr/>
             </a:lvl1pPr>
           </a:lstStyle>
-          <a:p/>
+          <a:p>
+            <a:endParaRPr/>
+          </a:p>
         </p:txBody>
       </p:sp>
       <p:sp>
         <p:nvSpPr>
           <p:cNvPr id="72" name="Google Shape;72;p10"/>
-          <p:cNvSpPr txBox="1"/>
+          <p:cNvSpPr txBox="1">
+            <a:spLocks noGrp="1"/>
+          </p:cNvSpPr>
           <p:nvPr>
-            <p:ph idx="12" type="sldNum"/>
+            <p:ph type="sldNum" idx="12"/>
           </p:nvPr>
         </p:nvSpPr>
         <p:spPr>
@@ -6341,7 +6420,7 @@
           </a:prstGeom>
         </p:spPr>
         <p:txBody>
-          <a:bodyPr anchorCtr="0" anchor="ctr" bIns="91425" lIns="91425" spcFirstLastPara="1" rIns="91425" wrap="square" tIns="91425">
+          <a:bodyPr spcFirstLastPara="1" wrap="square" lIns="91425" tIns="91425" rIns="91425" bIns="91425" anchor="ctr" anchorCtr="0">
             <a:normAutofit/>
           </a:bodyPr>
           <a:lstStyle>
@@ -6383,7 +6462,7 @@
             </a:lvl9pPr>
           </a:lstStyle>
           <a:p>
-            <a:pPr indent="0" lvl="0" marL="0" rtl="0" algn="r">
+            <a:pPr marL="0" lvl="0" indent="0" algn="r" rtl="0">
               <a:spcBef>
                 <a:spcPts val="0"/>
               </a:spcBef>
@@ -6394,7 +6473,7 @@
             </a:pPr>
             <a:fld id="{00000000-1234-1234-1234-123412341234}" type="slidenum">
               <a:rPr lang="es"/>
-              <a:t>‹#›</a:t>
+              <a:t>‹Nº›</a:t>
             </a:fld>
             <a:endParaRPr/>
           </a:p>
@@ -6409,18 +6488,19 @@
 </file>
 
 <file path=ppt/slideMasters/slideMaster1.xml><?xml version="1.0" encoding="utf-8"?>
-<p:sldMaster xmlns:a="http://schemas.openxmlformats.org/drawingml/2006/main" xmlns:r="http://schemas.openxmlformats.org/officeDocument/2006/relationships" xmlns:mc="http://schemas.openxmlformats.org/markup-compatibility/2006" xmlns:mv="urn:schemas-microsoft-com:mac:vml" xmlns:p="http://schemas.openxmlformats.org/presentationml/2006/main" xmlns:c="http://schemas.openxmlformats.org/drawingml/2006/chart" xmlns:dgm="http://schemas.openxmlformats.org/drawingml/2006/diagram" xmlns:o="urn:schemas-microsoft-com:office:office" xmlns:v="urn:schemas-microsoft-com:vml" xmlns:pvml="urn:schemas-microsoft-com:office:powerpoint" xmlns:com="http://schemas.openxmlformats.org/drawingml/2006/compatibility" xmlns:p14="http://schemas.microsoft.com/office/powerpoint/2010/main" xmlns:p15="http://schemas.microsoft.com/office/powerpoint/2012/main" xmlns:ahyp="http://schemas.microsoft.com/office/drawing/2018/hyperlinkcolor">
+<p:sldMaster xmlns:a="http://schemas.openxmlformats.org/drawingml/2006/main" xmlns:r="http://schemas.openxmlformats.org/officeDocument/2006/relationships" xmlns:p="http://schemas.openxmlformats.org/presentationml/2006/main">
   <p:cSld name="streamline">
     <p:bg>
       <p:bgPr>
         <a:solidFill>
           <a:schemeClr val="lt1"/>
         </a:solidFill>
+        <a:effectLst/>
       </p:bgPr>
     </p:bg>
     <p:spTree>
       <p:nvGrpSpPr>
-        <p:cNvPr id="5" name="Shape 5"/>
+        <p:cNvPr id="1" name="Shape 5"/>
         <p:cNvGrpSpPr/>
         <p:nvPr/>
       </p:nvGrpSpPr>
@@ -6435,7 +6515,9 @@
       <p:sp>
         <p:nvSpPr>
           <p:cNvPr id="6" name="Google Shape;6;p1"/>
-          <p:cNvSpPr txBox="1"/>
+          <p:cNvSpPr txBox="1">
+            <a:spLocks noGrp="1"/>
+          </p:cNvSpPr>
           <p:nvPr>
             <p:ph type="title"/>
           </p:nvPr>
@@ -6454,7 +6536,7 @@
           </a:ln>
         </p:spPr>
         <p:txBody>
-          <a:bodyPr anchorCtr="0" anchor="t" bIns="91425" lIns="91425" spcFirstLastPara="1" rIns="91425" wrap="square" tIns="91425">
+          <a:bodyPr spcFirstLastPara="1" wrap="square" lIns="91425" tIns="91425" rIns="91425" bIns="91425" anchor="t" anchorCtr="0">
             <a:normAutofit/>
           </a:bodyPr>
           <a:lstStyle>
@@ -6471,7 +6553,7 @@
               <a:buSzPts val="2800"/>
               <a:buFont typeface="Raleway"/>
               <a:buNone/>
-              <a:defRPr b="1" sz="2800">
+              <a:defRPr sz="2800" b="1">
                 <a:solidFill>
                   <a:schemeClr val="dk2"/>
                 </a:solidFill>
@@ -6494,7 +6576,7 @@
               <a:buSzPts val="2800"/>
               <a:buFont typeface="Raleway"/>
               <a:buNone/>
-              <a:defRPr b="1" sz="2800">
+              <a:defRPr sz="2800" b="1">
                 <a:solidFill>
                   <a:schemeClr val="dk2"/>
                 </a:solidFill>
@@ -6517,7 +6599,7 @@
               <a:buSzPts val="2800"/>
               <a:buFont typeface="Raleway"/>
               <a:buNone/>
-              <a:defRPr b="1" sz="2800">
+              <a:defRPr sz="2800" b="1">
                 <a:solidFill>
                   <a:schemeClr val="dk2"/>
                 </a:solidFill>
@@ -6540,7 +6622,7 @@
               <a:buSzPts val="2800"/>
               <a:buFont typeface="Raleway"/>
               <a:buNone/>
-              <a:defRPr b="1" sz="2800">
+              <a:defRPr sz="2800" b="1">
                 <a:solidFill>
                   <a:schemeClr val="dk2"/>
                 </a:solidFill>
@@ -6563,7 +6645,7 @@
               <a:buSzPts val="2800"/>
               <a:buFont typeface="Raleway"/>
               <a:buNone/>
-              <a:defRPr b="1" sz="2800">
+              <a:defRPr sz="2800" b="1">
                 <a:solidFill>
                   <a:schemeClr val="dk2"/>
                 </a:solidFill>
@@ -6586,7 +6668,7 @@
               <a:buSzPts val="2800"/>
               <a:buFont typeface="Raleway"/>
               <a:buNone/>
-              <a:defRPr b="1" sz="2800">
+              <a:defRPr sz="2800" b="1">
                 <a:solidFill>
                   <a:schemeClr val="dk2"/>
                 </a:solidFill>
@@ -6609,7 +6691,7 @@
               <a:buSzPts val="2800"/>
               <a:buFont typeface="Raleway"/>
               <a:buNone/>
-              <a:defRPr b="1" sz="2800">
+              <a:defRPr sz="2800" b="1">
                 <a:solidFill>
                   <a:schemeClr val="dk2"/>
                 </a:solidFill>
@@ -6632,7 +6714,7 @@
               <a:buSzPts val="2800"/>
               <a:buFont typeface="Raleway"/>
               <a:buNone/>
-              <a:defRPr b="1" sz="2800">
+              <a:defRPr sz="2800" b="1">
                 <a:solidFill>
                   <a:schemeClr val="dk2"/>
                 </a:solidFill>
@@ -6655,7 +6737,7 @@
               <a:buSzPts val="2800"/>
               <a:buFont typeface="Raleway"/>
               <a:buNone/>
-              <a:defRPr b="1" sz="2800">
+              <a:defRPr sz="2800" b="1">
                 <a:solidFill>
                   <a:schemeClr val="dk2"/>
                 </a:solidFill>
@@ -6666,15 +6748,19 @@
               </a:defRPr>
             </a:lvl9pPr>
           </a:lstStyle>
-          <a:p/>
+          <a:p>
+            <a:endParaRPr/>
+          </a:p>
         </p:txBody>
       </p:sp>
       <p:sp>
         <p:nvSpPr>
           <p:cNvPr id="7" name="Google Shape;7;p1"/>
-          <p:cNvSpPr txBox="1"/>
+          <p:cNvSpPr txBox="1">
+            <a:spLocks noGrp="1"/>
+          </p:cNvSpPr>
           <p:nvPr>
-            <p:ph idx="1" type="body"/>
+            <p:ph type="body" idx="1"/>
           </p:nvPr>
         </p:nvSpPr>
         <p:spPr>
@@ -6691,11 +6777,11 @@
           </a:ln>
         </p:spPr>
         <p:txBody>
-          <a:bodyPr anchorCtr="0" anchor="t" bIns="91425" lIns="91425" spcFirstLastPara="1" rIns="91425" wrap="square" tIns="91425">
+          <a:bodyPr spcFirstLastPara="1" wrap="square" lIns="91425" tIns="91425" rIns="91425" bIns="91425" anchor="t" anchorCtr="0">
             <a:normAutofit/>
           </a:bodyPr>
           <a:lstStyle>
-            <a:lvl1pPr indent="-311150" lvl="0" marL="457200">
+            <a:lvl1pPr marL="457200" lvl="0" indent="-311150">
               <a:lnSpc>
                 <a:spcPct val="115000"/>
               </a:lnSpc>
@@ -6721,7 +6807,7 @@
                 <a:sym typeface="Lato"/>
               </a:defRPr>
             </a:lvl1pPr>
-            <a:lvl2pPr indent="-298450" lvl="1" marL="914400">
+            <a:lvl2pPr marL="914400" lvl="1" indent="-298450">
               <a:lnSpc>
                 <a:spcPct val="115000"/>
               </a:lnSpc>
@@ -6747,7 +6833,7 @@
                 <a:sym typeface="Lato"/>
               </a:defRPr>
             </a:lvl2pPr>
-            <a:lvl3pPr indent="-298450" lvl="2" marL="1371600">
+            <a:lvl3pPr marL="1371600" lvl="2" indent="-298450">
               <a:lnSpc>
                 <a:spcPct val="115000"/>
               </a:lnSpc>
@@ -6773,7 +6859,7 @@
                 <a:sym typeface="Lato"/>
               </a:defRPr>
             </a:lvl3pPr>
-            <a:lvl4pPr indent="-298450" lvl="3" marL="1828800">
+            <a:lvl4pPr marL="1828800" lvl="3" indent="-298450">
               <a:lnSpc>
                 <a:spcPct val="115000"/>
               </a:lnSpc>
@@ -6799,7 +6885,7 @@
                 <a:sym typeface="Lato"/>
               </a:defRPr>
             </a:lvl4pPr>
-            <a:lvl5pPr indent="-298450" lvl="4" marL="2286000">
+            <a:lvl5pPr marL="2286000" lvl="4" indent="-298450">
               <a:lnSpc>
                 <a:spcPct val="115000"/>
               </a:lnSpc>
@@ -6825,7 +6911,7 @@
                 <a:sym typeface="Lato"/>
               </a:defRPr>
             </a:lvl5pPr>
-            <a:lvl6pPr indent="-298450" lvl="5" marL="2743200">
+            <a:lvl6pPr marL="2743200" lvl="5" indent="-298450">
               <a:lnSpc>
                 <a:spcPct val="115000"/>
               </a:lnSpc>
@@ -6851,7 +6937,7 @@
                 <a:sym typeface="Lato"/>
               </a:defRPr>
             </a:lvl6pPr>
-            <a:lvl7pPr indent="-298450" lvl="6" marL="3200400">
+            <a:lvl7pPr marL="3200400" lvl="6" indent="-298450">
               <a:lnSpc>
                 <a:spcPct val="115000"/>
               </a:lnSpc>
@@ -6877,7 +6963,7 @@
                 <a:sym typeface="Lato"/>
               </a:defRPr>
             </a:lvl7pPr>
-            <a:lvl8pPr indent="-298450" lvl="7" marL="3657600">
+            <a:lvl8pPr marL="3657600" lvl="7" indent="-298450">
               <a:lnSpc>
                 <a:spcPct val="115000"/>
               </a:lnSpc>
@@ -6903,7 +6989,7 @@
                 <a:sym typeface="Lato"/>
               </a:defRPr>
             </a:lvl8pPr>
-            <a:lvl9pPr indent="-298450" lvl="8" marL="4114800">
+            <a:lvl9pPr marL="4114800" lvl="8" indent="-298450">
               <a:lnSpc>
                 <a:spcPct val="115000"/>
               </a:lnSpc>
@@ -6930,15 +7016,19 @@
               </a:defRPr>
             </a:lvl9pPr>
           </a:lstStyle>
-          <a:p/>
+          <a:p>
+            <a:endParaRPr/>
+          </a:p>
         </p:txBody>
       </p:sp>
       <p:sp>
         <p:nvSpPr>
           <p:cNvPr id="8" name="Google Shape;8;p1"/>
-          <p:cNvSpPr txBox="1"/>
+          <p:cNvSpPr txBox="1">
+            <a:spLocks noGrp="1"/>
+          </p:cNvSpPr>
           <p:nvPr>
-            <p:ph idx="12" type="sldNum"/>
+            <p:ph type="sldNum" idx="12"/>
           </p:nvPr>
         </p:nvSpPr>
         <p:spPr>
@@ -6955,7 +7045,7 @@
           </a:ln>
         </p:spPr>
         <p:txBody>
-          <a:bodyPr anchorCtr="0" anchor="ctr" bIns="91425" lIns="91425" spcFirstLastPara="1" rIns="91425" wrap="square" tIns="91425">
+          <a:bodyPr spcFirstLastPara="1" wrap="square" lIns="91425" tIns="91425" rIns="91425" bIns="91425" anchor="ctr" anchorCtr="0">
             <a:normAutofit/>
           </a:bodyPr>
           <a:lstStyle>
@@ -7069,7 +7159,7 @@
             </a:lvl9pPr>
           </a:lstStyle>
           <a:p>
-            <a:pPr indent="0" lvl="0" marL="0" rtl="0" algn="r">
+            <a:pPr marL="0" lvl="0" indent="0" algn="r" rtl="0">
               <a:spcBef>
                 <a:spcPts val="0"/>
               </a:spcBef>
@@ -7080,7 +7170,7 @@
             </a:pPr>
             <a:fld id="{00000000-1234-1234-1234-123412341234}" type="slidenum">
               <a:rPr lang="es"/>
-              <a:t>‹#›</a:t>
+              <a:t>‹Nº›</a:t>
             </a:fld>
             <a:endParaRPr/>
           </a:p>
@@ -7088,7 +7178,7 @@
       </p:sp>
     </p:spTree>
   </p:cSld>
-  <p:clrMap accent1="accent1" accent2="accent2" accent3="accent3" accent4="accent4" accent5="accent5" accent6="accent6" bg1="lt1" bg2="dk2" tx1="dk1" tx2="lt2" folHlink="folHlink" hlink="hlink"/>
+  <p:clrMap bg1="lt1" tx1="dk1" bg2="dk2" tx2="lt2" accent1="accent1" accent2="accent2" accent3="accent3" accent4="accent4" accent5="accent5" accent6="accent6" hlink="hlink" folHlink="folHlink"/>
   <p:sldLayoutIdLst>
     <p:sldLayoutId id="2147483648" r:id="rId1"/>
     <p:sldLayoutId id="2147483649" r:id="rId2"/>
@@ -7102,10 +7192,10 @@
     <p:sldLayoutId id="2147483657" r:id="rId10"/>
     <p:sldLayoutId id="2147483658" r:id="rId11"/>
   </p:sldLayoutIdLst>
-  <p:hf dt="0" ftr="0" hdr="0" sldNum="0"/>
+  <p:hf sldNum="0" hdr="0" ftr="0" dt="0"/>
   <p:txStyles>
     <p:titleStyle>
-      <a:defPPr lvl="0" marR="0" rtl="0" algn="l">
+      <a:defPPr marR="0" lvl="0" algn="l" rtl="0">
         <a:lnSpc>
           <a:spcPct val="100000"/>
         </a:lnSpc>
@@ -7116,7 +7206,7 @@
           <a:spcPts val="0"/>
         </a:spcAft>
       </a:defPPr>
-      <a:lvl1pPr lvl="0" marR="0" rtl="0" algn="l">
+      <a:lvl1pPr marR="0" lvl="0" algn="l" rtl="0">
         <a:lnSpc>
           <a:spcPct val="100000"/>
         </a:lnSpc>
@@ -7130,7 +7220,7 @@
           <a:srgbClr val="000000"/>
         </a:buClr>
         <a:buFont typeface="Arial"/>
-        <a:defRPr b="0" i="0" sz="1400" u="none" cap="none" strike="noStrike">
+        <a:defRPr sz="1400" b="0" i="0" u="none" strike="noStrike" cap="none">
           <a:solidFill>
             <a:srgbClr val="000000"/>
           </a:solidFill>
@@ -7140,7 +7230,7 @@
           <a:sym typeface="Arial"/>
         </a:defRPr>
       </a:lvl1pPr>
-      <a:lvl2pPr lvl="1" marR="0" rtl="0" algn="l">
+      <a:lvl2pPr marR="0" lvl="1" algn="l" rtl="0">
         <a:lnSpc>
           <a:spcPct val="100000"/>
         </a:lnSpc>
@@ -7154,7 +7244,7 @@
           <a:srgbClr val="000000"/>
         </a:buClr>
         <a:buFont typeface="Arial"/>
-        <a:defRPr b="0" i="0" sz="1400" u="none" cap="none" strike="noStrike">
+        <a:defRPr sz="1400" b="0" i="0" u="none" strike="noStrike" cap="none">
           <a:solidFill>
             <a:srgbClr val="000000"/>
           </a:solidFill>
@@ -7164,7 +7254,7 @@
           <a:sym typeface="Arial"/>
         </a:defRPr>
       </a:lvl2pPr>
-      <a:lvl3pPr lvl="2" marR="0" rtl="0" algn="l">
+      <a:lvl3pPr marR="0" lvl="2" algn="l" rtl="0">
         <a:lnSpc>
           <a:spcPct val="100000"/>
         </a:lnSpc>
@@ -7178,7 +7268,7 @@
           <a:srgbClr val="000000"/>
         </a:buClr>
         <a:buFont typeface="Arial"/>
-        <a:defRPr b="0" i="0" sz="1400" u="none" cap="none" strike="noStrike">
+        <a:defRPr sz="1400" b="0" i="0" u="none" strike="noStrike" cap="none">
           <a:solidFill>
             <a:srgbClr val="000000"/>
           </a:solidFill>
@@ -7188,7 +7278,7 @@
           <a:sym typeface="Arial"/>
         </a:defRPr>
       </a:lvl3pPr>
-      <a:lvl4pPr lvl="3" marR="0" rtl="0" algn="l">
+      <a:lvl4pPr marR="0" lvl="3" algn="l" rtl="0">
         <a:lnSpc>
           <a:spcPct val="100000"/>
         </a:lnSpc>
@@ -7202,7 +7292,7 @@
           <a:srgbClr val="000000"/>
         </a:buClr>
         <a:buFont typeface="Arial"/>
-        <a:defRPr b="0" i="0" sz="1400" u="none" cap="none" strike="noStrike">
+        <a:defRPr sz="1400" b="0" i="0" u="none" strike="noStrike" cap="none">
           <a:solidFill>
             <a:srgbClr val="000000"/>
           </a:solidFill>
@@ -7212,7 +7302,7 @@
           <a:sym typeface="Arial"/>
         </a:defRPr>
       </a:lvl4pPr>
-      <a:lvl5pPr lvl="4" marR="0" rtl="0" algn="l">
+      <a:lvl5pPr marR="0" lvl="4" algn="l" rtl="0">
         <a:lnSpc>
           <a:spcPct val="100000"/>
         </a:lnSpc>
@@ -7226,7 +7316,7 @@
           <a:srgbClr val="000000"/>
         </a:buClr>
         <a:buFont typeface="Arial"/>
-        <a:defRPr b="0" i="0" sz="1400" u="none" cap="none" strike="noStrike">
+        <a:defRPr sz="1400" b="0" i="0" u="none" strike="noStrike" cap="none">
           <a:solidFill>
             <a:srgbClr val="000000"/>
           </a:solidFill>
@@ -7236,7 +7326,7 @@
           <a:sym typeface="Arial"/>
         </a:defRPr>
       </a:lvl5pPr>
-      <a:lvl6pPr lvl="5" marR="0" rtl="0" algn="l">
+      <a:lvl6pPr marR="0" lvl="5" algn="l" rtl="0">
         <a:lnSpc>
           <a:spcPct val="100000"/>
         </a:lnSpc>
@@ -7250,7 +7340,7 @@
           <a:srgbClr val="000000"/>
         </a:buClr>
         <a:buFont typeface="Arial"/>
-        <a:defRPr b="0" i="0" sz="1400" u="none" cap="none" strike="noStrike">
+        <a:defRPr sz="1400" b="0" i="0" u="none" strike="noStrike" cap="none">
           <a:solidFill>
             <a:srgbClr val="000000"/>
           </a:solidFill>
@@ -7260,7 +7350,7 @@
           <a:sym typeface="Arial"/>
         </a:defRPr>
       </a:lvl6pPr>
-      <a:lvl7pPr lvl="6" marR="0" rtl="0" algn="l">
+      <a:lvl7pPr marR="0" lvl="6" algn="l" rtl="0">
         <a:lnSpc>
           <a:spcPct val="100000"/>
         </a:lnSpc>
@@ -7274,7 +7364,7 @@
           <a:srgbClr val="000000"/>
         </a:buClr>
         <a:buFont typeface="Arial"/>
-        <a:defRPr b="0" i="0" sz="1400" u="none" cap="none" strike="noStrike">
+        <a:defRPr sz="1400" b="0" i="0" u="none" strike="noStrike" cap="none">
           <a:solidFill>
             <a:srgbClr val="000000"/>
           </a:solidFill>
@@ -7284,7 +7374,7 @@
           <a:sym typeface="Arial"/>
         </a:defRPr>
       </a:lvl7pPr>
-      <a:lvl8pPr lvl="7" marR="0" rtl="0" algn="l">
+      <a:lvl8pPr marR="0" lvl="7" algn="l" rtl="0">
         <a:lnSpc>
           <a:spcPct val="100000"/>
         </a:lnSpc>
@@ -7298,7 +7388,7 @@
           <a:srgbClr val="000000"/>
         </a:buClr>
         <a:buFont typeface="Arial"/>
-        <a:defRPr b="0" i="0" sz="1400" u="none" cap="none" strike="noStrike">
+        <a:defRPr sz="1400" b="0" i="0" u="none" strike="noStrike" cap="none">
           <a:solidFill>
             <a:srgbClr val="000000"/>
           </a:solidFill>
@@ -7308,7 +7398,7 @@
           <a:sym typeface="Arial"/>
         </a:defRPr>
       </a:lvl8pPr>
-      <a:lvl9pPr lvl="8" marR="0" rtl="0" algn="l">
+      <a:lvl9pPr marR="0" lvl="8" algn="l" rtl="0">
         <a:lnSpc>
           <a:spcPct val="100000"/>
         </a:lnSpc>
@@ -7322,7 +7412,7 @@
           <a:srgbClr val="000000"/>
         </a:buClr>
         <a:buFont typeface="Arial"/>
-        <a:defRPr b="0" i="0" sz="1400" u="none" cap="none" strike="noStrike">
+        <a:defRPr sz="1400" b="0" i="0" u="none" strike="noStrike" cap="none">
           <a:solidFill>
             <a:srgbClr val="000000"/>
           </a:solidFill>
@@ -7334,7 +7424,7 @@
       </a:lvl9pPr>
     </p:titleStyle>
     <p:bodyStyle>
-      <a:defPPr lvl="0" marR="0" rtl="0" algn="l">
+      <a:defPPr marR="0" lvl="0" algn="l" rtl="0">
         <a:lnSpc>
           <a:spcPct val="100000"/>
         </a:lnSpc>
@@ -7345,7 +7435,7 @@
           <a:spcPts val="0"/>
         </a:spcAft>
       </a:defPPr>
-      <a:lvl1pPr lvl="0" marR="0" rtl="0" algn="l">
+      <a:lvl1pPr marR="0" lvl="0" algn="l" rtl="0">
         <a:lnSpc>
           <a:spcPct val="100000"/>
         </a:lnSpc>
@@ -7359,7 +7449,7 @@
           <a:srgbClr val="000000"/>
         </a:buClr>
         <a:buFont typeface="Arial"/>
-        <a:defRPr b="0" i="0" sz="1400" u="none" cap="none" strike="noStrike">
+        <a:defRPr sz="1400" b="0" i="0" u="none" strike="noStrike" cap="none">
           <a:solidFill>
             <a:srgbClr val="000000"/>
           </a:solidFill>
@@ -7369,7 +7459,7 @@
           <a:sym typeface="Arial"/>
         </a:defRPr>
       </a:lvl1pPr>
-      <a:lvl2pPr lvl="1" marR="0" rtl="0" algn="l">
+      <a:lvl2pPr marR="0" lvl="1" algn="l" rtl="0">
         <a:lnSpc>
           <a:spcPct val="100000"/>
         </a:lnSpc>
@@ -7383,7 +7473,7 @@
           <a:srgbClr val="000000"/>
         </a:buClr>
         <a:buFont typeface="Arial"/>
-        <a:defRPr b="0" i="0" sz="1400" u="none" cap="none" strike="noStrike">
+        <a:defRPr sz="1400" b="0" i="0" u="none" strike="noStrike" cap="none">
           <a:solidFill>
             <a:srgbClr val="000000"/>
           </a:solidFill>
@@ -7393,7 +7483,7 @@
           <a:sym typeface="Arial"/>
         </a:defRPr>
       </a:lvl2pPr>
-      <a:lvl3pPr lvl="2" marR="0" rtl="0" algn="l">
+      <a:lvl3pPr marR="0" lvl="2" algn="l" rtl="0">
         <a:lnSpc>
           <a:spcPct val="100000"/>
         </a:lnSpc>
@@ -7407,7 +7497,7 @@
           <a:srgbClr val="000000"/>
         </a:buClr>
         <a:buFont typeface="Arial"/>
-        <a:defRPr b="0" i="0" sz="1400" u="none" cap="none" strike="noStrike">
+        <a:defRPr sz="1400" b="0" i="0" u="none" strike="noStrike" cap="none">
           <a:solidFill>
             <a:srgbClr val="000000"/>
           </a:solidFill>
@@ -7417,7 +7507,7 @@
           <a:sym typeface="Arial"/>
         </a:defRPr>
       </a:lvl3pPr>
-      <a:lvl4pPr lvl="3" marR="0" rtl="0" algn="l">
+      <a:lvl4pPr marR="0" lvl="3" algn="l" rtl="0">
         <a:lnSpc>
           <a:spcPct val="100000"/>
         </a:lnSpc>
@@ -7431,7 +7521,7 @@
           <a:srgbClr val="000000"/>
         </a:buClr>
         <a:buFont typeface="Arial"/>
-        <a:defRPr b="0" i="0" sz="1400" u="none" cap="none" strike="noStrike">
+        <a:defRPr sz="1400" b="0" i="0" u="none" strike="noStrike" cap="none">
           <a:solidFill>
             <a:srgbClr val="000000"/>
           </a:solidFill>
@@ -7441,7 +7531,7 @@
           <a:sym typeface="Arial"/>
         </a:defRPr>
       </a:lvl4pPr>
-      <a:lvl5pPr lvl="4" marR="0" rtl="0" algn="l">
+      <a:lvl5pPr marR="0" lvl="4" algn="l" rtl="0">
         <a:lnSpc>
           <a:spcPct val="100000"/>
         </a:lnSpc>
@@ -7455,7 +7545,7 @@
           <a:srgbClr val="000000"/>
         </a:buClr>
         <a:buFont typeface="Arial"/>
-        <a:defRPr b="0" i="0" sz="1400" u="none" cap="none" strike="noStrike">
+        <a:defRPr sz="1400" b="0" i="0" u="none" strike="noStrike" cap="none">
           <a:solidFill>
             <a:srgbClr val="000000"/>
           </a:solidFill>
@@ -7465,7 +7555,7 @@
           <a:sym typeface="Arial"/>
         </a:defRPr>
       </a:lvl5pPr>
-      <a:lvl6pPr lvl="5" marR="0" rtl="0" algn="l">
+      <a:lvl6pPr marR="0" lvl="5" algn="l" rtl="0">
         <a:lnSpc>
           <a:spcPct val="100000"/>
         </a:lnSpc>
@@ -7479,7 +7569,7 @@
           <a:srgbClr val="000000"/>
         </a:buClr>
         <a:buFont typeface="Arial"/>
-        <a:defRPr b="0" i="0" sz="1400" u="none" cap="none" strike="noStrike">
+        <a:defRPr sz="1400" b="0" i="0" u="none" strike="noStrike" cap="none">
           <a:solidFill>
             <a:srgbClr val="000000"/>
           </a:solidFill>
@@ -7489,7 +7579,7 @@
           <a:sym typeface="Arial"/>
         </a:defRPr>
       </a:lvl6pPr>
-      <a:lvl7pPr lvl="6" marR="0" rtl="0" algn="l">
+      <a:lvl7pPr marR="0" lvl="6" algn="l" rtl="0">
         <a:lnSpc>
           <a:spcPct val="100000"/>
         </a:lnSpc>
@@ -7503,7 +7593,7 @@
           <a:srgbClr val="000000"/>
         </a:buClr>
         <a:buFont typeface="Arial"/>
-        <a:defRPr b="0" i="0" sz="1400" u="none" cap="none" strike="noStrike">
+        <a:defRPr sz="1400" b="0" i="0" u="none" strike="noStrike" cap="none">
           <a:solidFill>
             <a:srgbClr val="000000"/>
           </a:solidFill>
@@ -7513,7 +7603,7 @@
           <a:sym typeface="Arial"/>
         </a:defRPr>
       </a:lvl7pPr>
-      <a:lvl8pPr lvl="7" marR="0" rtl="0" algn="l">
+      <a:lvl8pPr marR="0" lvl="7" algn="l" rtl="0">
         <a:lnSpc>
           <a:spcPct val="100000"/>
         </a:lnSpc>
@@ -7527,7 +7617,7 @@
           <a:srgbClr val="000000"/>
         </a:buClr>
         <a:buFont typeface="Arial"/>
-        <a:defRPr b="0" i="0" sz="1400" u="none" cap="none" strike="noStrike">
+        <a:defRPr sz="1400" b="0" i="0" u="none" strike="noStrike" cap="none">
           <a:solidFill>
             <a:srgbClr val="000000"/>
           </a:solidFill>
@@ -7537,7 +7627,7 @@
           <a:sym typeface="Arial"/>
         </a:defRPr>
       </a:lvl8pPr>
-      <a:lvl9pPr lvl="8" marR="0" rtl="0" algn="l">
+      <a:lvl9pPr marR="0" lvl="8" algn="l" rtl="0">
         <a:lnSpc>
           <a:spcPct val="100000"/>
         </a:lnSpc>
@@ -7551,7 +7641,7 @@
           <a:srgbClr val="000000"/>
         </a:buClr>
         <a:buFont typeface="Arial"/>
-        <a:defRPr b="0" i="0" sz="1400" u="none" cap="none" strike="noStrike">
+        <a:defRPr sz="1400" b="0" i="0" u="none" strike="noStrike" cap="none">
           <a:solidFill>
             <a:srgbClr val="000000"/>
           </a:solidFill>
@@ -7563,7 +7653,7 @@
       </a:lvl9pPr>
     </p:bodyStyle>
     <p:otherStyle>
-      <a:defPPr lvl="0" marR="0" rtl="0" algn="l">
+      <a:defPPr marR="0" lvl="0" algn="l" rtl="0">
         <a:lnSpc>
           <a:spcPct val="100000"/>
         </a:lnSpc>
@@ -7574,7 +7664,7 @@
           <a:spcPts val="0"/>
         </a:spcAft>
       </a:defPPr>
-      <a:lvl1pPr lvl="0" marR="0" rtl="0" algn="l">
+      <a:lvl1pPr marR="0" lvl="0" algn="l" rtl="0">
         <a:lnSpc>
           <a:spcPct val="100000"/>
         </a:lnSpc>
@@ -7588,7 +7678,7 @@
           <a:srgbClr val="000000"/>
         </a:buClr>
         <a:buFont typeface="Arial"/>
-        <a:defRPr b="0" i="0" sz="1400" u="none" cap="none" strike="noStrike">
+        <a:defRPr sz="1400" b="0" i="0" u="none" strike="noStrike" cap="none">
           <a:solidFill>
             <a:srgbClr val="000000"/>
           </a:solidFill>
@@ -7598,7 +7688,7 @@
           <a:sym typeface="Arial"/>
         </a:defRPr>
       </a:lvl1pPr>
-      <a:lvl2pPr lvl="1" marR="0" rtl="0" algn="l">
+      <a:lvl2pPr marR="0" lvl="1" algn="l" rtl="0">
         <a:lnSpc>
           <a:spcPct val="100000"/>
         </a:lnSpc>
@@ -7612,7 +7702,7 @@
           <a:srgbClr val="000000"/>
         </a:buClr>
         <a:buFont typeface="Arial"/>
-        <a:defRPr b="0" i="0" sz="1400" u="none" cap="none" strike="noStrike">
+        <a:defRPr sz="1400" b="0" i="0" u="none" strike="noStrike" cap="none">
           <a:solidFill>
             <a:srgbClr val="000000"/>
           </a:solidFill>
@@ -7622,7 +7712,7 @@
           <a:sym typeface="Arial"/>
         </a:defRPr>
       </a:lvl2pPr>
-      <a:lvl3pPr lvl="2" marR="0" rtl="0" algn="l">
+      <a:lvl3pPr marR="0" lvl="2" algn="l" rtl="0">
         <a:lnSpc>
           <a:spcPct val="100000"/>
         </a:lnSpc>
@@ -7636,7 +7726,7 @@
           <a:srgbClr val="000000"/>
         </a:buClr>
         <a:buFont typeface="Arial"/>
-        <a:defRPr b="0" i="0" sz="1400" u="none" cap="none" strike="noStrike">
+        <a:defRPr sz="1400" b="0" i="0" u="none" strike="noStrike" cap="none">
           <a:solidFill>
             <a:srgbClr val="000000"/>
           </a:solidFill>
@@ -7646,7 +7736,7 @@
           <a:sym typeface="Arial"/>
         </a:defRPr>
       </a:lvl3pPr>
-      <a:lvl4pPr lvl="3" marR="0" rtl="0" algn="l">
+      <a:lvl4pPr marR="0" lvl="3" algn="l" rtl="0">
         <a:lnSpc>
           <a:spcPct val="100000"/>
         </a:lnSpc>
@@ -7660,7 +7750,7 @@
           <a:srgbClr val="000000"/>
         </a:buClr>
         <a:buFont typeface="Arial"/>
-        <a:defRPr b="0" i="0" sz="1400" u="none" cap="none" strike="noStrike">
+        <a:defRPr sz="1400" b="0" i="0" u="none" strike="noStrike" cap="none">
           <a:solidFill>
             <a:srgbClr val="000000"/>
           </a:solidFill>
@@ -7670,7 +7760,7 @@
           <a:sym typeface="Arial"/>
         </a:defRPr>
       </a:lvl4pPr>
-      <a:lvl5pPr lvl="4" marR="0" rtl="0" algn="l">
+      <a:lvl5pPr marR="0" lvl="4" algn="l" rtl="0">
         <a:lnSpc>
           <a:spcPct val="100000"/>
         </a:lnSpc>
@@ -7684,7 +7774,7 @@
           <a:srgbClr val="000000"/>
         </a:buClr>
         <a:buFont typeface="Arial"/>
-        <a:defRPr b="0" i="0" sz="1400" u="none" cap="none" strike="noStrike">
+        <a:defRPr sz="1400" b="0" i="0" u="none" strike="noStrike" cap="none">
           <a:solidFill>
             <a:srgbClr val="000000"/>
           </a:solidFill>
@@ -7694,7 +7784,7 @@
           <a:sym typeface="Arial"/>
         </a:defRPr>
       </a:lvl5pPr>
-      <a:lvl6pPr lvl="5" marR="0" rtl="0" algn="l">
+      <a:lvl6pPr marR="0" lvl="5" algn="l" rtl="0">
         <a:lnSpc>
           <a:spcPct val="100000"/>
         </a:lnSpc>
@@ -7708,7 +7798,7 @@
           <a:srgbClr val="000000"/>
         </a:buClr>
         <a:buFont typeface="Arial"/>
-        <a:defRPr b="0" i="0" sz="1400" u="none" cap="none" strike="noStrike">
+        <a:defRPr sz="1400" b="0" i="0" u="none" strike="noStrike" cap="none">
           <a:solidFill>
             <a:srgbClr val="000000"/>
           </a:solidFill>
@@ -7718,7 +7808,7 @@
           <a:sym typeface="Arial"/>
         </a:defRPr>
       </a:lvl6pPr>
-      <a:lvl7pPr lvl="6" marR="0" rtl="0" algn="l">
+      <a:lvl7pPr marR="0" lvl="6" algn="l" rtl="0">
         <a:lnSpc>
           <a:spcPct val="100000"/>
         </a:lnSpc>
@@ -7732,7 +7822,7 @@
           <a:srgbClr val="000000"/>
         </a:buClr>
         <a:buFont typeface="Arial"/>
-        <a:defRPr b="0" i="0" sz="1400" u="none" cap="none" strike="noStrike">
+        <a:defRPr sz="1400" b="0" i="0" u="none" strike="noStrike" cap="none">
           <a:solidFill>
             <a:srgbClr val="000000"/>
           </a:solidFill>
@@ -7742,7 +7832,7 @@
           <a:sym typeface="Arial"/>
         </a:defRPr>
       </a:lvl7pPr>
-      <a:lvl8pPr lvl="7" marR="0" rtl="0" algn="l">
+      <a:lvl8pPr marR="0" lvl="7" algn="l" rtl="0">
         <a:lnSpc>
           <a:spcPct val="100000"/>
         </a:lnSpc>
@@ -7756,7 +7846,7 @@
           <a:srgbClr val="000000"/>
         </a:buClr>
         <a:buFont typeface="Arial"/>
-        <a:defRPr b="0" i="0" sz="1400" u="none" cap="none" strike="noStrike">
+        <a:defRPr sz="1400" b="0" i="0" u="none" strike="noStrike" cap="none">
           <a:solidFill>
             <a:srgbClr val="000000"/>
           </a:solidFill>
@@ -7766,7 +7856,7 @@
           <a:sym typeface="Arial"/>
         </a:defRPr>
       </a:lvl8pPr>
-      <a:lvl9pPr lvl="8" marR="0" rtl="0" algn="l">
+      <a:lvl9pPr marR="0" lvl="8" algn="l" rtl="0">
         <a:lnSpc>
           <a:spcPct val="100000"/>
         </a:lnSpc>
@@ -7780,7 +7870,7 @@
           <a:srgbClr val="000000"/>
         </a:buClr>
         <a:buFont typeface="Arial"/>
-        <a:defRPr b="0" i="0" sz="1400" u="none" cap="none" strike="noStrike">
+        <a:defRPr sz="1400" b="0" i="0" u="none" strike="noStrike" cap="none">
           <a:solidFill>
             <a:srgbClr val="000000"/>
           </a:solidFill>
@@ -7796,11 +7886,11 @@
 </file>
 
 <file path=ppt/slides/slide1.xml><?xml version="1.0" encoding="utf-8"?>
-<p:sld xmlns:a="http://schemas.openxmlformats.org/drawingml/2006/main" xmlns:r="http://schemas.openxmlformats.org/officeDocument/2006/relationships" xmlns:mc="http://schemas.openxmlformats.org/markup-compatibility/2006" xmlns:mv="urn:schemas-microsoft-com:mac:vml" xmlns:p="http://schemas.openxmlformats.org/presentationml/2006/main" xmlns:c="http://schemas.openxmlformats.org/drawingml/2006/chart" xmlns:dgm="http://schemas.openxmlformats.org/drawingml/2006/diagram" xmlns:o="urn:schemas-microsoft-com:office:office" xmlns:v="urn:schemas-microsoft-com:vml" xmlns:pvml="urn:schemas-microsoft-com:office:powerpoint" xmlns:com="http://schemas.openxmlformats.org/drawingml/2006/compatibility" xmlns:p14="http://schemas.microsoft.com/office/powerpoint/2010/main" xmlns:p15="http://schemas.microsoft.com/office/powerpoint/2012/main" xmlns:ahyp="http://schemas.microsoft.com/office/drawing/2018/hyperlinkcolor">
+<p:sld xmlns:a="http://schemas.openxmlformats.org/drawingml/2006/main" xmlns:r="http://schemas.openxmlformats.org/officeDocument/2006/relationships" xmlns:p="http://schemas.openxmlformats.org/presentationml/2006/main">
   <p:cSld>
     <p:spTree>
       <p:nvGrpSpPr>
-        <p:cNvPr id="85" name="Shape 85"/>
+        <p:cNvPr id="1" name="Shape 85"/>
         <p:cNvGrpSpPr/>
         <p:nvPr/>
       </p:nvGrpSpPr>
@@ -7815,9 +7905,11 @@
       <p:sp>
         <p:nvSpPr>
           <p:cNvPr id="86" name="Google Shape;86;p13"/>
-          <p:cNvSpPr txBox="1"/>
+          <p:cNvSpPr txBox="1">
+            <a:spLocks noGrp="1"/>
+          </p:cNvSpPr>
           <p:nvPr>
-            <p:ph idx="1" type="subTitle"/>
+            <p:ph type="subTitle" idx="1"/>
           </p:nvPr>
         </p:nvSpPr>
         <p:spPr>
@@ -7830,12 +7922,12 @@
           </a:prstGeom>
         </p:spPr>
         <p:txBody>
-          <a:bodyPr anchorCtr="0" anchor="t" bIns="91425" lIns="91425" spcFirstLastPara="1" rIns="91425" wrap="square" tIns="91425">
+          <a:bodyPr spcFirstLastPara="1" wrap="square" lIns="91425" tIns="91425" rIns="91425" bIns="91425" anchor="t" anchorCtr="0">
             <a:normAutofit/>
           </a:bodyPr>
           <a:lstStyle/>
           <a:p>
-            <a:pPr indent="0" lvl="0" marL="457200" rtl="0" algn="l">
+            <a:pPr marL="457200" lvl="0" indent="0" algn="l" rtl="0">
               <a:lnSpc>
                 <a:spcPct val="115000"/>
               </a:lnSpc>
@@ -7848,7 +7940,7 @@
               <a:buNone/>
             </a:pPr>
             <a:r>
-              <a:rPr b="1" lang="es" sz="1500">
+              <a:rPr lang="es" sz="1500" b="1">
                 <a:latin typeface="Roboto"/>
                 <a:ea typeface="Roboto"/>
                 <a:cs typeface="Roboto"/>
@@ -7856,7 +7948,7 @@
               </a:rPr>
               <a:t>Francisco Alé Palacios</a:t>
             </a:r>
-            <a:endParaRPr b="1" sz="1500">
+            <a:endParaRPr sz="1500" b="1">
               <a:latin typeface="Roboto"/>
               <a:ea typeface="Roboto"/>
               <a:cs typeface="Roboto"/>
@@ -7864,7 +7956,7 @@
             </a:endParaRPr>
           </a:p>
           <a:p>
-            <a:pPr indent="0" lvl="0" marL="457200" rtl="0" algn="l">
+            <a:pPr marL="457200" lvl="0" indent="0" algn="l" rtl="0">
               <a:lnSpc>
                 <a:spcPct val="115000"/>
               </a:lnSpc>
@@ -7877,7 +7969,7 @@
               <a:buNone/>
             </a:pPr>
             <a:r>
-              <a:rPr b="1" lang="es" sz="1500">
+              <a:rPr lang="es" sz="1500" b="1">
                 <a:latin typeface="Roboto"/>
                 <a:ea typeface="Roboto"/>
                 <a:cs typeface="Roboto"/>
@@ -7885,7 +7977,7 @@
               </a:rPr>
               <a:t>Acceso Inteligente a la Información</a:t>
             </a:r>
-            <a:endParaRPr b="1" sz="1500">
+            <a:endParaRPr sz="1500" b="1">
               <a:latin typeface="Roboto"/>
               <a:ea typeface="Roboto"/>
               <a:cs typeface="Roboto"/>
@@ -7893,7 +7985,7 @@
             </a:endParaRPr>
           </a:p>
           <a:p>
-            <a:pPr indent="0" lvl="0" marL="457200" rtl="0" algn="l">
+            <a:pPr marL="457200" lvl="0" indent="0" algn="l" rtl="0">
               <a:lnSpc>
                 <a:spcPct val="115000"/>
               </a:lnSpc>
@@ -7906,7 +7998,7 @@
               <a:buNone/>
             </a:pPr>
             <a:r>
-              <a:rPr b="1" lang="es" sz="1500">
+              <a:rPr lang="es" sz="1500" b="1">
                 <a:latin typeface="Roboto"/>
                 <a:ea typeface="Roboto"/>
                 <a:cs typeface="Roboto"/>
@@ -7914,7 +8006,7 @@
               </a:rPr>
               <a:t>Ingeniería Informática - Ingeniería del Software</a:t>
             </a:r>
-            <a:endParaRPr b="1" sz="1500">
+            <a:endParaRPr sz="1500" b="1">
               <a:latin typeface="Roboto"/>
               <a:ea typeface="Roboto"/>
               <a:cs typeface="Roboto"/>
@@ -7971,12 +8063,12 @@
           </a:ln>
         </p:spPr>
         <p:txBody>
-          <a:bodyPr anchorCtr="0" anchor="t" bIns="91425" lIns="91425" spcFirstLastPara="1" rIns="91425" wrap="square" tIns="91425">
+          <a:bodyPr spcFirstLastPara="1" wrap="square" lIns="91425" tIns="91425" rIns="91425" bIns="91425" anchor="t" anchorCtr="0">
             <a:spAutoFit/>
           </a:bodyPr>
           <a:lstStyle/>
           <a:p>
-            <a:pPr indent="0" lvl="0" marL="0" rtl="0" algn="ctr">
+            <a:pPr marL="0" lvl="0" indent="0" algn="ctr" rtl="0">
               <a:spcBef>
                 <a:spcPts val="0"/>
               </a:spcBef>
@@ -7986,7 +8078,7 @@
               <a:buNone/>
             </a:pPr>
             <a:r>
-              <a:rPr b="1" lang="es" sz="2100">
+              <a:rPr lang="es" sz="2100" b="1">
                 <a:latin typeface="Roboto"/>
                 <a:ea typeface="Roboto"/>
                 <a:cs typeface="Roboto"/>
@@ -7994,7 +8086,7 @@
               </a:rPr>
               <a:t>TRABAJO DE LA ASIGNATURA</a:t>
             </a:r>
-            <a:endParaRPr b="1" sz="2100">
+            <a:endParaRPr sz="2100" b="1">
               <a:latin typeface="Roboto"/>
               <a:ea typeface="Roboto"/>
               <a:cs typeface="Roboto"/>
@@ -8020,21 +8112,23 @@
         </p:spPr>
         <p:txBody>
           <a:bodyPr>
-            <a:prstTxWarp prst="textPlain"/>
+            <a:prstTxWarp prst="textPlain">
+              <a:avLst/>
+            </a:prstTxWarp>
           </a:bodyPr>
           <a:lstStyle/>
           <a:p>
             <a:pPr lvl="0" algn="ctr"/>
             <a:r>
               <a:rPr b="0" i="0">
-                <a:ln cap="flat" cmpd="sng" w="9525">
+                <a:ln w="9525" cap="flat" cmpd="sng">
                   <a:solidFill>
                     <a:schemeClr val="dk2"/>
                   </a:solidFill>
                   <a:prstDash val="solid"/>
                   <a:round/>
-                  <a:headEnd len="sm" w="sm" type="none"/>
-                  <a:tailEnd len="sm" w="sm" type="none"/>
+                  <a:headEnd type="none" w="sm" len="sm"/>
+                  <a:tailEnd type="none" w="sm" len="sm"/>
                 </a:ln>
                 <a:solidFill>
                   <a:srgbClr val="434343"/>
@@ -8055,11 +8149,11 @@
 </file>
 
 <file path=ppt/slides/slide2.xml><?xml version="1.0" encoding="utf-8"?>
-<p:sld xmlns:a="http://schemas.openxmlformats.org/drawingml/2006/main" xmlns:r="http://schemas.openxmlformats.org/officeDocument/2006/relationships" xmlns:mc="http://schemas.openxmlformats.org/markup-compatibility/2006" xmlns:mv="urn:schemas-microsoft-com:mac:vml" xmlns:p="http://schemas.openxmlformats.org/presentationml/2006/main" xmlns:c="http://schemas.openxmlformats.org/drawingml/2006/chart" xmlns:dgm="http://schemas.openxmlformats.org/drawingml/2006/diagram" xmlns:o="urn:schemas-microsoft-com:office:office" xmlns:v="urn:schemas-microsoft-com:vml" xmlns:pvml="urn:schemas-microsoft-com:office:powerpoint" xmlns:com="http://schemas.openxmlformats.org/drawingml/2006/compatibility" xmlns:p14="http://schemas.microsoft.com/office/powerpoint/2010/main" xmlns:p15="http://schemas.microsoft.com/office/powerpoint/2012/main" xmlns:ahyp="http://schemas.microsoft.com/office/drawing/2018/hyperlinkcolor">
+<p:sld xmlns:a="http://schemas.openxmlformats.org/drawingml/2006/main" xmlns:r="http://schemas.openxmlformats.org/officeDocument/2006/relationships" xmlns:p="http://schemas.openxmlformats.org/presentationml/2006/main">
   <p:cSld>
     <p:spTree>
       <p:nvGrpSpPr>
-        <p:cNvPr id="93" name="Shape 93"/>
+        <p:cNvPr id="1" name="Shape 93"/>
         <p:cNvGrpSpPr/>
         <p:nvPr/>
       </p:nvGrpSpPr>
@@ -8074,7 +8168,9 @@
       <p:sp>
         <p:nvSpPr>
           <p:cNvPr id="94" name="Google Shape;94;p14"/>
-          <p:cNvSpPr txBox="1"/>
+          <p:cNvSpPr txBox="1">
+            <a:spLocks noGrp="1"/>
+          </p:cNvSpPr>
           <p:nvPr>
             <p:ph type="ctrTitle"/>
           </p:nvPr>
@@ -8089,12 +8185,12 @@
           </a:prstGeom>
         </p:spPr>
         <p:txBody>
-          <a:bodyPr anchorCtr="0" anchor="t" bIns="91425" lIns="91425" spcFirstLastPara="1" rIns="91425" wrap="square" tIns="91425">
+          <a:bodyPr spcFirstLastPara="1" wrap="square" lIns="91425" tIns="91425" rIns="91425" bIns="91425" anchor="t" anchorCtr="0">
             <a:normAutofit fontScale="90000"/>
           </a:bodyPr>
           <a:lstStyle/>
           <a:p>
-            <a:pPr indent="0" lvl="0" marL="0" rtl="0" algn="l">
+            <a:pPr marL="0" lvl="0" indent="0" algn="l" rtl="0">
               <a:spcBef>
                 <a:spcPts val="0"/>
               </a:spcBef>
@@ -8124,9 +8220,11 @@
       <p:sp>
         <p:nvSpPr>
           <p:cNvPr id="95" name="Google Shape;95;p14"/>
-          <p:cNvSpPr txBox="1"/>
+          <p:cNvSpPr txBox="1">
+            <a:spLocks noGrp="1"/>
+          </p:cNvSpPr>
           <p:nvPr>
-            <p:ph idx="1" type="subTitle"/>
+            <p:ph type="subTitle" idx="1"/>
           </p:nvPr>
         </p:nvSpPr>
         <p:spPr>
@@ -8139,12 +8237,12 @@
           </a:prstGeom>
         </p:spPr>
         <p:txBody>
-          <a:bodyPr anchorCtr="0" anchor="t" bIns="91425" lIns="91425" spcFirstLastPara="1" rIns="91425" wrap="square" tIns="91425">
-            <a:normAutofit/>
+          <a:bodyPr spcFirstLastPara="1" wrap="square" lIns="91425" tIns="91425" rIns="91425" bIns="91425" anchor="t" anchorCtr="0">
+            <a:normAutofit fontScale="92500" lnSpcReduction="10000"/>
           </a:bodyPr>
           <a:lstStyle/>
           <a:p>
-            <a:pPr indent="-330200" lvl="0" marL="457200" rtl="0" algn="l">
+            <a:pPr marL="457200" lvl="0" indent="-330200" algn="l" rtl="0">
               <a:lnSpc>
                 <a:spcPct val="200000"/>
               </a:lnSpc>
@@ -8159,7 +8257,7 @@
               <a:buAutoNum type="arabicPeriod"/>
             </a:pPr>
             <a:r>
-              <a:rPr b="1" lang="es">
+              <a:rPr lang="es" b="1">
                 <a:latin typeface="Roboto"/>
                 <a:ea typeface="Roboto"/>
                 <a:cs typeface="Roboto"/>
@@ -8175,7 +8273,7 @@
             </a:endParaRPr>
           </a:p>
           <a:p>
-            <a:pPr indent="-330200" lvl="0" marL="457200" rtl="0" algn="l">
+            <a:pPr marL="457200" lvl="0" indent="-330200" algn="l" rtl="0">
               <a:lnSpc>
                 <a:spcPct val="200000"/>
               </a:lnSpc>
@@ -8190,7 +8288,7 @@
               <a:buAutoNum type="arabicPeriod"/>
             </a:pPr>
             <a:r>
-              <a:rPr b="1" lang="es">
+              <a:rPr lang="es" b="1">
                 <a:latin typeface="Roboto"/>
                 <a:ea typeface="Roboto"/>
                 <a:cs typeface="Roboto"/>
@@ -8206,7 +8304,7 @@
             </a:endParaRPr>
           </a:p>
           <a:p>
-            <a:pPr indent="-330200" lvl="0" marL="457200" rtl="0" algn="l">
+            <a:pPr marL="457200" lvl="0" indent="-330200" algn="l" rtl="0">
               <a:lnSpc>
                 <a:spcPct val="200000"/>
               </a:lnSpc>
@@ -8221,22 +8319,13 @@
               <a:buAutoNum type="arabicPeriod"/>
             </a:pPr>
             <a:r>
-              <a:rPr b="1" lang="es">
+              <a:rPr lang="es" b="1">
                 <a:latin typeface="Roboto"/>
                 <a:ea typeface="Roboto"/>
                 <a:cs typeface="Roboto"/>
                 <a:sym typeface="Roboto"/>
               </a:rPr>
-              <a:t>Uso de las Herramientas </a:t>
-            </a:r>
-            <a:r>
-              <a:rPr b="1" lang="es">
-                <a:latin typeface="Roboto"/>
-                <a:ea typeface="Roboto"/>
-                <a:cs typeface="Roboto"/>
-                <a:sym typeface="Roboto"/>
-              </a:rPr>
-              <a:t>en las partes del proyecto</a:t>
+              <a:t>Uso de las Herramientas en las partes del proyecto</a:t>
             </a:r>
             <a:endParaRPr b="1">
               <a:latin typeface="Roboto"/>
@@ -8246,7 +8335,7 @@
             </a:endParaRPr>
           </a:p>
           <a:p>
-            <a:pPr indent="-330200" lvl="0" marL="457200" rtl="0" algn="l">
+            <a:pPr marL="457200" lvl="0" indent="-330200" algn="l" rtl="0">
               <a:lnSpc>
                 <a:spcPct val="200000"/>
               </a:lnSpc>
@@ -8261,7 +8350,7 @@
               <a:buAutoNum type="arabicPeriod"/>
             </a:pPr>
             <a:r>
-              <a:rPr b="1" lang="es">
+              <a:rPr lang="es" b="1">
                 <a:latin typeface="Roboto"/>
                 <a:ea typeface="Roboto"/>
                 <a:cs typeface="Roboto"/>
@@ -8301,14 +8390,14 @@
             <a:avLst/>
           </a:prstGeom>
           <a:noFill/>
-          <a:ln cap="flat" cmpd="sng" w="9525">
+          <a:ln w="9525" cap="flat" cmpd="sng">
             <a:solidFill>
               <a:srgbClr val="000000"/>
             </a:solidFill>
             <a:prstDash val="solid"/>
             <a:round/>
-            <a:headEnd len="sm" w="sm" type="none"/>
-            <a:tailEnd len="sm" w="sm" type="none"/>
+            <a:headEnd type="none" w="sm" len="sm"/>
+            <a:tailEnd type="none" w="sm" len="sm"/>
           </a:ln>
         </p:spPr>
       </p:pic>
@@ -8335,14 +8424,14 @@
             <a:avLst/>
           </a:prstGeom>
           <a:noFill/>
-          <a:ln cap="flat" cmpd="sng" w="9525">
+          <a:ln w="9525" cap="flat" cmpd="sng">
             <a:solidFill>
               <a:srgbClr val="000000"/>
             </a:solidFill>
             <a:prstDash val="solid"/>
             <a:round/>
-            <a:headEnd len="sm" w="sm" type="none"/>
-            <a:tailEnd len="sm" w="sm" type="none"/>
+            <a:headEnd type="none" w="sm" len="sm"/>
+            <a:tailEnd type="none" w="sm" len="sm"/>
           </a:ln>
         </p:spPr>
       </p:pic>
@@ -8355,11 +8444,11 @@
 </file>
 
 <file path=ppt/slides/slide3.xml><?xml version="1.0" encoding="utf-8"?>
-<p:sld xmlns:a="http://schemas.openxmlformats.org/drawingml/2006/main" xmlns:r="http://schemas.openxmlformats.org/officeDocument/2006/relationships" xmlns:mc="http://schemas.openxmlformats.org/markup-compatibility/2006" xmlns:mv="urn:schemas-microsoft-com:mac:vml" xmlns:p="http://schemas.openxmlformats.org/presentationml/2006/main" xmlns:c="http://schemas.openxmlformats.org/drawingml/2006/chart" xmlns:dgm="http://schemas.openxmlformats.org/drawingml/2006/diagram" xmlns:o="urn:schemas-microsoft-com:office:office" xmlns:v="urn:schemas-microsoft-com:vml" xmlns:pvml="urn:schemas-microsoft-com:office:powerpoint" xmlns:com="http://schemas.openxmlformats.org/drawingml/2006/compatibility" xmlns:p14="http://schemas.microsoft.com/office/powerpoint/2010/main" xmlns:p15="http://schemas.microsoft.com/office/powerpoint/2012/main" xmlns:ahyp="http://schemas.microsoft.com/office/drawing/2018/hyperlinkcolor">
+<p:sld xmlns:a="http://schemas.openxmlformats.org/drawingml/2006/main" xmlns:r="http://schemas.openxmlformats.org/officeDocument/2006/relationships" xmlns:p="http://schemas.openxmlformats.org/presentationml/2006/main">
   <p:cSld>
     <p:spTree>
       <p:nvGrpSpPr>
-        <p:cNvPr id="101" name="Shape 101"/>
+        <p:cNvPr id="1" name="Shape 101"/>
         <p:cNvGrpSpPr/>
         <p:nvPr/>
       </p:nvGrpSpPr>
@@ -8374,9 +8463,11 @@
       <p:sp>
         <p:nvSpPr>
           <p:cNvPr id="102" name="Google Shape;102;p15"/>
-          <p:cNvSpPr txBox="1"/>
+          <p:cNvSpPr txBox="1">
+            <a:spLocks noGrp="1"/>
+          </p:cNvSpPr>
           <p:nvPr>
-            <p:ph idx="4294967295" type="ctrTitle"/>
+            <p:ph type="ctrTitle" idx="4294967295"/>
           </p:nvPr>
         </p:nvSpPr>
         <p:spPr>
@@ -8389,12 +8480,12 @@
           </a:prstGeom>
         </p:spPr>
         <p:txBody>
-          <a:bodyPr anchorCtr="0" anchor="t" bIns="91425" lIns="91425" spcFirstLastPara="1" rIns="91425" wrap="square" tIns="91425">
+          <a:bodyPr spcFirstLastPara="1" wrap="square" lIns="91425" tIns="91425" rIns="91425" bIns="91425" anchor="t" anchorCtr="0">
             <a:normAutofit fontScale="90000"/>
           </a:bodyPr>
           <a:lstStyle/>
           <a:p>
-            <a:pPr indent="0" lvl="0" marL="0" rtl="0" algn="l">
+            <a:pPr marL="0" lvl="0" indent="0" algn="l" rtl="0">
               <a:spcBef>
                 <a:spcPts val="0"/>
               </a:spcBef>
@@ -8420,7 +8511,7 @@
             </a:endParaRPr>
           </a:p>
           <a:p>
-            <a:pPr indent="0" lvl="0" marL="0" rtl="0" algn="l">
+            <a:pPr marL="0" lvl="0" indent="0" algn="l" rtl="0">
               <a:spcBef>
                 <a:spcPts val="0"/>
               </a:spcBef>
@@ -8429,9 +8520,6 @@
               </a:spcAft>
               <a:buNone/>
             </a:pPr>
-            <a:r>
-              <a:t/>
-            </a:r>
             <a:endParaRPr sz="2900"/>
           </a:p>
         </p:txBody>
@@ -8445,7 +8533,7 @@
         <p:spPr>
           <a:xfrm>
             <a:off x="240675" y="1494175"/>
-            <a:ext cx="5571300" cy="3186300"/>
+            <a:ext cx="5571300" cy="3300873"/>
           </a:xfrm>
           <a:prstGeom prst="rect">
             <a:avLst/>
@@ -8456,12 +8544,12 @@
           </a:ln>
         </p:spPr>
         <p:txBody>
-          <a:bodyPr anchorCtr="0" anchor="t" bIns="91425" lIns="91425" spcFirstLastPara="1" rIns="91425" wrap="square" tIns="91425">
+          <a:bodyPr spcFirstLastPara="1" wrap="square" lIns="91425" tIns="91425" rIns="91425" bIns="91425" anchor="t" anchorCtr="0">
             <a:spAutoFit/>
           </a:bodyPr>
           <a:lstStyle/>
           <a:p>
-            <a:pPr indent="-323850" lvl="0" marL="457200" rtl="0" algn="l">
+            <a:pPr marL="457200" lvl="0" indent="-323850" algn="l" rtl="0">
               <a:lnSpc>
                 <a:spcPct val="150000"/>
               </a:lnSpc>
@@ -8476,7 +8564,7 @@
               <a:buChar char="-"/>
             </a:pPr>
             <a:r>
-              <a:rPr lang="es" sz="1500">
+              <a:rPr lang="es" sz="1500" dirty="0">
                 <a:latin typeface="Roboto"/>
                 <a:ea typeface="Roboto"/>
                 <a:cs typeface="Roboto"/>
@@ -8485,7 +8573,7 @@
               <a:t>Mostrar estadísticas actuales de </a:t>
             </a:r>
             <a:r>
-              <a:rPr b="1" lang="es" sz="1500">
+              <a:rPr lang="es" sz="1500" b="1" dirty="0">
                 <a:latin typeface="Roboto"/>
                 <a:ea typeface="Roboto"/>
                 <a:cs typeface="Roboto"/>
@@ -8494,7 +8582,7 @@
               <a:t>equipos </a:t>
             </a:r>
             <a:r>
-              <a:rPr lang="es" sz="1500">
+              <a:rPr lang="es" sz="1500" dirty="0">
                 <a:latin typeface="Roboto"/>
                 <a:ea typeface="Roboto"/>
                 <a:cs typeface="Roboto"/>
@@ -8503,7 +8591,7 @@
               <a:t>y </a:t>
             </a:r>
             <a:r>
-              <a:rPr b="1" lang="es" sz="1500">
+              <a:rPr lang="es" sz="1500" b="1" dirty="0">
                 <a:latin typeface="Roboto"/>
                 <a:ea typeface="Roboto"/>
                 <a:cs typeface="Roboto"/>
@@ -8512,7 +8600,7 @@
               <a:t>jugadores</a:t>
             </a:r>
             <a:r>
-              <a:rPr lang="es" sz="1500">
+              <a:rPr lang="es" sz="1500" dirty="0">
                 <a:latin typeface="Roboto"/>
                 <a:ea typeface="Roboto"/>
                 <a:cs typeface="Roboto"/>
@@ -8520,7 +8608,7 @@
               </a:rPr>
               <a:t>.</a:t>
             </a:r>
-            <a:endParaRPr sz="1500">
+            <a:endParaRPr sz="1500" dirty="0">
               <a:latin typeface="Roboto"/>
               <a:ea typeface="Roboto"/>
               <a:cs typeface="Roboto"/>
@@ -8528,7 +8616,7 @@
             </a:endParaRPr>
           </a:p>
           <a:p>
-            <a:pPr indent="-323850" lvl="0" marL="457200" rtl="0" algn="l">
+            <a:pPr marL="457200" lvl="0" indent="-323850" algn="l" rtl="0">
               <a:lnSpc>
                 <a:spcPct val="150000"/>
               </a:lnSpc>
@@ -8543,7 +8631,7 @@
               <a:buChar char="-"/>
             </a:pPr>
             <a:r>
-              <a:rPr lang="es" sz="1500">
+              <a:rPr lang="es" sz="1500" dirty="0">
                 <a:latin typeface="Roboto"/>
                 <a:ea typeface="Roboto"/>
                 <a:cs typeface="Roboto"/>
@@ -8552,7 +8640,7 @@
               <a:t>Consultar </a:t>
             </a:r>
             <a:r>
-              <a:rPr b="1" lang="es" sz="1500">
+              <a:rPr lang="es" sz="1500" b="1" dirty="0">
                 <a:latin typeface="Roboto"/>
                 <a:ea typeface="Roboto"/>
                 <a:cs typeface="Roboto"/>
@@ -8561,7 +8649,7 @@
               <a:t>noticias </a:t>
             </a:r>
             <a:r>
-              <a:rPr lang="es" sz="1500">
+              <a:rPr lang="es" sz="1500" dirty="0">
                 <a:latin typeface="Roboto"/>
                 <a:ea typeface="Roboto"/>
                 <a:cs typeface="Roboto"/>
@@ -8569,7 +8657,7 @@
               </a:rPr>
               <a:t>relacionadas con la NBA.</a:t>
             </a:r>
-            <a:endParaRPr sz="1500">
+            <a:endParaRPr sz="1500" dirty="0">
               <a:latin typeface="Roboto"/>
               <a:ea typeface="Roboto"/>
               <a:cs typeface="Roboto"/>
@@ -8577,7 +8665,7 @@
             </a:endParaRPr>
           </a:p>
           <a:p>
-            <a:pPr indent="-323850" lvl="0" marL="457200" rtl="0" algn="l">
+            <a:pPr marL="457200" lvl="0" indent="-323850" algn="l" rtl="0">
               <a:lnSpc>
                 <a:spcPct val="150000"/>
               </a:lnSpc>
@@ -8592,7 +8680,7 @@
               <a:buChar char="-"/>
             </a:pPr>
             <a:r>
-              <a:rPr lang="es" sz="1500">
+              <a:rPr lang="es" sz="1500" dirty="0">
                 <a:latin typeface="Roboto"/>
                 <a:ea typeface="Roboto"/>
                 <a:cs typeface="Roboto"/>
@@ -8601,7 +8689,7 @@
               <a:t>Consultar la proyección de los </a:t>
             </a:r>
             <a:r>
-              <a:rPr b="1" lang="es" sz="1500">
+              <a:rPr lang="es" sz="1500" b="1" dirty="0">
                 <a:latin typeface="Roboto"/>
                 <a:ea typeface="Roboto"/>
                 <a:cs typeface="Roboto"/>
@@ -8610,7 +8698,7 @@
               <a:t>futuros jugadores</a:t>
             </a:r>
             <a:r>
-              <a:rPr lang="es" sz="1500">
+              <a:rPr lang="es" sz="1500" dirty="0">
                 <a:latin typeface="Roboto"/>
                 <a:ea typeface="Roboto"/>
                 <a:cs typeface="Roboto"/>
@@ -8618,7 +8706,7 @@
               </a:rPr>
               <a:t> (Draft 2021).</a:t>
             </a:r>
-            <a:endParaRPr sz="1500">
+            <a:endParaRPr sz="1500" dirty="0">
               <a:latin typeface="Roboto"/>
               <a:ea typeface="Roboto"/>
               <a:cs typeface="Roboto"/>
@@ -8626,7 +8714,7 @@
             </a:endParaRPr>
           </a:p>
           <a:p>
-            <a:pPr indent="-323850" lvl="0" marL="457200" rtl="0" algn="l">
+            <a:pPr marL="457200" lvl="0" indent="-323850" algn="l" rtl="0">
               <a:lnSpc>
                 <a:spcPct val="150000"/>
               </a:lnSpc>
@@ -8641,7 +8729,7 @@
               <a:buChar char="-"/>
             </a:pPr>
             <a:r>
-              <a:rPr lang="es" sz="1500">
+              <a:rPr lang="es" sz="1500" dirty="0">
                 <a:latin typeface="Roboto"/>
                 <a:ea typeface="Roboto"/>
                 <a:cs typeface="Roboto"/>
@@ -8649,7 +8737,7 @@
               </a:rPr>
               <a:t>Realizar búsquedas sobre los elementos anteriores.</a:t>
             </a:r>
-            <a:endParaRPr sz="1500">
+            <a:endParaRPr sz="1500" dirty="0">
               <a:latin typeface="Roboto"/>
               <a:ea typeface="Roboto"/>
               <a:cs typeface="Roboto"/>
@@ -8657,7 +8745,7 @@
             </a:endParaRPr>
           </a:p>
           <a:p>
-            <a:pPr indent="-323850" lvl="0" marL="457200" rtl="0" algn="l">
+            <a:pPr marL="457200" lvl="0" indent="-323850" algn="l" rtl="0">
               <a:lnSpc>
                 <a:spcPct val="150000"/>
               </a:lnSpc>
@@ -8672,7 +8760,7 @@
               <a:buChar char="-"/>
             </a:pPr>
             <a:r>
-              <a:rPr lang="es" sz="1500">
+              <a:rPr lang="es" sz="1500" dirty="0">
                 <a:latin typeface="Roboto"/>
                 <a:ea typeface="Roboto"/>
                 <a:cs typeface="Roboto"/>
@@ -8681,7 +8769,7 @@
               <a:t>Obtener recomendaciones de </a:t>
             </a:r>
             <a:r>
-              <a:rPr b="1" lang="es" sz="1500">
+              <a:rPr lang="es" sz="1500" b="1" dirty="0">
                 <a:latin typeface="Roboto"/>
                 <a:ea typeface="Roboto"/>
                 <a:cs typeface="Roboto"/>
@@ -8690,7 +8778,7 @@
               <a:t>jugadores similares</a:t>
             </a:r>
             <a:r>
-              <a:rPr lang="es" sz="1500">
+              <a:rPr lang="es" sz="1500" dirty="0">
                 <a:latin typeface="Roboto"/>
                 <a:ea typeface="Roboto"/>
                 <a:cs typeface="Roboto"/>
@@ -8698,7 +8786,7 @@
               </a:rPr>
               <a:t> según el rendimiento.</a:t>
             </a:r>
-            <a:endParaRPr sz="1500">
+            <a:endParaRPr sz="1500" dirty="0">
               <a:latin typeface="Roboto"/>
               <a:ea typeface="Roboto"/>
               <a:cs typeface="Roboto"/>
@@ -8706,7 +8794,7 @@
             </a:endParaRPr>
           </a:p>
           <a:p>
-            <a:pPr indent="-323850" lvl="0" marL="457200" rtl="0" algn="l">
+            <a:pPr marL="457200" lvl="0" indent="-323850" algn="l" rtl="0">
               <a:lnSpc>
                 <a:spcPct val="150000"/>
               </a:lnSpc>
@@ -8721,7 +8809,7 @@
               <a:buChar char="-"/>
             </a:pPr>
             <a:r>
-              <a:rPr lang="es" sz="1500">
+              <a:rPr lang="es" sz="1500" dirty="0">
                 <a:latin typeface="Roboto"/>
                 <a:ea typeface="Roboto"/>
                 <a:cs typeface="Roboto"/>
@@ -8730,7 +8818,7 @@
               <a:t>Obtener </a:t>
             </a:r>
             <a:r>
-              <a:rPr b="1" lang="es" sz="1500">
+              <a:rPr lang="es" sz="1500" b="1" dirty="0">
                 <a:latin typeface="Roboto"/>
                 <a:ea typeface="Roboto"/>
                 <a:cs typeface="Roboto"/>
@@ -8739,15 +8827,15 @@
               <a:t>fichajes recomendados</a:t>
             </a:r>
             <a:r>
-              <a:rPr lang="es" sz="1500">
+              <a:rPr lang="es" sz="1500" dirty="0">
                 <a:latin typeface="Roboto"/>
                 <a:ea typeface="Roboto"/>
                 <a:cs typeface="Roboto"/>
                 <a:sym typeface="Roboto"/>
               </a:rPr>
-              <a:t> según el criterio de usuarios parecidos</a:t>
+              <a:t> según el criterio de usuarios parecidos.</a:t>
             </a:r>
-            <a:endParaRPr sz="1500">
+            <a:endParaRPr sz="1500" dirty="0">
               <a:latin typeface="Roboto"/>
               <a:ea typeface="Roboto"/>
               <a:cs typeface="Roboto"/>
@@ -8779,14 +8867,14 @@
             <a:avLst/>
           </a:prstGeom>
           <a:noFill/>
-          <a:ln cap="flat" cmpd="sng" w="9525">
+          <a:ln w="9525" cap="flat" cmpd="sng">
             <a:solidFill>
               <a:srgbClr val="000000"/>
             </a:solidFill>
             <a:prstDash val="solid"/>
             <a:round/>
-            <a:headEnd len="sm" w="sm" type="none"/>
-            <a:tailEnd len="sm" w="sm" type="none"/>
+            <a:headEnd type="none" w="sm" len="sm"/>
+            <a:tailEnd type="none" w="sm" len="sm"/>
           </a:ln>
         </p:spPr>
       </p:pic>
@@ -8813,14 +8901,14 @@
             <a:avLst/>
           </a:prstGeom>
           <a:noFill/>
-          <a:ln cap="flat" cmpd="sng" w="9525">
+          <a:ln w="9525" cap="flat" cmpd="sng">
             <a:solidFill>
               <a:srgbClr val="000000"/>
             </a:solidFill>
             <a:prstDash val="solid"/>
             <a:round/>
-            <a:headEnd len="sm" w="sm" type="none"/>
-            <a:tailEnd len="sm" w="sm" type="none"/>
+            <a:headEnd type="none" w="sm" len="sm"/>
+            <a:tailEnd type="none" w="sm" len="sm"/>
           </a:ln>
         </p:spPr>
       </p:pic>
@@ -8833,11 +8921,11 @@
 </file>
 
 <file path=ppt/slides/slide4.xml><?xml version="1.0" encoding="utf-8"?>
-<p:sld xmlns:a="http://schemas.openxmlformats.org/drawingml/2006/main" xmlns:r="http://schemas.openxmlformats.org/officeDocument/2006/relationships" xmlns:mc="http://schemas.openxmlformats.org/markup-compatibility/2006" xmlns:mv="urn:schemas-microsoft-com:mac:vml" xmlns:p="http://schemas.openxmlformats.org/presentationml/2006/main" xmlns:c="http://schemas.openxmlformats.org/drawingml/2006/chart" xmlns:dgm="http://schemas.openxmlformats.org/drawingml/2006/diagram" xmlns:o="urn:schemas-microsoft-com:office:office" xmlns:v="urn:schemas-microsoft-com:vml" xmlns:pvml="urn:schemas-microsoft-com:office:powerpoint" xmlns:com="http://schemas.openxmlformats.org/drawingml/2006/compatibility" xmlns:p14="http://schemas.microsoft.com/office/powerpoint/2010/main" xmlns:p15="http://schemas.microsoft.com/office/powerpoint/2012/main" xmlns:ahyp="http://schemas.microsoft.com/office/drawing/2018/hyperlinkcolor">
+<p:sld xmlns:a="http://schemas.openxmlformats.org/drawingml/2006/main" xmlns:r="http://schemas.openxmlformats.org/officeDocument/2006/relationships" xmlns:p="http://schemas.openxmlformats.org/presentationml/2006/main">
   <p:cSld>
     <p:spTree>
       <p:nvGrpSpPr>
-        <p:cNvPr id="109" name="Shape 109"/>
+        <p:cNvPr id="1" name="Shape 109"/>
         <p:cNvGrpSpPr/>
         <p:nvPr/>
       </p:nvGrpSpPr>
@@ -8878,14 +8966,14 @@
               <a:avLst/>
             </a:prstGeom>
             <a:noFill/>
-            <a:ln cap="flat" cmpd="sng" w="9525">
+            <a:ln w="9525" cap="flat" cmpd="sng">
               <a:solidFill>
                 <a:srgbClr val="249C90"/>
               </a:solidFill>
               <a:prstDash val="solid"/>
               <a:round/>
-              <a:headEnd len="sm" w="sm" type="none"/>
-              <a:tailEnd len="med" w="med" type="oval"/>
+              <a:headEnd type="none" w="sm" len="sm"/>
+              <a:tailEnd type="oval" w="med" len="med"/>
             </a:ln>
           </p:spPr>
         </p:cxnSp>
@@ -8909,12 +8997,12 @@
             </a:ln>
           </p:spPr>
           <p:txBody>
-            <a:bodyPr anchorCtr="0" anchor="ctr" bIns="91425" lIns="91425" spcFirstLastPara="1" rIns="91425" wrap="square" tIns="91425">
+            <a:bodyPr spcFirstLastPara="1" wrap="square" lIns="91425" tIns="91425" rIns="91425" bIns="91425" anchor="ctr" anchorCtr="0">
               <a:noAutofit/>
             </a:bodyPr>
             <a:lstStyle/>
             <a:p>
-              <a:pPr indent="0" lvl="0" marL="0" rtl="0" algn="r">
+              <a:pPr marL="0" lvl="0" indent="0" algn="r" rtl="0">
                 <a:spcBef>
                   <a:spcPts val="0"/>
                 </a:spcBef>
@@ -8924,15 +9012,15 @@
                 <a:buNone/>
               </a:pPr>
               <a:r>
-                <a:rPr lang="es" sz="1800">
+                <a:rPr lang="es" sz="1800" dirty="0">
                   <a:latin typeface="Roboto"/>
                   <a:ea typeface="Roboto"/>
                   <a:cs typeface="Roboto"/>
                   <a:sym typeface="Roboto"/>
                 </a:rPr>
-                <a:t>Extracción y almacenado de la información.</a:t>
+                <a:t>Extracción y almacenado de la información</a:t>
               </a:r>
-              <a:endParaRPr>
+              <a:endParaRPr dirty="0">
                 <a:latin typeface="Roboto"/>
                 <a:ea typeface="Roboto"/>
                 <a:cs typeface="Roboto"/>
@@ -8971,14 +9059,14 @@
               <a:avLst/>
             </a:prstGeom>
             <a:noFill/>
-            <a:ln cap="flat" cmpd="sng" w="9525">
+            <a:ln w="9525" cap="flat" cmpd="sng">
               <a:solidFill>
                 <a:srgbClr val="1F887E"/>
               </a:solidFill>
               <a:prstDash val="solid"/>
               <a:round/>
-              <a:headEnd len="sm" w="sm" type="none"/>
-              <a:tailEnd len="med" w="med" type="oval"/>
+              <a:headEnd type="none" w="sm" len="sm"/>
+              <a:tailEnd type="oval" w="med" len="med"/>
             </a:ln>
           </p:spPr>
         </p:cxnSp>
@@ -9002,12 +9090,12 @@
             </a:ln>
           </p:spPr>
           <p:txBody>
-            <a:bodyPr anchorCtr="0" anchor="ctr" bIns="91425" lIns="91425" spcFirstLastPara="1" rIns="91425" wrap="square" tIns="91425">
+            <a:bodyPr spcFirstLastPara="1" wrap="square" lIns="91425" tIns="91425" rIns="91425" bIns="91425" anchor="ctr" anchorCtr="0">
               <a:noAutofit/>
             </a:bodyPr>
             <a:lstStyle/>
             <a:p>
-              <a:pPr indent="0" lvl="0" marL="0" rtl="0" algn="r">
+              <a:pPr marL="0" lvl="0" indent="0" algn="r" rtl="0">
                 <a:spcBef>
                   <a:spcPts val="0"/>
                 </a:spcBef>
@@ -9064,14 +9152,14 @@
               <a:avLst/>
             </a:prstGeom>
             <a:noFill/>
-            <a:ln cap="flat" cmpd="sng" w="9525">
+            <a:ln w="9525" cap="flat" cmpd="sng">
               <a:solidFill>
                 <a:srgbClr val="1D7E74"/>
               </a:solidFill>
               <a:prstDash val="solid"/>
               <a:round/>
-              <a:headEnd len="sm" w="sm" type="none"/>
-              <a:tailEnd len="med" w="med" type="oval"/>
+              <a:headEnd type="none" w="sm" len="sm"/>
+              <a:tailEnd type="oval" w="med" len="med"/>
             </a:ln>
           </p:spPr>
         </p:cxnSp>
@@ -9095,12 +9183,12 @@
             </a:ln>
           </p:spPr>
           <p:txBody>
-            <a:bodyPr anchorCtr="0" anchor="ctr" bIns="91425" lIns="91425" spcFirstLastPara="1" rIns="91425" wrap="square" tIns="91425">
+            <a:bodyPr spcFirstLastPara="1" wrap="square" lIns="91425" tIns="91425" rIns="91425" bIns="91425" anchor="ctr" anchorCtr="0">
               <a:noAutofit/>
             </a:bodyPr>
             <a:lstStyle/>
             <a:p>
-              <a:pPr indent="0" lvl="0" marL="0" rtl="0" algn="l">
+              <a:pPr marL="0" lvl="0" indent="0" algn="l" rtl="0">
                 <a:spcBef>
                   <a:spcPts val="0"/>
                 </a:spcBef>
@@ -9162,12 +9250,12 @@
             </a:ln>
           </p:spPr>
           <p:txBody>
-            <a:bodyPr anchorCtr="0" anchor="ctr" bIns="91425" lIns="91425" spcFirstLastPara="1" rIns="91425" wrap="square" tIns="91425">
+            <a:bodyPr spcFirstLastPara="1" wrap="square" lIns="91425" tIns="91425" rIns="91425" bIns="91425" anchor="ctr" anchorCtr="0">
               <a:noAutofit/>
             </a:bodyPr>
             <a:lstStyle/>
             <a:p>
-              <a:pPr indent="0" lvl="0" marL="0" rtl="0" algn="l">
+              <a:pPr marL="0" lvl="0" indent="0" algn="l" rtl="0">
                 <a:spcBef>
                   <a:spcPts val="0"/>
                 </a:spcBef>
@@ -9209,14 +9297,14 @@
               <a:avLst/>
             </a:prstGeom>
             <a:noFill/>
-            <a:ln cap="flat" cmpd="sng" w="9525">
+            <a:ln w="9525" cap="flat" cmpd="sng">
               <a:solidFill>
                 <a:srgbClr val="155B54"/>
               </a:solidFill>
               <a:prstDash val="solid"/>
               <a:round/>
-              <a:headEnd len="sm" w="sm" type="none"/>
-              <a:tailEnd len="med" w="med" type="oval"/>
+              <a:headEnd type="none" w="sm" len="sm"/>
+              <a:tailEnd type="oval" w="med" len="med"/>
             </a:ln>
           </p:spPr>
         </p:cxnSp>
@@ -9250,14 +9338,14 @@
               <a:avLst/>
             </a:prstGeom>
             <a:noFill/>
-            <a:ln cap="flat" cmpd="sng" w="9525">
+            <a:ln w="9525" cap="flat" cmpd="sng">
               <a:solidFill>
                 <a:srgbClr val="1B786E"/>
               </a:solidFill>
               <a:prstDash val="solid"/>
               <a:round/>
-              <a:headEnd len="sm" w="sm" type="none"/>
-              <a:tailEnd len="med" w="med" type="oval"/>
+              <a:headEnd type="none" w="sm" len="sm"/>
+              <a:tailEnd type="oval" w="med" len="med"/>
             </a:ln>
           </p:spPr>
         </p:cxnSp>
@@ -9281,12 +9369,12 @@
             </a:ln>
           </p:spPr>
           <p:txBody>
-            <a:bodyPr anchorCtr="0" anchor="ctr" bIns="91425" lIns="91425" spcFirstLastPara="1" rIns="91425" wrap="square" tIns="91425">
+            <a:bodyPr spcFirstLastPara="1" wrap="square" lIns="91425" tIns="91425" rIns="91425" bIns="91425" anchor="ctr" anchorCtr="0">
               <a:noAutofit/>
             </a:bodyPr>
             <a:lstStyle/>
             <a:p>
-              <a:pPr indent="0" lvl="0" marL="0" rtl="0" algn="l">
+              <a:pPr marL="0" lvl="0" indent="0" algn="l" rtl="0">
                 <a:spcBef>
                   <a:spcPts val="0"/>
                 </a:spcBef>
@@ -9317,9 +9405,11 @@
       <p:sp>
         <p:nvSpPr>
           <p:cNvPr id="125" name="Google Shape;125;p16"/>
-          <p:cNvSpPr txBox="1"/>
+          <p:cNvSpPr txBox="1">
+            <a:spLocks noGrp="1"/>
+          </p:cNvSpPr>
           <p:nvPr>
-            <p:ph idx="4294967295" type="ctrTitle"/>
+            <p:ph type="ctrTitle" idx="4294967295"/>
           </p:nvPr>
         </p:nvSpPr>
         <p:spPr>
@@ -9332,12 +9422,12 @@
           </a:prstGeom>
         </p:spPr>
         <p:txBody>
-          <a:bodyPr anchorCtr="0" anchor="t" bIns="91425" lIns="91425" spcFirstLastPara="1" rIns="91425" wrap="square" tIns="91425">
+          <a:bodyPr spcFirstLastPara="1" wrap="square" lIns="91425" tIns="91425" rIns="91425" bIns="91425" anchor="t" anchorCtr="0">
             <a:normAutofit fontScale="90000"/>
           </a:bodyPr>
           <a:lstStyle/>
           <a:p>
-            <a:pPr indent="0" lvl="0" marL="0" rtl="0" algn="l">
+            <a:pPr marL="0" lvl="0" indent="0" algn="l" rtl="0">
               <a:spcBef>
                 <a:spcPts val="0"/>
               </a:spcBef>
@@ -9363,7 +9453,7 @@
             </a:endParaRPr>
           </a:p>
           <a:p>
-            <a:pPr indent="0" lvl="0" marL="0" rtl="0" algn="l">
+            <a:pPr marL="0" lvl="0" indent="0" algn="l" rtl="0">
               <a:spcBef>
                 <a:spcPts val="0"/>
               </a:spcBef>
@@ -9372,13 +9462,10 @@
               </a:spcAft>
               <a:buNone/>
             </a:pPr>
-            <a:r>
-              <a:t/>
-            </a:r>
             <a:endParaRPr sz="2900"/>
           </a:p>
           <a:p>
-            <a:pPr indent="0" lvl="0" marL="0" rtl="0" algn="l">
+            <a:pPr marL="0" lvl="0" indent="0" algn="l" rtl="0">
               <a:spcBef>
                 <a:spcPts val="0"/>
               </a:spcBef>
@@ -9387,9 +9474,6 @@
               </a:spcAft>
               <a:buNone/>
             </a:pPr>
-            <a:r>
-              <a:t/>
-            </a:r>
             <a:endParaRPr sz="2900"/>
           </a:p>
         </p:txBody>
@@ -9421,9 +9505,9 @@
             </a:xfrm>
             <a:prstGeom prst="blockArc">
               <a:avLst>
-                <a:gd fmla="val 12602522" name="adj1"/>
-                <a:gd fmla="val 16867657" name="adj2"/>
-                <a:gd fmla="val 20844" name="adj3"/>
+                <a:gd name="adj1" fmla="val 12602522"/>
+                <a:gd name="adj2" fmla="val 16867657"/>
+                <a:gd name="adj3" fmla="val 20844"/>
               </a:avLst>
             </a:prstGeom>
             <a:solidFill>
@@ -9434,12 +9518,12 @@
             </a:ln>
           </p:spPr>
           <p:txBody>
-            <a:bodyPr anchorCtr="0" anchor="ctr" bIns="91425" lIns="91425" spcFirstLastPara="1" rIns="91425" wrap="square" tIns="91425">
+            <a:bodyPr spcFirstLastPara="1" wrap="square" lIns="91425" tIns="91425" rIns="91425" bIns="91425" anchor="ctr" anchorCtr="0">
               <a:noAutofit/>
             </a:bodyPr>
             <a:lstStyle/>
             <a:p>
-              <a:pPr indent="0" lvl="0" marL="0" rtl="0" algn="l">
+              <a:pPr marL="0" lvl="0" indent="0" algn="l" rtl="0">
                 <a:spcBef>
                   <a:spcPts val="0"/>
                 </a:spcBef>
@@ -9448,9 +9532,6 @@
                 </a:spcAft>
                 <a:buNone/>
               </a:pPr>
-              <a:r>
-                <a:t/>
-              </a:r>
               <a:endParaRPr/>
             </a:p>
           </p:txBody>
@@ -9468,9 +9549,9 @@
             </a:xfrm>
             <a:prstGeom prst="blockArc">
               <a:avLst>
-                <a:gd fmla="val 12602522" name="adj1"/>
-                <a:gd fmla="val 16867657" name="adj2"/>
-                <a:gd fmla="val 20844" name="adj3"/>
+                <a:gd name="adj1" fmla="val 12602522"/>
+                <a:gd name="adj2" fmla="val 16867657"/>
+                <a:gd name="adj3" fmla="val 20844"/>
               </a:avLst>
             </a:prstGeom>
             <a:solidFill>
@@ -9481,12 +9562,12 @@
             </a:ln>
           </p:spPr>
           <p:txBody>
-            <a:bodyPr anchorCtr="0" anchor="ctr" bIns="91425" lIns="91425" spcFirstLastPara="1" rIns="91425" wrap="square" tIns="91425">
+            <a:bodyPr spcFirstLastPara="1" wrap="square" lIns="91425" tIns="91425" rIns="91425" bIns="91425" anchor="ctr" anchorCtr="0">
               <a:noAutofit/>
             </a:bodyPr>
             <a:lstStyle/>
             <a:p>
-              <a:pPr indent="0" lvl="0" marL="0" rtl="0" algn="l">
+              <a:pPr marL="0" lvl="0" indent="0" algn="l" rtl="0">
                 <a:spcBef>
                   <a:spcPts val="0"/>
                 </a:spcBef>
@@ -9495,9 +9576,6 @@
                 </a:spcAft>
                 <a:buNone/>
               </a:pPr>
-              <a:r>
-                <a:t/>
-              </a:r>
               <a:endParaRPr/>
             </a:p>
           </p:txBody>
@@ -9515,8 +9593,8 @@
             </a:xfrm>
             <a:prstGeom prst="pie">
               <a:avLst>
-                <a:gd fmla="val 6190354" name="adj1"/>
-                <a:gd fmla="val 14996165" name="adj2"/>
+                <a:gd name="adj1" fmla="val 6190354"/>
+                <a:gd name="adj2" fmla="val 14996165"/>
               </a:avLst>
             </a:prstGeom>
             <a:solidFill>
@@ -9526,7 +9604,7 @@
               <a:noFill/>
             </a:ln>
             <a:effectLst>
-              <a:outerShdw blurRad="142875" rotWithShape="0" algn="bl">
+              <a:outerShdw blurRad="142875" algn="bl" rotWithShape="0">
                 <a:srgbClr val="000000">
                   <a:alpha val="43000"/>
                 </a:srgbClr>
@@ -9534,12 +9612,12 @@
             </a:effectLst>
           </p:spPr>
           <p:txBody>
-            <a:bodyPr anchorCtr="0" anchor="ctr" bIns="91425" lIns="91425" spcFirstLastPara="1" rIns="91425" wrap="square" tIns="91425">
+            <a:bodyPr spcFirstLastPara="1" wrap="square" lIns="91425" tIns="91425" rIns="91425" bIns="91425" anchor="ctr" anchorCtr="0">
               <a:noAutofit/>
             </a:bodyPr>
             <a:lstStyle/>
             <a:p>
-              <a:pPr indent="0" lvl="0" marL="0" rtl="0" algn="l">
+              <a:pPr marL="0" lvl="0" indent="0" algn="l" rtl="0">
                 <a:spcBef>
                   <a:spcPts val="0"/>
                 </a:spcBef>
@@ -9548,9 +9626,6 @@
                 </a:spcAft>
                 <a:buNone/>
               </a:pPr>
-              <a:r>
-                <a:t/>
-              </a:r>
               <a:endParaRPr/>
             </a:p>
           </p:txBody>
@@ -9568,8 +9643,8 @@
             </a:xfrm>
             <a:prstGeom prst="pie">
               <a:avLst>
-                <a:gd fmla="val 4028252" name="adj1"/>
-                <a:gd fmla="val 17183677" name="adj2"/>
+                <a:gd name="adj1" fmla="val 4028252"/>
+                <a:gd name="adj2" fmla="val 17183677"/>
               </a:avLst>
             </a:prstGeom>
             <a:solidFill>
@@ -9580,12 +9655,12 @@
             </a:ln>
           </p:spPr>
           <p:txBody>
-            <a:bodyPr anchorCtr="0" anchor="ctr" bIns="91425" lIns="91425" spcFirstLastPara="1" rIns="91425" wrap="square" tIns="91425">
+            <a:bodyPr spcFirstLastPara="1" wrap="square" lIns="91425" tIns="91425" rIns="91425" bIns="91425" anchor="ctr" anchorCtr="0">
               <a:noAutofit/>
             </a:bodyPr>
             <a:lstStyle/>
             <a:p>
-              <a:pPr indent="0" lvl="0" marL="0" rtl="0" algn="l">
+              <a:pPr marL="0" lvl="0" indent="0" algn="l" rtl="0">
                 <a:spcBef>
                   <a:spcPts val="0"/>
                 </a:spcBef>
@@ -9594,9 +9669,6 @@
                 </a:spcAft>
                 <a:buNone/>
               </a:pPr>
-              <a:r>
-                <a:t/>
-              </a:r>
               <a:endParaRPr/>
             </a:p>
           </p:txBody>
@@ -9614,9 +9686,9 @@
             </a:xfrm>
             <a:prstGeom prst="blockArc">
               <a:avLst>
-                <a:gd fmla="val 12602522" name="adj1"/>
-                <a:gd fmla="val 16867657" name="adj2"/>
-                <a:gd fmla="val 20844" name="adj3"/>
+                <a:gd name="adj1" fmla="val 12602522"/>
+                <a:gd name="adj2" fmla="val 16867657"/>
+                <a:gd name="adj3" fmla="val 20844"/>
               </a:avLst>
             </a:prstGeom>
             <a:solidFill>
@@ -9627,12 +9699,12 @@
             </a:ln>
           </p:spPr>
           <p:txBody>
-            <a:bodyPr anchorCtr="0" anchor="ctr" bIns="91425" lIns="91425" spcFirstLastPara="1" rIns="91425" wrap="square" tIns="91425">
+            <a:bodyPr spcFirstLastPara="1" wrap="square" lIns="91425" tIns="91425" rIns="91425" bIns="91425" anchor="ctr" anchorCtr="0">
               <a:noAutofit/>
             </a:bodyPr>
             <a:lstStyle/>
             <a:p>
-              <a:pPr indent="0" lvl="0" marL="0" rtl="0" algn="l">
+              <a:pPr marL="0" lvl="0" indent="0" algn="l" rtl="0">
                 <a:spcBef>
                   <a:spcPts val="0"/>
                 </a:spcBef>
@@ -9641,9 +9713,6 @@
                 </a:spcAft>
                 <a:buNone/>
               </a:pPr>
-              <a:r>
-                <a:t/>
-              </a:r>
               <a:endParaRPr/>
             </a:p>
           </p:txBody>
@@ -9661,8 +9730,8 @@
             </a:xfrm>
             <a:prstGeom prst="pie">
               <a:avLst>
-                <a:gd fmla="val 6190354" name="adj1"/>
-                <a:gd fmla="val 14996165" name="adj2"/>
+                <a:gd name="adj1" fmla="val 6190354"/>
+                <a:gd name="adj2" fmla="val 14996165"/>
               </a:avLst>
             </a:prstGeom>
             <a:solidFill>
@@ -9672,7 +9741,7 @@
               <a:noFill/>
             </a:ln>
             <a:effectLst>
-              <a:outerShdw blurRad="142875" rotWithShape="0" algn="bl">
+              <a:outerShdw blurRad="142875" algn="bl" rotWithShape="0">
                 <a:srgbClr val="000000">
                   <a:alpha val="43000"/>
                 </a:srgbClr>
@@ -9680,12 +9749,12 @@
             </a:effectLst>
           </p:spPr>
           <p:txBody>
-            <a:bodyPr anchorCtr="0" anchor="ctr" bIns="91425" lIns="91425" spcFirstLastPara="1" rIns="91425" wrap="square" tIns="91425">
+            <a:bodyPr spcFirstLastPara="1" wrap="square" lIns="91425" tIns="91425" rIns="91425" bIns="91425" anchor="ctr" anchorCtr="0">
               <a:noAutofit/>
             </a:bodyPr>
             <a:lstStyle/>
             <a:p>
-              <a:pPr indent="0" lvl="0" marL="0" rtl="0" algn="l">
+              <a:pPr marL="0" lvl="0" indent="0" algn="l" rtl="0">
                 <a:spcBef>
                   <a:spcPts val="0"/>
                 </a:spcBef>
@@ -9694,9 +9763,6 @@
                 </a:spcAft>
                 <a:buNone/>
               </a:pPr>
-              <a:r>
-                <a:t/>
-              </a:r>
               <a:endParaRPr/>
             </a:p>
           </p:txBody>
@@ -9714,8 +9780,8 @@
             </a:xfrm>
             <a:prstGeom prst="pie">
               <a:avLst>
-                <a:gd fmla="val 4028252" name="adj1"/>
-                <a:gd fmla="val 17183677" name="adj2"/>
+                <a:gd name="adj1" fmla="val 4028252"/>
+                <a:gd name="adj2" fmla="val 17183677"/>
               </a:avLst>
             </a:prstGeom>
             <a:solidFill>
@@ -9726,12 +9792,12 @@
             </a:ln>
           </p:spPr>
           <p:txBody>
-            <a:bodyPr anchorCtr="0" anchor="ctr" bIns="91425" lIns="91425" spcFirstLastPara="1" rIns="91425" wrap="square" tIns="91425">
+            <a:bodyPr spcFirstLastPara="1" wrap="square" lIns="91425" tIns="91425" rIns="91425" bIns="91425" anchor="ctr" anchorCtr="0">
               <a:noAutofit/>
             </a:bodyPr>
             <a:lstStyle/>
             <a:p>
-              <a:pPr indent="0" lvl="0" marL="0" rtl="0" algn="l">
+              <a:pPr marL="0" lvl="0" indent="0" algn="l" rtl="0">
                 <a:spcBef>
                   <a:spcPts val="0"/>
                 </a:spcBef>
@@ -9740,9 +9806,6 @@
                 </a:spcAft>
                 <a:buNone/>
               </a:pPr>
-              <a:r>
-                <a:t/>
-              </a:r>
               <a:endParaRPr/>
             </a:p>
           </p:txBody>
@@ -9760,9 +9823,9 @@
             </a:xfrm>
             <a:prstGeom prst="blockArc">
               <a:avLst>
-                <a:gd fmla="val 12513247" name="adj1"/>
-                <a:gd fmla="val 16867657" name="adj2"/>
-                <a:gd fmla="val 20844" name="adj3"/>
+                <a:gd name="adj1" fmla="val 12513247"/>
+                <a:gd name="adj2" fmla="val 16867657"/>
+                <a:gd name="adj3" fmla="val 20844"/>
               </a:avLst>
             </a:prstGeom>
             <a:solidFill>
@@ -9773,12 +9836,12 @@
             </a:ln>
           </p:spPr>
           <p:txBody>
-            <a:bodyPr anchorCtr="0" anchor="ctr" bIns="91425" lIns="91425" spcFirstLastPara="1" rIns="91425" wrap="square" tIns="91425">
+            <a:bodyPr spcFirstLastPara="1" wrap="square" lIns="91425" tIns="91425" rIns="91425" bIns="91425" anchor="ctr" anchorCtr="0">
               <a:noAutofit/>
             </a:bodyPr>
             <a:lstStyle/>
             <a:p>
-              <a:pPr indent="0" lvl="0" marL="0" rtl="0" algn="l">
+              <a:pPr marL="0" lvl="0" indent="0" algn="l" rtl="0">
                 <a:spcBef>
                   <a:spcPts val="0"/>
                 </a:spcBef>
@@ -9787,9 +9850,6 @@
                 </a:spcAft>
                 <a:buNone/>
               </a:pPr>
-              <a:r>
-                <a:t/>
-              </a:r>
               <a:endParaRPr/>
             </a:p>
           </p:txBody>
@@ -9807,8 +9867,8 @@
             </a:xfrm>
             <a:prstGeom prst="pie">
               <a:avLst>
-                <a:gd fmla="val 6190354" name="adj1"/>
-                <a:gd fmla="val 14996165" name="adj2"/>
+                <a:gd name="adj1" fmla="val 6190354"/>
+                <a:gd name="adj2" fmla="val 14996165"/>
               </a:avLst>
             </a:prstGeom>
             <a:solidFill>
@@ -9818,7 +9878,7 @@
               <a:noFill/>
             </a:ln>
             <a:effectLst>
-              <a:outerShdw blurRad="142875" rotWithShape="0" algn="bl">
+              <a:outerShdw blurRad="142875" algn="bl" rotWithShape="0">
                 <a:srgbClr val="000000">
                   <a:alpha val="43000"/>
                 </a:srgbClr>
@@ -9826,12 +9886,12 @@
             </a:effectLst>
           </p:spPr>
           <p:txBody>
-            <a:bodyPr anchorCtr="0" anchor="ctr" bIns="91425" lIns="91425" spcFirstLastPara="1" rIns="91425" wrap="square" tIns="91425">
+            <a:bodyPr spcFirstLastPara="1" wrap="square" lIns="91425" tIns="91425" rIns="91425" bIns="91425" anchor="ctr" anchorCtr="0">
               <a:noAutofit/>
             </a:bodyPr>
             <a:lstStyle/>
             <a:p>
-              <a:pPr indent="0" lvl="0" marL="0" rtl="0" algn="l">
+              <a:pPr marL="0" lvl="0" indent="0" algn="l" rtl="0">
                 <a:spcBef>
                   <a:spcPts val="0"/>
                 </a:spcBef>
@@ -9840,9 +9900,6 @@
                 </a:spcAft>
                 <a:buNone/>
               </a:pPr>
-              <a:r>
-                <a:t/>
-              </a:r>
               <a:endParaRPr/>
             </a:p>
           </p:txBody>
@@ -9860,8 +9917,8 @@
             </a:xfrm>
             <a:prstGeom prst="pie">
               <a:avLst>
-                <a:gd fmla="val 4028252" name="adj1"/>
-                <a:gd fmla="val 17183677" name="adj2"/>
+                <a:gd name="adj1" fmla="val 4028252"/>
+                <a:gd name="adj2" fmla="val 17183677"/>
               </a:avLst>
             </a:prstGeom>
             <a:solidFill>
@@ -9872,12 +9929,12 @@
             </a:ln>
           </p:spPr>
           <p:txBody>
-            <a:bodyPr anchorCtr="0" anchor="ctr" bIns="91425" lIns="91425" spcFirstLastPara="1" rIns="91425" wrap="square" tIns="91425">
+            <a:bodyPr spcFirstLastPara="1" wrap="square" lIns="91425" tIns="91425" rIns="91425" bIns="91425" anchor="ctr" anchorCtr="0">
               <a:noAutofit/>
             </a:bodyPr>
             <a:lstStyle/>
             <a:p>
-              <a:pPr indent="0" lvl="0" marL="0" rtl="0" algn="l">
+              <a:pPr marL="0" lvl="0" indent="0" algn="l" rtl="0">
                 <a:spcBef>
                   <a:spcPts val="0"/>
                 </a:spcBef>
@@ -9886,9 +9943,6 @@
                 </a:spcAft>
                 <a:buNone/>
               </a:pPr>
-              <a:r>
-                <a:t/>
-              </a:r>
               <a:endParaRPr/>
             </a:p>
           </p:txBody>
@@ -9906,8 +9960,8 @@
             </a:xfrm>
             <a:prstGeom prst="pie">
               <a:avLst>
-                <a:gd fmla="val 6190354" name="adj1"/>
-                <a:gd fmla="val 14996165" name="adj2"/>
+                <a:gd name="adj1" fmla="val 6190354"/>
+                <a:gd name="adj2" fmla="val 14996165"/>
               </a:avLst>
             </a:prstGeom>
             <a:solidFill>
@@ -9917,7 +9971,7 @@
               <a:noFill/>
             </a:ln>
             <a:effectLst>
-              <a:outerShdw blurRad="142875" rotWithShape="0" algn="bl">
+              <a:outerShdw blurRad="142875" algn="bl" rotWithShape="0">
                 <a:srgbClr val="000000">
                   <a:alpha val="43000"/>
                 </a:srgbClr>
@@ -9925,12 +9979,12 @@
             </a:effectLst>
           </p:spPr>
           <p:txBody>
-            <a:bodyPr anchorCtr="0" anchor="ctr" bIns="91425" lIns="91425" spcFirstLastPara="1" rIns="91425" wrap="square" tIns="91425">
+            <a:bodyPr spcFirstLastPara="1" wrap="square" lIns="91425" tIns="91425" rIns="91425" bIns="91425" anchor="ctr" anchorCtr="0">
               <a:noAutofit/>
             </a:bodyPr>
             <a:lstStyle/>
             <a:p>
-              <a:pPr indent="0" lvl="0" marL="0" rtl="0" algn="l">
+              <a:pPr marL="0" lvl="0" indent="0" algn="l" rtl="0">
                 <a:spcBef>
                   <a:spcPts val="0"/>
                 </a:spcBef>
@@ -9939,9 +9993,6 @@
                 </a:spcAft>
                 <a:buNone/>
               </a:pPr>
-              <a:r>
-                <a:t/>
-              </a:r>
               <a:endParaRPr/>
             </a:p>
           </p:txBody>
@@ -9959,8 +10010,8 @@
             </a:xfrm>
             <a:prstGeom prst="pie">
               <a:avLst>
-                <a:gd fmla="val 4028252" name="adj1"/>
-                <a:gd fmla="val 17183677" name="adj2"/>
+                <a:gd name="adj1" fmla="val 4028252"/>
+                <a:gd name="adj2" fmla="val 17183677"/>
               </a:avLst>
             </a:prstGeom>
             <a:solidFill>
@@ -9971,12 +10022,12 @@
             </a:ln>
           </p:spPr>
           <p:txBody>
-            <a:bodyPr anchorCtr="0" anchor="ctr" bIns="91425" lIns="91425" spcFirstLastPara="1" rIns="91425" wrap="square" tIns="91425">
+            <a:bodyPr spcFirstLastPara="1" wrap="square" lIns="91425" tIns="91425" rIns="91425" bIns="91425" anchor="ctr" anchorCtr="0">
               <a:noAutofit/>
             </a:bodyPr>
             <a:lstStyle/>
             <a:p>
-              <a:pPr indent="0" lvl="0" marL="0" rtl="0" algn="l">
+              <a:pPr marL="0" lvl="0" indent="0" algn="l" rtl="0">
                 <a:spcBef>
                   <a:spcPts val="0"/>
                 </a:spcBef>
@@ -9985,9 +10036,6 @@
                 </a:spcAft>
                 <a:buNone/>
               </a:pPr>
-              <a:r>
-                <a:t/>
-              </a:r>
               <a:endParaRPr/>
             </a:p>
           </p:txBody>
@@ -10005,8 +10053,8 @@
             </a:xfrm>
             <a:prstGeom prst="pie">
               <a:avLst>
-                <a:gd fmla="val 6190354" name="adj1"/>
-                <a:gd fmla="val 14996165" name="adj2"/>
+                <a:gd name="adj1" fmla="val 6190354"/>
+                <a:gd name="adj2" fmla="val 14996165"/>
               </a:avLst>
             </a:prstGeom>
             <a:solidFill>
@@ -10016,7 +10064,7 @@
               <a:noFill/>
             </a:ln>
             <a:effectLst>
-              <a:outerShdw blurRad="142875" rotWithShape="0" algn="bl">
+              <a:outerShdw blurRad="142875" algn="bl" rotWithShape="0">
                 <a:srgbClr val="000000">
                   <a:alpha val="43000"/>
                 </a:srgbClr>
@@ -10024,12 +10072,12 @@
             </a:effectLst>
           </p:spPr>
           <p:txBody>
-            <a:bodyPr anchorCtr="0" anchor="ctr" bIns="91425" lIns="91425" spcFirstLastPara="1" rIns="91425" wrap="square" tIns="91425">
+            <a:bodyPr spcFirstLastPara="1" wrap="square" lIns="91425" tIns="91425" rIns="91425" bIns="91425" anchor="ctr" anchorCtr="0">
               <a:noAutofit/>
             </a:bodyPr>
             <a:lstStyle/>
             <a:p>
-              <a:pPr indent="0" lvl="0" marL="0" rtl="0" algn="l">
+              <a:pPr marL="0" lvl="0" indent="0" algn="l" rtl="0">
                 <a:spcBef>
                   <a:spcPts val="0"/>
                 </a:spcBef>
@@ -10038,9 +10086,6 @@
                 </a:spcAft>
                 <a:buNone/>
               </a:pPr>
-              <a:r>
-                <a:t/>
-              </a:r>
               <a:endParaRPr/>
             </a:p>
           </p:txBody>
@@ -10058,8 +10103,8 @@
             </a:xfrm>
             <a:prstGeom prst="pie">
               <a:avLst>
-                <a:gd fmla="val 4028252" name="adj1"/>
-                <a:gd fmla="val 17183677" name="adj2"/>
+                <a:gd name="adj1" fmla="val 4028252"/>
+                <a:gd name="adj2" fmla="val 17183677"/>
               </a:avLst>
             </a:prstGeom>
             <a:solidFill>
@@ -10070,12 +10115,12 @@
             </a:ln>
           </p:spPr>
           <p:txBody>
-            <a:bodyPr anchorCtr="0" anchor="ctr" bIns="91425" lIns="91425" spcFirstLastPara="1" rIns="91425" wrap="square" tIns="91425">
+            <a:bodyPr spcFirstLastPara="1" wrap="square" lIns="91425" tIns="91425" rIns="91425" bIns="91425" anchor="ctr" anchorCtr="0">
               <a:noAutofit/>
             </a:bodyPr>
             <a:lstStyle/>
             <a:p>
-              <a:pPr indent="0" lvl="0" marL="0" rtl="0" algn="l">
+              <a:pPr marL="0" lvl="0" indent="0" algn="l" rtl="0">
                 <a:spcBef>
                   <a:spcPts val="0"/>
                 </a:spcBef>
@@ -10084,9 +10129,6 @@
                 </a:spcAft>
                 <a:buNone/>
               </a:pPr>
-              <a:r>
-                <a:t/>
-              </a:r>
               <a:endParaRPr/>
             </a:p>
           </p:txBody>
@@ -10111,12 +10153,12 @@
             </a:ln>
           </p:spPr>
           <p:txBody>
-            <a:bodyPr anchorCtr="0" anchor="t" bIns="91425" lIns="91425" spcFirstLastPara="1" rIns="91425" wrap="square" tIns="91425">
+            <a:bodyPr spcFirstLastPara="1" wrap="square" lIns="91425" tIns="91425" rIns="91425" bIns="91425" anchor="t" anchorCtr="0">
               <a:noAutofit/>
             </a:bodyPr>
             <a:lstStyle/>
             <a:p>
-              <a:pPr indent="0" lvl="0" marL="0" rtl="0" algn="ctr">
+              <a:pPr marL="0" lvl="0" indent="0" algn="ctr" rtl="0">
                 <a:spcBef>
                   <a:spcPts val="0"/>
                 </a:spcBef>
@@ -10126,7 +10168,7 @@
                 <a:buNone/>
               </a:pPr>
               <a:r>
-                <a:rPr b="1" lang="es" sz="1600">
+                <a:rPr lang="es" sz="1600" b="1">
                   <a:solidFill>
                     <a:srgbClr val="FFFFFF"/>
                   </a:solidFill>
@@ -10137,7 +10179,7 @@
                 </a:rPr>
                 <a:t>05</a:t>
               </a:r>
-              <a:endParaRPr b="1" sz="1600">
+              <a:endParaRPr sz="1600" b="1">
                 <a:solidFill>
                   <a:srgbClr val="FFFFFF"/>
                 </a:solidFill>
@@ -10169,12 +10211,12 @@
             </a:ln>
           </p:spPr>
           <p:txBody>
-            <a:bodyPr anchorCtr="0" anchor="t" bIns="91425" lIns="91425" spcFirstLastPara="1" rIns="91425" wrap="square" tIns="91425">
+            <a:bodyPr spcFirstLastPara="1" wrap="square" lIns="91425" tIns="91425" rIns="91425" bIns="91425" anchor="t" anchorCtr="0">
               <a:noAutofit/>
             </a:bodyPr>
             <a:lstStyle/>
             <a:p>
-              <a:pPr indent="0" lvl="0" marL="0" rtl="0" algn="ctr">
+              <a:pPr marL="0" lvl="0" indent="0" algn="ctr" rtl="0">
                 <a:spcBef>
                   <a:spcPts val="0"/>
                 </a:spcBef>
@@ -10184,7 +10226,7 @@
                 <a:buNone/>
               </a:pPr>
               <a:r>
-                <a:rPr b="1" lang="es" sz="1600">
+                <a:rPr lang="es" sz="1600" b="1">
                   <a:solidFill>
                     <a:srgbClr val="FFFFFF"/>
                   </a:solidFill>
@@ -10195,7 +10237,7 @@
                 </a:rPr>
                 <a:t>01</a:t>
               </a:r>
-              <a:endParaRPr b="1" sz="1600">
+              <a:endParaRPr sz="1600" b="1">
                 <a:solidFill>
                   <a:srgbClr val="FFFFFF"/>
                 </a:solidFill>
@@ -10227,12 +10269,12 @@
             </a:ln>
           </p:spPr>
           <p:txBody>
-            <a:bodyPr anchorCtr="0" anchor="t" bIns="91425" lIns="91425" spcFirstLastPara="1" rIns="91425" wrap="square" tIns="91425">
+            <a:bodyPr spcFirstLastPara="1" wrap="square" lIns="91425" tIns="91425" rIns="91425" bIns="91425" anchor="t" anchorCtr="0">
               <a:noAutofit/>
             </a:bodyPr>
             <a:lstStyle/>
             <a:p>
-              <a:pPr indent="0" lvl="0" marL="0" rtl="0" algn="ctr">
+              <a:pPr marL="0" lvl="0" indent="0" algn="ctr" rtl="0">
                 <a:spcBef>
                   <a:spcPts val="0"/>
                 </a:spcBef>
@@ -10242,7 +10284,7 @@
                 <a:buNone/>
               </a:pPr>
               <a:r>
-                <a:rPr b="1" lang="es" sz="1600">
+                <a:rPr lang="es" sz="1600" b="1">
                   <a:solidFill>
                     <a:srgbClr val="FFFFFF"/>
                   </a:solidFill>
@@ -10253,7 +10295,7 @@
                 </a:rPr>
                 <a:t>02</a:t>
               </a:r>
-              <a:endParaRPr b="1" sz="1600">
+              <a:endParaRPr sz="1600" b="1">
                 <a:solidFill>
                   <a:srgbClr val="FFFFFF"/>
                 </a:solidFill>
@@ -10285,12 +10327,12 @@
             </a:ln>
           </p:spPr>
           <p:txBody>
-            <a:bodyPr anchorCtr="0" anchor="t" bIns="91425" lIns="91425" spcFirstLastPara="1" rIns="91425" wrap="square" tIns="91425">
+            <a:bodyPr spcFirstLastPara="1" wrap="square" lIns="91425" tIns="91425" rIns="91425" bIns="91425" anchor="t" anchorCtr="0">
               <a:noAutofit/>
             </a:bodyPr>
             <a:lstStyle/>
             <a:p>
-              <a:pPr indent="0" lvl="0" marL="0" rtl="0" algn="ctr">
+              <a:pPr marL="0" lvl="0" indent="0" algn="ctr" rtl="0">
                 <a:spcBef>
                   <a:spcPts val="0"/>
                 </a:spcBef>
@@ -10300,7 +10342,7 @@
                 <a:buNone/>
               </a:pPr>
               <a:r>
-                <a:rPr b="1" lang="es" sz="1600">
+                <a:rPr lang="es" sz="1600" b="1">
                   <a:solidFill>
                     <a:srgbClr val="FFFFFF"/>
                   </a:solidFill>
@@ -10311,7 +10353,7 @@
                 </a:rPr>
                 <a:t>03</a:t>
               </a:r>
-              <a:endParaRPr b="1" sz="1600">
+              <a:endParaRPr sz="1600" b="1">
                 <a:solidFill>
                   <a:srgbClr val="FFFFFF"/>
                 </a:solidFill>
@@ -10343,12 +10385,12 @@
             </a:ln>
           </p:spPr>
           <p:txBody>
-            <a:bodyPr anchorCtr="0" anchor="t" bIns="91425" lIns="91425" spcFirstLastPara="1" rIns="91425" wrap="square" tIns="91425">
+            <a:bodyPr spcFirstLastPara="1" wrap="square" lIns="91425" tIns="91425" rIns="91425" bIns="91425" anchor="t" anchorCtr="0">
               <a:noAutofit/>
             </a:bodyPr>
             <a:lstStyle/>
             <a:p>
-              <a:pPr indent="0" lvl="0" marL="0" rtl="0" algn="ctr">
+              <a:pPr marL="0" lvl="0" indent="0" algn="ctr" rtl="0">
                 <a:spcBef>
                   <a:spcPts val="0"/>
                 </a:spcBef>
@@ -10358,7 +10400,7 @@
                 <a:buNone/>
               </a:pPr>
               <a:r>
-                <a:rPr b="1" lang="es" sz="1600">
+                <a:rPr lang="es" sz="1600" b="1">
                   <a:solidFill>
                     <a:srgbClr val="FFFFFF"/>
                   </a:solidFill>
@@ -10369,7 +10411,7 @@
                 </a:rPr>
                 <a:t>04</a:t>
               </a:r>
-              <a:endParaRPr b="1" sz="1600">
+              <a:endParaRPr sz="1600" b="1">
                 <a:solidFill>
                   <a:srgbClr val="FFFFFF"/>
                 </a:solidFill>
@@ -10394,9 +10436,9 @@
             </a:xfrm>
             <a:prstGeom prst="blockArc">
               <a:avLst>
-                <a:gd fmla="val 12602522" name="adj1"/>
-                <a:gd fmla="val 16867657" name="adj2"/>
-                <a:gd fmla="val 20844" name="adj3"/>
+                <a:gd name="adj1" fmla="val 12602522"/>
+                <a:gd name="adj2" fmla="val 16867657"/>
+                <a:gd name="adj3" fmla="val 20844"/>
               </a:avLst>
             </a:prstGeom>
             <a:solidFill>
@@ -10407,12 +10449,12 @@
             </a:ln>
           </p:spPr>
           <p:txBody>
-            <a:bodyPr anchorCtr="0" anchor="ctr" bIns="91425" lIns="91425" spcFirstLastPara="1" rIns="91425" wrap="square" tIns="91425">
+            <a:bodyPr spcFirstLastPara="1" wrap="square" lIns="91425" tIns="91425" rIns="91425" bIns="91425" anchor="ctr" anchorCtr="0">
               <a:noAutofit/>
             </a:bodyPr>
             <a:lstStyle/>
             <a:p>
-              <a:pPr indent="0" lvl="0" marL="0" rtl="0" algn="l">
+              <a:pPr marL="0" lvl="0" indent="0" algn="l" rtl="0">
                 <a:spcBef>
                   <a:spcPts val="0"/>
                 </a:spcBef>
@@ -10421,9 +10463,6 @@
                 </a:spcAft>
                 <a:buNone/>
               </a:pPr>
-              <a:r>
-                <a:t/>
-              </a:r>
               <a:endParaRPr/>
             </a:p>
           </p:txBody>
@@ -10438,11 +10477,11 @@
 </file>
 
 <file path=ppt/slides/slide5.xml><?xml version="1.0" encoding="utf-8"?>
-<p:sld xmlns:a="http://schemas.openxmlformats.org/drawingml/2006/main" xmlns:r="http://schemas.openxmlformats.org/officeDocument/2006/relationships" xmlns:mc="http://schemas.openxmlformats.org/markup-compatibility/2006" xmlns:mv="urn:schemas-microsoft-com:mac:vml" xmlns:p="http://schemas.openxmlformats.org/presentationml/2006/main" xmlns:c="http://schemas.openxmlformats.org/drawingml/2006/chart" xmlns:dgm="http://schemas.openxmlformats.org/drawingml/2006/diagram" xmlns:o="urn:schemas-microsoft-com:office:office" xmlns:v="urn:schemas-microsoft-com:vml" xmlns:pvml="urn:schemas-microsoft-com:office:powerpoint" xmlns:com="http://schemas.openxmlformats.org/drawingml/2006/compatibility" xmlns:p14="http://schemas.microsoft.com/office/powerpoint/2010/main" xmlns:p15="http://schemas.microsoft.com/office/powerpoint/2012/main" xmlns:ahyp="http://schemas.microsoft.com/office/drawing/2018/hyperlinkcolor">
+<p:sld xmlns:a="http://schemas.openxmlformats.org/drawingml/2006/main" xmlns:r="http://schemas.openxmlformats.org/officeDocument/2006/relationships" xmlns:p="http://schemas.openxmlformats.org/presentationml/2006/main">
   <p:cSld>
     <p:spTree>
       <p:nvGrpSpPr>
-        <p:cNvPr id="150" name="Shape 150"/>
+        <p:cNvPr id="1" name="Shape 150"/>
         <p:cNvGrpSpPr/>
         <p:nvPr/>
       </p:nvGrpSpPr>
@@ -10457,9 +10496,11 @@
       <p:sp>
         <p:nvSpPr>
           <p:cNvPr id="151" name="Google Shape;151;p17"/>
-          <p:cNvSpPr txBox="1"/>
+          <p:cNvSpPr txBox="1">
+            <a:spLocks noGrp="1"/>
+          </p:cNvSpPr>
           <p:nvPr>
-            <p:ph idx="4294967295" type="ctrTitle"/>
+            <p:ph type="ctrTitle" idx="4294967295"/>
           </p:nvPr>
         </p:nvSpPr>
         <p:spPr>
@@ -10472,12 +10513,12 @@
           </a:prstGeom>
         </p:spPr>
         <p:txBody>
-          <a:bodyPr anchorCtr="0" anchor="t" bIns="91425" lIns="91425" spcFirstLastPara="1" rIns="91425" wrap="square" tIns="91425">
+          <a:bodyPr spcFirstLastPara="1" wrap="square" lIns="91425" tIns="91425" rIns="91425" bIns="91425" anchor="t" anchorCtr="0">
             <a:normAutofit fontScale="90000"/>
           </a:bodyPr>
           <a:lstStyle/>
           <a:p>
-            <a:pPr indent="0" lvl="0" marL="0" rtl="0" algn="l">
+            <a:pPr marL="0" lvl="0" indent="0" algn="l" rtl="0">
               <a:spcBef>
                 <a:spcPts val="0"/>
               </a:spcBef>
@@ -10503,7 +10544,7 @@
             </a:endParaRPr>
           </a:p>
           <a:p>
-            <a:pPr indent="0" lvl="0" marL="0" rtl="0" algn="l">
+            <a:pPr marL="0" lvl="0" indent="0" algn="l" rtl="0">
               <a:spcBef>
                 <a:spcPts val="0"/>
               </a:spcBef>
@@ -10512,9 +10553,6 @@
               </a:spcAft>
               <a:buNone/>
             </a:pPr>
-            <a:r>
-              <a:t/>
-            </a:r>
             <a:endParaRPr sz="2900"/>
           </a:p>
         </p:txBody>
@@ -10569,12 +10607,12 @@
           </a:ln>
         </p:spPr>
         <p:txBody>
-          <a:bodyPr anchorCtr="0" anchor="t" bIns="91425" lIns="91425" spcFirstLastPara="1" rIns="91425" wrap="square" tIns="91425">
-            <a:normAutofit fontScale="85000" lnSpcReduction="20000"/>
+          <a:bodyPr spcFirstLastPara="1" wrap="square" lIns="91425" tIns="91425" rIns="91425" bIns="91425" anchor="t" anchorCtr="0">
+            <a:normAutofit fontScale="70000" lnSpcReduction="20000"/>
           </a:bodyPr>
           <a:lstStyle/>
           <a:p>
-            <a:pPr indent="0" lvl="0" marL="0" rtl="0" algn="l">
+            <a:pPr marL="0" lvl="0" indent="0" algn="l" rtl="0">
               <a:lnSpc>
                 <a:spcPct val="95000"/>
               </a:lnSpc>
@@ -10586,13 +10624,10 @@
               </a:spcAft>
               <a:buNone/>
             </a:pPr>
-            <a:r>
-              <a:t/>
-            </a:r>
-            <a:endParaRPr b="1" sz="2200"/>
+            <a:endParaRPr sz="2200" b="1"/>
           </a:p>
           <a:p>
-            <a:pPr indent="0" lvl="0" marL="0" rtl="0" algn="ctr">
+            <a:pPr marL="0" lvl="0" indent="0" algn="ctr" rtl="0">
               <a:lnSpc>
                 <a:spcPct val="95000"/>
               </a:lnSpc>
@@ -10605,21 +10640,21 @@
               <a:buNone/>
             </a:pPr>
             <a:r>
-              <a:rPr b="1" lang="es" sz="2200">
+              <a:rPr lang="es" sz="2200" b="1">
                 <a:solidFill>
                   <a:srgbClr val="FFFFFF"/>
                 </a:solidFill>
               </a:rPr>
               <a:t>Whoosh </a:t>
             </a:r>
-            <a:endParaRPr b="1" sz="2200">
+            <a:endParaRPr sz="2200" b="1">
               <a:solidFill>
                 <a:srgbClr val="FFFFFF"/>
               </a:solidFill>
             </a:endParaRPr>
           </a:p>
           <a:p>
-            <a:pPr indent="0" lvl="0" marL="0" rtl="0" algn="l">
+            <a:pPr marL="0" lvl="0" indent="0" algn="l" rtl="0">
               <a:lnSpc>
                 <a:spcPct val="80000"/>
               </a:lnSpc>
@@ -10631,9 +10666,6 @@
               </a:spcAft>
               <a:buNone/>
             </a:pPr>
-            <a:r>
-              <a:t/>
-            </a:r>
             <a:endParaRPr>
               <a:latin typeface="Lato"/>
               <a:ea typeface="Lato"/>
@@ -10745,14 +10777,14 @@
             <a:avLst/>
           </a:prstGeom>
           <a:noFill/>
-          <a:ln cap="flat" cmpd="sng" w="38100">
+          <a:ln w="38100" cap="flat" cmpd="sng">
             <a:solidFill>
               <a:schemeClr val="dk2"/>
             </a:solidFill>
             <a:prstDash val="solid"/>
             <a:round/>
-            <a:headEnd len="med" w="med" type="none"/>
-            <a:tailEnd len="med" w="med" type="none"/>
+            <a:headEnd type="none" w="med" len="med"/>
+            <a:tailEnd type="none" w="med" len="med"/>
           </a:ln>
         </p:spPr>
       </p:cxnSp>
@@ -10774,14 +10806,14 @@
             <a:avLst/>
           </a:prstGeom>
           <a:noFill/>
-          <a:ln cap="flat" cmpd="sng" w="38100">
+          <a:ln w="38100" cap="flat" cmpd="sng">
             <a:solidFill>
               <a:schemeClr val="dk2"/>
             </a:solidFill>
             <a:prstDash val="solid"/>
             <a:round/>
-            <a:headEnd len="med" w="med" type="none"/>
-            <a:tailEnd len="med" w="med" type="none"/>
+            <a:headEnd type="none" w="med" len="med"/>
+            <a:tailEnd type="none" w="med" len="med"/>
           </a:ln>
         </p:spPr>
       </p:cxnSp>
@@ -10802,14 +10834,14 @@
             <a:avLst/>
           </a:prstGeom>
           <a:noFill/>
-          <a:ln cap="flat" cmpd="sng" w="38100">
+          <a:ln w="38100" cap="flat" cmpd="sng">
             <a:solidFill>
               <a:schemeClr val="dk2"/>
             </a:solidFill>
             <a:prstDash val="solid"/>
             <a:round/>
-            <a:headEnd len="med" w="med" type="none"/>
-            <a:tailEnd len="med" w="med" type="none"/>
+            <a:headEnd type="none" w="med" len="med"/>
+            <a:tailEnd type="none" w="med" len="med"/>
           </a:ln>
         </p:spPr>
       </p:cxnSp>
@@ -10823,7 +10855,7 @@
           <p:nvPr/>
         </p:nvCxnSpPr>
         <p:spPr>
-          <a:xfrm flipH="1" rot="10800000">
+          <a:xfrm rot="10800000" flipH="1">
             <a:off x="5120838" y="1928363"/>
             <a:ext cx="2400900" cy="1042800"/>
           </a:xfrm>
@@ -10831,14 +10863,14 @@
             <a:avLst/>
           </a:prstGeom>
           <a:noFill/>
-          <a:ln cap="flat" cmpd="sng" w="38100">
+          <a:ln w="38100" cap="flat" cmpd="sng">
             <a:solidFill>
               <a:schemeClr val="dk2"/>
             </a:solidFill>
             <a:prstDash val="solid"/>
             <a:round/>
-            <a:headEnd len="med" w="med" type="none"/>
-            <a:tailEnd len="med" w="med" type="none"/>
+            <a:headEnd type="none" w="med" len="med"/>
+            <a:tailEnd type="none" w="med" len="med"/>
           </a:ln>
         </p:spPr>
       </p:cxnSp>
@@ -10862,12 +10894,12 @@
           </a:ln>
         </p:spPr>
         <p:txBody>
-          <a:bodyPr anchorCtr="0" anchor="t" bIns="91425" lIns="91425" spcFirstLastPara="1" rIns="91425" wrap="square" tIns="91425">
+          <a:bodyPr spcFirstLastPara="1" wrap="square" lIns="91425" tIns="91425" rIns="91425" bIns="91425" anchor="t" anchorCtr="0">
             <a:spAutoFit/>
           </a:bodyPr>
           <a:lstStyle/>
           <a:p>
-            <a:pPr indent="0" lvl="0" marL="0" rtl="0" algn="ctr">
+            <a:pPr marL="0" lvl="0" indent="0" algn="ctr" rtl="0">
               <a:spcBef>
                 <a:spcPts val="0"/>
               </a:spcBef>
@@ -10877,7 +10909,7 @@
               <a:buNone/>
             </a:pPr>
             <a:r>
-              <a:rPr b="1" lang="es">
+              <a:rPr lang="es" b="1">
                 <a:latin typeface="Roboto"/>
                 <a:ea typeface="Roboto"/>
                 <a:cs typeface="Roboto"/>
@@ -10893,7 +10925,7 @@
             </a:endParaRPr>
           </a:p>
           <a:p>
-            <a:pPr indent="0" lvl="0" marL="0" rtl="0" algn="ctr">
+            <a:pPr marL="0" lvl="0" indent="0" algn="ctr" rtl="0">
               <a:spcBef>
                 <a:spcPts val="0"/>
               </a:spcBef>
@@ -10903,7 +10935,7 @@
               <a:buNone/>
             </a:pPr>
             <a:r>
-              <a:rPr b="1" lang="es">
+              <a:rPr lang="es" b="1">
                 <a:latin typeface="Roboto"/>
                 <a:ea typeface="Roboto"/>
                 <a:cs typeface="Roboto"/>
@@ -10919,7 +10951,7 @@
             </a:endParaRPr>
           </a:p>
           <a:p>
-            <a:pPr indent="0" lvl="0" marL="0" rtl="0" algn="ctr">
+            <a:pPr marL="0" lvl="0" indent="0" algn="ctr" rtl="0">
               <a:spcBef>
                 <a:spcPts val="0"/>
               </a:spcBef>
@@ -10928,9 +10960,6 @@
               </a:spcAft>
               <a:buNone/>
             </a:pPr>
-            <a:r>
-              <a:t/>
-            </a:r>
             <a:endParaRPr b="1">
               <a:latin typeface="Lato"/>
               <a:ea typeface="Lato"/>
@@ -10960,12 +10989,12 @@
           </a:ln>
         </p:spPr>
         <p:txBody>
-          <a:bodyPr anchorCtr="0" anchor="t" bIns="91425" lIns="91425" spcFirstLastPara="1" rIns="91425" wrap="square" tIns="91425">
+          <a:bodyPr spcFirstLastPara="1" wrap="square" lIns="91425" tIns="91425" rIns="91425" bIns="91425" anchor="t" anchorCtr="0">
             <a:spAutoFit/>
           </a:bodyPr>
           <a:lstStyle/>
           <a:p>
-            <a:pPr indent="0" lvl="0" marL="0" rtl="0" algn="l">
+            <a:pPr marL="0" lvl="0" indent="0" algn="l" rtl="0">
               <a:lnSpc>
                 <a:spcPct val="150000"/>
               </a:lnSpc>
@@ -10978,7 +11007,7 @@
               <a:buNone/>
             </a:pPr>
             <a:r>
-              <a:rPr b="1" lang="es">
+              <a:rPr lang="es" b="1">
                 <a:latin typeface="Roboto"/>
                 <a:ea typeface="Roboto"/>
                 <a:cs typeface="Roboto"/>
@@ -10994,7 +11023,7 @@
             </a:endParaRPr>
           </a:p>
           <a:p>
-            <a:pPr indent="0" lvl="0" marL="0" rtl="0" algn="l">
+            <a:pPr marL="0" lvl="0" indent="0" algn="l" rtl="0">
               <a:lnSpc>
                 <a:spcPct val="150000"/>
               </a:lnSpc>
@@ -11007,7 +11036,7 @@
               <a:buNone/>
             </a:pPr>
             <a:r>
-              <a:rPr b="1" lang="es">
+              <a:rPr lang="es" b="1">
                 <a:latin typeface="Roboto"/>
                 <a:ea typeface="Roboto"/>
                 <a:cs typeface="Roboto"/>
@@ -11023,7 +11052,7 @@
             </a:endParaRPr>
           </a:p>
           <a:p>
-            <a:pPr indent="0" lvl="0" marL="0" rtl="0" algn="l">
+            <a:pPr marL="0" lvl="0" indent="0" algn="l" rtl="0">
               <a:lnSpc>
                 <a:spcPct val="150000"/>
               </a:lnSpc>
@@ -11036,7 +11065,7 @@
               <a:buNone/>
             </a:pPr>
             <a:r>
-              <a:rPr b="1" lang="es">
+              <a:rPr lang="es" b="1">
                 <a:latin typeface="Roboto"/>
                 <a:ea typeface="Roboto"/>
                 <a:cs typeface="Roboto"/>
@@ -11062,7 +11091,7 @@
         <p:spPr>
           <a:xfrm>
             <a:off x="2789725" y="3776425"/>
-            <a:ext cx="3467400" cy="400200"/>
+            <a:ext cx="3467400" cy="615523"/>
           </a:xfrm>
           <a:prstGeom prst="rect">
             <a:avLst/>
@@ -11073,12 +11102,12 @@
           </a:ln>
         </p:spPr>
         <p:txBody>
-          <a:bodyPr anchorCtr="0" anchor="t" bIns="91425" lIns="91425" spcFirstLastPara="1" rIns="91425" wrap="square" tIns="91425">
+          <a:bodyPr spcFirstLastPara="1" wrap="square" lIns="91425" tIns="91425" rIns="91425" bIns="91425" anchor="t" anchorCtr="0">
             <a:spAutoFit/>
           </a:bodyPr>
           <a:lstStyle/>
           <a:p>
-            <a:pPr indent="0" lvl="0" marL="0" rtl="0" algn="l">
+            <a:pPr marL="0" lvl="0" indent="0" algn="ctr" rtl="0">
               <a:spcBef>
                 <a:spcPts val="0"/>
               </a:spcBef>
@@ -11088,7 +11117,7 @@
               <a:buNone/>
             </a:pPr>
             <a:r>
-              <a:rPr b="1" lang="es">
+              <a:rPr lang="es" b="1" dirty="0">
                 <a:latin typeface="Roboto"/>
                 <a:ea typeface="Roboto"/>
                 <a:cs typeface="Roboto"/>
@@ -11096,7 +11125,7 @@
               </a:rPr>
               <a:t>Sistema de Recomendación Colaborativo</a:t>
             </a:r>
-            <a:endParaRPr b="1">
+            <a:endParaRPr b="1" dirty="0">
               <a:latin typeface="Roboto"/>
               <a:ea typeface="Roboto"/>
               <a:cs typeface="Roboto"/>
@@ -11125,12 +11154,12 @@
           </a:ln>
         </p:spPr>
         <p:txBody>
-          <a:bodyPr anchorCtr="0" anchor="t" bIns="91425" lIns="91425" spcFirstLastPara="1" rIns="91425" wrap="square" tIns="91425">
+          <a:bodyPr spcFirstLastPara="1" wrap="square" lIns="91425" tIns="91425" rIns="91425" bIns="91425" anchor="t" anchorCtr="0">
             <a:spAutoFit/>
           </a:bodyPr>
           <a:lstStyle/>
           <a:p>
-            <a:pPr indent="0" lvl="0" marL="0" rtl="0" algn="r">
+            <a:pPr marL="0" lvl="0" indent="0" algn="r" rtl="0">
               <a:lnSpc>
                 <a:spcPct val="150000"/>
               </a:lnSpc>
@@ -11143,7 +11172,7 @@
               <a:buNone/>
             </a:pPr>
             <a:r>
-              <a:rPr b="1" lang="es">
+              <a:rPr lang="es" b="1">
                 <a:latin typeface="Roboto"/>
                 <a:ea typeface="Roboto"/>
                 <a:cs typeface="Roboto"/>
@@ -11159,7 +11188,7 @@
             </a:endParaRPr>
           </a:p>
           <a:p>
-            <a:pPr indent="0" lvl="0" marL="0" rtl="0" algn="r">
+            <a:pPr marL="0" lvl="0" indent="0" algn="r" rtl="0">
               <a:lnSpc>
                 <a:spcPct val="150000"/>
               </a:lnSpc>
@@ -11172,7 +11201,7 @@
               <a:buNone/>
             </a:pPr>
             <a:r>
-              <a:rPr b="1" lang="es">
+              <a:rPr lang="es" b="1">
                 <a:latin typeface="Roboto"/>
                 <a:ea typeface="Roboto"/>
                 <a:cs typeface="Roboto"/>
@@ -11188,7 +11217,7 @@
             </a:endParaRPr>
           </a:p>
           <a:p>
-            <a:pPr indent="0" lvl="0" marL="0" rtl="0" algn="r">
+            <a:pPr marL="0" lvl="0" indent="0" algn="r" rtl="0">
               <a:lnSpc>
                 <a:spcPct val="150000"/>
               </a:lnSpc>
@@ -11201,7 +11230,7 @@
               <a:buNone/>
             </a:pPr>
             <a:r>
-              <a:rPr b="1" lang="es">
+              <a:rPr lang="es" b="1">
                 <a:latin typeface="Roboto"/>
                 <a:ea typeface="Roboto"/>
                 <a:cs typeface="Roboto"/>
@@ -11227,11 +11256,11 @@
 </file>
 
 <file path=ppt/slides/slide6.xml><?xml version="1.0" encoding="utf-8"?>
-<p:sld xmlns:a="http://schemas.openxmlformats.org/drawingml/2006/main" xmlns:r="http://schemas.openxmlformats.org/officeDocument/2006/relationships" xmlns:mc="http://schemas.openxmlformats.org/markup-compatibility/2006" xmlns:mv="urn:schemas-microsoft-com:mac:vml" xmlns:p="http://schemas.openxmlformats.org/presentationml/2006/main" xmlns:c="http://schemas.openxmlformats.org/drawingml/2006/chart" xmlns:dgm="http://schemas.openxmlformats.org/drawingml/2006/diagram" xmlns:o="urn:schemas-microsoft-com:office:office" xmlns:v="urn:schemas-microsoft-com:vml" xmlns:pvml="urn:schemas-microsoft-com:office:powerpoint" xmlns:com="http://schemas.openxmlformats.org/drawingml/2006/compatibility" xmlns:p14="http://schemas.microsoft.com/office/powerpoint/2010/main" xmlns:p15="http://schemas.microsoft.com/office/powerpoint/2012/main" xmlns:ahyp="http://schemas.microsoft.com/office/drawing/2018/hyperlinkcolor">
+<p:sld xmlns:a="http://schemas.openxmlformats.org/drawingml/2006/main" xmlns:r="http://schemas.openxmlformats.org/officeDocument/2006/relationships" xmlns:p="http://schemas.openxmlformats.org/presentationml/2006/main">
   <p:cSld>
     <p:spTree>
       <p:nvGrpSpPr>
-        <p:cNvPr id="168" name="Shape 168"/>
+        <p:cNvPr id="1" name="Shape 168"/>
         <p:cNvGrpSpPr/>
         <p:nvPr/>
       </p:nvGrpSpPr>
@@ -11246,9 +11275,11 @@
       <p:sp>
         <p:nvSpPr>
           <p:cNvPr id="169" name="Google Shape;169;p18"/>
-          <p:cNvSpPr txBox="1"/>
+          <p:cNvSpPr txBox="1">
+            <a:spLocks noGrp="1"/>
+          </p:cNvSpPr>
           <p:nvPr>
-            <p:ph idx="4294967295" type="ctrTitle"/>
+            <p:ph type="ctrTitle" idx="4294967295"/>
           </p:nvPr>
         </p:nvSpPr>
         <p:spPr>
@@ -11261,12 +11292,12 @@
           </a:prstGeom>
         </p:spPr>
         <p:txBody>
-          <a:bodyPr anchorCtr="0" anchor="t" bIns="91425" lIns="91425" spcFirstLastPara="1" rIns="91425" wrap="square" tIns="91425">
+          <a:bodyPr spcFirstLastPara="1" wrap="square" lIns="91425" tIns="91425" rIns="91425" bIns="91425" anchor="t" anchorCtr="0">
             <a:normAutofit fontScale="90000"/>
           </a:bodyPr>
           <a:lstStyle/>
           <a:p>
-            <a:pPr indent="0" lvl="0" marL="0" rtl="0" algn="l">
+            <a:pPr marL="0" lvl="0" indent="0" algn="l" rtl="0">
               <a:spcBef>
                 <a:spcPts val="0"/>
               </a:spcBef>
@@ -11292,7 +11323,7 @@
             </a:endParaRPr>
           </a:p>
           <a:p>
-            <a:pPr indent="0" lvl="0" marL="0" rtl="0" algn="l">
+            <a:pPr marL="0" lvl="0" indent="0" algn="l" rtl="0">
               <a:spcBef>
                 <a:spcPts val="0"/>
               </a:spcBef>
@@ -11301,9 +11332,6 @@
               </a:spcAft>
               <a:buNone/>
             </a:pPr>
-            <a:r>
-              <a:t/>
-            </a:r>
             <a:endParaRPr sz="2900"/>
           </a:p>
         </p:txBody>
@@ -11412,12 +11440,12 @@
           </a:ln>
         </p:spPr>
         <p:txBody>
-          <a:bodyPr anchorCtr="0" anchor="t" bIns="91425" lIns="91425" spcFirstLastPara="1" rIns="91425" wrap="square" tIns="91425">
+          <a:bodyPr spcFirstLastPara="1" wrap="square" lIns="91425" tIns="91425" rIns="91425" bIns="91425" anchor="t" anchorCtr="0">
             <a:spAutoFit/>
           </a:bodyPr>
           <a:lstStyle/>
           <a:p>
-            <a:pPr indent="0" lvl="0" marL="0" rtl="0" algn="ctr">
+            <a:pPr marL="0" lvl="0" indent="0" algn="ctr" rtl="0">
               <a:spcBef>
                 <a:spcPts val="0"/>
               </a:spcBef>
@@ -11427,7 +11455,7 @@
               <a:buNone/>
             </a:pPr>
             <a:r>
-              <a:rPr b="1" lang="es" sz="3900">
+              <a:rPr lang="es" sz="3900" b="1">
                 <a:solidFill>
                   <a:srgbClr val="FF0000"/>
                 </a:solidFill>
@@ -11438,7 +11466,7 @@
               </a:rPr>
               <a:t>+</a:t>
             </a:r>
-            <a:endParaRPr b="1" sz="3900">
+            <a:endParaRPr sz="3900" b="1">
               <a:solidFill>
                 <a:srgbClr val="FF0000"/>
               </a:solidFill>
@@ -11526,12 +11554,12 @@
           </a:ln>
         </p:spPr>
         <p:txBody>
-          <a:bodyPr anchorCtr="0" anchor="t" bIns="91425" lIns="91425" spcFirstLastPara="1" rIns="91425" wrap="square" tIns="91425">
+          <a:bodyPr spcFirstLastPara="1" wrap="square" lIns="91425" tIns="91425" rIns="91425" bIns="91425" anchor="t" anchorCtr="0">
             <a:spAutoFit/>
           </a:bodyPr>
           <a:lstStyle/>
           <a:p>
-            <a:pPr indent="0" lvl="0" marL="0" rtl="0" algn="ctr">
+            <a:pPr marL="0" lvl="0" indent="0" algn="ctr" rtl="0">
               <a:spcBef>
                 <a:spcPts val="0"/>
               </a:spcBef>
@@ -11541,7 +11569,7 @@
               <a:buNone/>
             </a:pPr>
             <a:r>
-              <a:rPr b="1" lang="es" sz="3900">
+              <a:rPr lang="es" sz="3900" b="1">
                 <a:solidFill>
                   <a:srgbClr val="FF0000"/>
                 </a:solidFill>
@@ -11552,7 +11580,7 @@
               </a:rPr>
               <a:t>+</a:t>
             </a:r>
-            <a:endParaRPr b="1" sz="3900">
+            <a:endParaRPr sz="3900" b="1">
               <a:solidFill>
                 <a:srgbClr val="FF0000"/>
               </a:solidFill>
@@ -11584,12 +11612,12 @@
           </a:ln>
         </p:spPr>
         <p:txBody>
-          <a:bodyPr anchorCtr="0" anchor="t" bIns="91425" lIns="91425" spcFirstLastPara="1" rIns="91425" wrap="square" tIns="91425">
+          <a:bodyPr spcFirstLastPara="1" wrap="square" lIns="91425" tIns="91425" rIns="91425" bIns="91425" anchor="t" anchorCtr="0">
             <a:spAutoFit/>
           </a:bodyPr>
           <a:lstStyle/>
           <a:p>
-            <a:pPr indent="-349250" lvl="0" marL="457200" rtl="0" algn="l">
+            <a:pPr marL="457200" lvl="0" indent="-349250" algn="l" rtl="0">
               <a:spcBef>
                 <a:spcPts val="0"/>
               </a:spcBef>
@@ -11617,7 +11645,7 @@
             </a:endParaRPr>
           </a:p>
           <a:p>
-            <a:pPr indent="0" lvl="0" marL="0" rtl="0" algn="l">
+            <a:pPr marL="0" lvl="0" indent="0" algn="l" rtl="0">
               <a:spcBef>
                 <a:spcPts val="0"/>
               </a:spcBef>
@@ -11626,9 +11654,6 @@
               </a:spcAft>
               <a:buNone/>
             </a:pPr>
-            <a:r>
-              <a:t/>
-            </a:r>
             <a:endParaRPr sz="1900">
               <a:latin typeface="Roboto"/>
               <a:ea typeface="Roboto"/>
@@ -11637,7 +11662,7 @@
             </a:endParaRPr>
           </a:p>
           <a:p>
-            <a:pPr indent="-349250" lvl="0" marL="457200" rtl="0" algn="l">
+            <a:pPr marL="457200" lvl="0" indent="-349250" algn="l" rtl="0">
               <a:spcBef>
                 <a:spcPts val="0"/>
               </a:spcBef>
@@ -11665,7 +11690,7 @@
             </a:endParaRPr>
           </a:p>
           <a:p>
-            <a:pPr indent="0" lvl="0" marL="0" rtl="0" algn="l">
+            <a:pPr marL="0" lvl="0" indent="0" algn="l" rtl="0">
               <a:spcBef>
                 <a:spcPts val="0"/>
               </a:spcBef>
@@ -11674,9 +11699,6 @@
               </a:spcAft>
               <a:buNone/>
             </a:pPr>
-            <a:r>
-              <a:t/>
-            </a:r>
             <a:endParaRPr sz="1900">
               <a:latin typeface="Roboto"/>
               <a:ea typeface="Roboto"/>
@@ -11685,7 +11707,7 @@
             </a:endParaRPr>
           </a:p>
           <a:p>
-            <a:pPr indent="-349250" lvl="0" marL="457200" rtl="0" algn="l">
+            <a:pPr marL="457200" lvl="0" indent="-349250" algn="l" rtl="0">
               <a:spcBef>
                 <a:spcPts val="0"/>
               </a:spcBef>
@@ -11723,11 +11745,11 @@
 </file>
 
 <file path=ppt/slides/slide7.xml><?xml version="1.0" encoding="utf-8"?>
-<p:sld xmlns:a="http://schemas.openxmlformats.org/drawingml/2006/main" xmlns:r="http://schemas.openxmlformats.org/officeDocument/2006/relationships" xmlns:mc="http://schemas.openxmlformats.org/markup-compatibility/2006" xmlns:mv="urn:schemas-microsoft-com:mac:vml" xmlns:p="http://schemas.openxmlformats.org/presentationml/2006/main" xmlns:c="http://schemas.openxmlformats.org/drawingml/2006/chart" xmlns:dgm="http://schemas.openxmlformats.org/drawingml/2006/diagram" xmlns:o="urn:schemas-microsoft-com:office:office" xmlns:v="urn:schemas-microsoft-com:vml" xmlns:pvml="urn:schemas-microsoft-com:office:powerpoint" xmlns:com="http://schemas.openxmlformats.org/drawingml/2006/compatibility" xmlns:p14="http://schemas.microsoft.com/office/powerpoint/2010/main" xmlns:p15="http://schemas.microsoft.com/office/powerpoint/2012/main" xmlns:ahyp="http://schemas.microsoft.com/office/drawing/2018/hyperlinkcolor">
+<p:sld xmlns:a="http://schemas.openxmlformats.org/drawingml/2006/main" xmlns:r="http://schemas.openxmlformats.org/officeDocument/2006/relationships" xmlns:p="http://schemas.openxmlformats.org/presentationml/2006/main">
   <p:cSld>
     <p:spTree>
       <p:nvGrpSpPr>
-        <p:cNvPr id="181" name="Shape 181"/>
+        <p:cNvPr id="1" name="Shape 181"/>
         <p:cNvGrpSpPr/>
         <p:nvPr/>
       </p:nvGrpSpPr>
@@ -11742,9 +11764,11 @@
       <p:sp>
         <p:nvSpPr>
           <p:cNvPr id="182" name="Google Shape;182;p19"/>
-          <p:cNvSpPr txBox="1"/>
+          <p:cNvSpPr txBox="1">
+            <a:spLocks noGrp="1"/>
+          </p:cNvSpPr>
           <p:nvPr>
-            <p:ph idx="4294967295" type="ctrTitle"/>
+            <p:ph type="ctrTitle" idx="4294967295"/>
           </p:nvPr>
         </p:nvSpPr>
         <p:spPr>
@@ -11757,12 +11781,12 @@
           </a:prstGeom>
         </p:spPr>
         <p:txBody>
-          <a:bodyPr anchorCtr="0" anchor="t" bIns="91425" lIns="91425" spcFirstLastPara="1" rIns="91425" wrap="square" tIns="91425">
+          <a:bodyPr spcFirstLastPara="1" wrap="square" lIns="91425" tIns="91425" rIns="91425" bIns="91425" anchor="t" anchorCtr="0">
             <a:normAutofit fontScale="90000"/>
           </a:bodyPr>
           <a:lstStyle/>
           <a:p>
-            <a:pPr indent="0" lvl="0" marL="0" rtl="0" algn="ctr">
+            <a:pPr marL="0" lvl="0" indent="0" algn="ctr" rtl="0">
               <a:spcBef>
                 <a:spcPts val="0"/>
               </a:spcBef>
@@ -11778,16 +11802,7 @@
                 <a:cs typeface="Roboto"/>
                 <a:sym typeface="Roboto"/>
               </a:rPr>
-              <a:t>Demostración </a:t>
-            </a:r>
-            <a:r>
-              <a:rPr lang="es" sz="2900">
-                <a:latin typeface="Roboto"/>
-                <a:ea typeface="Roboto"/>
-                <a:cs typeface="Roboto"/>
-                <a:sym typeface="Roboto"/>
-              </a:rPr>
-              <a:t>Técnica</a:t>
+              <a:t>Demostración Técnica</a:t>
             </a:r>
             <a:endParaRPr sz="2900">
               <a:latin typeface="Roboto"/>
@@ -11797,7 +11812,7 @@
             </a:endParaRPr>
           </a:p>
           <a:p>
-            <a:pPr indent="0" lvl="0" marL="0" rtl="0" algn="l">
+            <a:pPr marL="0" lvl="0" indent="0" algn="l" rtl="0">
               <a:spcBef>
                 <a:spcPts val="0"/>
               </a:spcBef>
@@ -11806,9 +11821,6 @@
               </a:spcAft>
               <a:buNone/>
             </a:pPr>
-            <a:r>
-              <a:t/>
-            </a:r>
             <a:endParaRPr sz="2900"/>
           </a:p>
         </p:txBody>
@@ -11836,23 +11848,25 @@
             <a:avLst/>
           </a:prstGeom>
           <a:noFill/>
-          <a:ln cap="flat" cmpd="sng" w="9525">
+          <a:ln w="9525" cap="flat" cmpd="sng">
             <a:solidFill>
               <a:srgbClr val="000000"/>
             </a:solidFill>
             <a:prstDash val="solid"/>
             <a:round/>
-            <a:headEnd len="sm" w="sm" type="none"/>
-            <a:tailEnd len="sm" w="sm" type="none"/>
+            <a:headEnd type="none" w="sm" len="sm"/>
+            <a:tailEnd type="none" w="sm" len="sm"/>
           </a:ln>
         </p:spPr>
       </p:pic>
       <p:sp>
         <p:nvSpPr>
           <p:cNvPr id="184" name="Google Shape;184;p19"/>
-          <p:cNvSpPr txBox="1"/>
+          <p:cNvSpPr txBox="1">
+            <a:spLocks noGrp="1"/>
+          </p:cNvSpPr>
           <p:nvPr>
-            <p:ph idx="1" type="body"/>
+            <p:ph type="body" idx="1"/>
           </p:nvPr>
         </p:nvSpPr>
         <p:spPr>
@@ -11865,12 +11879,12 @@
           </a:prstGeom>
         </p:spPr>
         <p:txBody>
-          <a:bodyPr anchorCtr="0" anchor="ctr" bIns="91425" lIns="91425" spcFirstLastPara="1" rIns="91425" wrap="square" tIns="91425">
+          <a:bodyPr spcFirstLastPara="1" wrap="square" lIns="91425" tIns="91425" rIns="91425" bIns="91425" anchor="ctr" anchorCtr="0">
             <a:noAutofit/>
           </a:bodyPr>
           <a:lstStyle/>
           <a:p>
-            <a:pPr indent="0" lvl="0" marL="0" rtl="0" algn="ctr">
+            <a:pPr marL="0" lvl="0" indent="0" algn="ctr" rtl="0">
               <a:lnSpc>
                 <a:spcPct val="80000"/>
               </a:lnSpc>
@@ -11904,7 +11918,7 @@
             </a:endParaRPr>
           </a:p>
           <a:p>
-            <a:pPr indent="0" lvl="0" marL="0" rtl="0" algn="l">
+            <a:pPr marL="0" lvl="0" indent="0" algn="l" rtl="0">
               <a:lnSpc>
                 <a:spcPct val="80000"/>
               </a:lnSpc>
@@ -11917,9 +11931,6 @@
               <a:buSzPts val="935"/>
               <a:buNone/>
             </a:pPr>
-            <a:r>
-              <a:t/>
-            </a:r>
             <a:endParaRPr sz="1105"/>
           </a:p>
         </p:txBody>
@@ -11933,11 +11944,11 @@
 </file>
 
 <file path=ppt/slides/slide8.xml><?xml version="1.0" encoding="utf-8"?>
-<p:sld xmlns:a="http://schemas.openxmlformats.org/drawingml/2006/main" xmlns:r="http://schemas.openxmlformats.org/officeDocument/2006/relationships" xmlns:mc="http://schemas.openxmlformats.org/markup-compatibility/2006" xmlns:mv="urn:schemas-microsoft-com:mac:vml" xmlns:p="http://schemas.openxmlformats.org/presentationml/2006/main" xmlns:c="http://schemas.openxmlformats.org/drawingml/2006/chart" xmlns:dgm="http://schemas.openxmlformats.org/drawingml/2006/diagram" xmlns:o="urn:schemas-microsoft-com:office:office" xmlns:v="urn:schemas-microsoft-com:vml" xmlns:pvml="urn:schemas-microsoft-com:office:powerpoint" xmlns:com="http://schemas.openxmlformats.org/drawingml/2006/compatibility" xmlns:p14="http://schemas.microsoft.com/office/powerpoint/2010/main" xmlns:p15="http://schemas.microsoft.com/office/powerpoint/2012/main" xmlns:ahyp="http://schemas.microsoft.com/office/drawing/2018/hyperlinkcolor">
+<p:sld xmlns:a="http://schemas.openxmlformats.org/drawingml/2006/main" xmlns:r="http://schemas.openxmlformats.org/officeDocument/2006/relationships" xmlns:p="http://schemas.openxmlformats.org/presentationml/2006/main">
   <p:cSld>
     <p:spTree>
       <p:nvGrpSpPr>
-        <p:cNvPr id="188" name="Shape 188"/>
+        <p:cNvPr id="1" name="Shape 188"/>
         <p:cNvGrpSpPr/>
         <p:nvPr/>
       </p:nvGrpSpPr>
@@ -11952,7 +11963,9 @@
       <p:sp>
         <p:nvSpPr>
           <p:cNvPr id="189" name="Google Shape;189;p20"/>
-          <p:cNvSpPr txBox="1"/>
+          <p:cNvSpPr txBox="1">
+            <a:spLocks noGrp="1"/>
+          </p:cNvSpPr>
           <p:nvPr>
             <p:ph type="ctrTitle"/>
           </p:nvPr>
@@ -11967,12 +11980,12 @@
           </a:prstGeom>
         </p:spPr>
         <p:txBody>
-          <a:bodyPr anchorCtr="0" anchor="t" bIns="91425" lIns="91425" spcFirstLastPara="1" rIns="91425" wrap="square" tIns="91425">
+          <a:bodyPr spcFirstLastPara="1" wrap="square" lIns="91425" tIns="91425" rIns="91425" bIns="91425" anchor="t" anchorCtr="0">
             <a:normAutofit/>
           </a:bodyPr>
           <a:lstStyle/>
           <a:p>
-            <a:pPr indent="0" lvl="0" marL="0" rtl="0" algn="ctr">
+            <a:pPr marL="0" lvl="0" indent="0" algn="ctr" rtl="0">
               <a:spcBef>
                 <a:spcPts val="0"/>
               </a:spcBef>
@@ -11998,7 +12011,7 @@
             </a:endParaRPr>
           </a:p>
           <a:p>
-            <a:pPr indent="0" lvl="0" marL="0" rtl="0" algn="l">
+            <a:pPr marL="0" lvl="0" indent="0" algn="l" rtl="0">
               <a:spcBef>
                 <a:spcPts val="0"/>
               </a:spcBef>
@@ -12007,13 +12020,10 @@
               </a:spcAft>
               <a:buNone/>
             </a:pPr>
-            <a:r>
-              <a:t/>
-            </a:r>
             <a:endParaRPr sz="2900"/>
           </a:p>
           <a:p>
-            <a:pPr indent="0" lvl="0" marL="0" rtl="0" algn="l">
+            <a:pPr marL="0" lvl="0" indent="0" algn="l" rtl="0">
               <a:spcBef>
                 <a:spcPts val="0"/>
               </a:spcBef>
@@ -12022,9 +12032,6 @@
               </a:spcAft>
               <a:buNone/>
             </a:pPr>
-            <a:r>
-              <a:t/>
-            </a:r>
             <a:endParaRPr sz="2900"/>
           </a:p>
         </p:txBody>
@@ -12038,7 +12045,7 @@
 </file>
 
 <file path=ppt/theme/theme1.xml><?xml version="1.0" encoding="utf-8"?>
-<a:theme xmlns:a="http://schemas.openxmlformats.org/drawingml/2006/main" xmlns:r="http://schemas.openxmlformats.org/officeDocument/2006/relationships" name="Streamline">
+<a:theme xmlns:a="http://schemas.openxmlformats.org/drawingml/2006/main" name="Streamline">
   <a:themeElements>
     <a:clrScheme name="Streamline">
       <a:dk1>
@@ -12313,11 +12320,13 @@
       </a:bgFillStyleLst>
     </a:fmtScheme>
   </a:themeElements>
+  <a:objectDefaults/>
+  <a:extraClrSchemeLst/>
 </a:theme>
 </file>
 
 <file path=ppt/theme/theme2.xml><?xml version="1.0" encoding="utf-8"?>
-<a:theme xmlns:a="http://schemas.openxmlformats.org/drawingml/2006/main" xmlns:r="http://schemas.openxmlformats.org/officeDocument/2006/relationships">
+<a:theme xmlns:a="http://schemas.openxmlformats.org/drawingml/2006/main">
   <a:themeElements>
     <a:clrScheme name="Default">
       <a:dk1>
@@ -12592,5 +12601,7 @@
       </a:bgFillStyleLst>
     </a:fmtScheme>
   </a:themeElements>
+  <a:objectDefaults/>
+  <a:extraClrSchemeLst/>
 </a:theme>
 </file>